--- a/Module_One/presentations/GoLang_VMWare.pptx
+++ b/Module_One/presentations/GoLang_VMWare.pptx
@@ -5,7 +5,7 @@
     <p:sldMasterId id="2147483655" r:id="rId1"/>
   </p:sldMasterIdLst>
   <p:notesMasterIdLst>
-    <p:notesMasterId r:id="rId22"/>
+    <p:notesMasterId r:id="rId35"/>
   </p:notesMasterIdLst>
   <p:sldIdLst>
     <p:sldId id="256" r:id="rId2"/>
@@ -21,13 +21,26 @@
     <p:sldId id="449" r:id="rId12"/>
     <p:sldId id="348" r:id="rId13"/>
     <p:sldId id="450" r:id="rId14"/>
-    <p:sldId id="451" r:id="rId15"/>
-    <p:sldId id="452" r:id="rId16"/>
-    <p:sldId id="453" r:id="rId17"/>
-    <p:sldId id="455" r:id="rId18"/>
-    <p:sldId id="456" r:id="rId19"/>
-    <p:sldId id="457" r:id="rId20"/>
-    <p:sldId id="458" r:id="rId21"/>
+    <p:sldId id="460" r:id="rId15"/>
+    <p:sldId id="451" r:id="rId16"/>
+    <p:sldId id="452" r:id="rId17"/>
+    <p:sldId id="453" r:id="rId18"/>
+    <p:sldId id="455" r:id="rId19"/>
+    <p:sldId id="456" r:id="rId20"/>
+    <p:sldId id="457" r:id="rId21"/>
+    <p:sldId id="458" r:id="rId22"/>
+    <p:sldId id="459" r:id="rId23"/>
+    <p:sldId id="461" r:id="rId24"/>
+    <p:sldId id="462" r:id="rId25"/>
+    <p:sldId id="463" r:id="rId26"/>
+    <p:sldId id="464" r:id="rId27"/>
+    <p:sldId id="465" r:id="rId28"/>
+    <p:sldId id="466" r:id="rId29"/>
+    <p:sldId id="467" r:id="rId30"/>
+    <p:sldId id="468" r:id="rId31"/>
+    <p:sldId id="469" r:id="rId32"/>
+    <p:sldId id="470" r:id="rId33"/>
+    <p:sldId id="471" r:id="rId34"/>
   </p:sldIdLst>
   <p:sldSz cx="9144000" cy="6858000" type="screen4x3"/>
   <p:notesSz cx="6858000" cy="9144000"/>
@@ -2057,7 +2070,7 @@
     </p:spTree>
     <p:extLst>
       <p:ext uri="{BB962C8B-B14F-4D97-AF65-F5344CB8AC3E}">
-        <p14:creationId xmlns:p14="http://schemas.microsoft.com/office/powerpoint/2010/main" val="2838036393"/>
+        <p14:creationId xmlns:p14="http://schemas.microsoft.com/office/powerpoint/2010/main" val="489107597"/>
       </p:ext>
     </p:extLst>
   </p:cSld>
@@ -2218,7 +2231,7 @@
     </p:spTree>
     <p:extLst>
       <p:ext uri="{BB962C8B-B14F-4D97-AF65-F5344CB8AC3E}">
-        <p14:creationId xmlns:p14="http://schemas.microsoft.com/office/powerpoint/2010/main" val="4107932226"/>
+        <p14:creationId xmlns:p14="http://schemas.microsoft.com/office/powerpoint/2010/main" val="2838036393"/>
       </p:ext>
     </p:extLst>
   </p:cSld>
@@ -2379,7 +2392,7 @@
     </p:spTree>
     <p:extLst>
       <p:ext uri="{BB962C8B-B14F-4D97-AF65-F5344CB8AC3E}">
-        <p14:creationId xmlns:p14="http://schemas.microsoft.com/office/powerpoint/2010/main" val="2233033394"/>
+        <p14:creationId xmlns:p14="http://schemas.microsoft.com/office/powerpoint/2010/main" val="4107932226"/>
       </p:ext>
     </p:extLst>
   </p:cSld>
@@ -2540,7 +2553,7 @@
     </p:spTree>
     <p:extLst>
       <p:ext uri="{BB962C8B-B14F-4D97-AF65-F5344CB8AC3E}">
-        <p14:creationId xmlns:p14="http://schemas.microsoft.com/office/powerpoint/2010/main" val="1565977100"/>
+        <p14:creationId xmlns:p14="http://schemas.microsoft.com/office/powerpoint/2010/main" val="2233033394"/>
       </p:ext>
     </p:extLst>
   </p:cSld>
@@ -2701,7 +2714,7 @@
     </p:spTree>
     <p:extLst>
       <p:ext uri="{BB962C8B-B14F-4D97-AF65-F5344CB8AC3E}">
-        <p14:creationId xmlns:p14="http://schemas.microsoft.com/office/powerpoint/2010/main" val="4179512890"/>
+        <p14:creationId xmlns:p14="http://schemas.microsoft.com/office/powerpoint/2010/main" val="1565977100"/>
       </p:ext>
     </p:extLst>
   </p:cSld>
@@ -2862,7 +2875,7 @@
     </p:spTree>
     <p:extLst>
       <p:ext uri="{BB962C8B-B14F-4D97-AF65-F5344CB8AC3E}">
-        <p14:creationId xmlns:p14="http://schemas.microsoft.com/office/powerpoint/2010/main" val="3887205718"/>
+        <p14:creationId xmlns:p14="http://schemas.microsoft.com/office/powerpoint/2010/main" val="4179512890"/>
       </p:ext>
     </p:extLst>
   </p:cSld>
@@ -3124,7 +3137,1456 @@
     </p:spTree>
     <p:extLst>
       <p:ext uri="{BB962C8B-B14F-4D97-AF65-F5344CB8AC3E}">
+        <p14:creationId xmlns:p14="http://schemas.microsoft.com/office/powerpoint/2010/main" val="3887205718"/>
+      </p:ext>
+    </p:extLst>
+  </p:cSld>
+  <p:clrMapOvr>
+    <a:masterClrMapping/>
+  </p:clrMapOvr>
+</p:notes>
+</file>
+
+<file path=ppt/notesSlides/notesSlide21.xml><?xml version="1.0" encoding="utf-8"?>
+<p:notes xmlns:a="http://schemas.openxmlformats.org/drawingml/2006/main" xmlns:r="http://schemas.openxmlformats.org/officeDocument/2006/relationships" xmlns:p="http://schemas.openxmlformats.org/presentationml/2006/main" showMasterSp="0" showMasterPhAnim="0">
+  <p:cSld>
+    <p:spTree>
+      <p:nvGrpSpPr>
+        <p:cNvPr id="1" name="Shape 109"/>
+        <p:cNvGrpSpPr/>
+        <p:nvPr/>
+      </p:nvGrpSpPr>
+      <p:grpSpPr>
+        <a:xfrm>
+          <a:off x="0" y="0"/>
+          <a:ext cx="0" cy="0"/>
+          <a:chOff x="0" y="0"/>
+          <a:chExt cx="0" cy="0"/>
+        </a:xfrm>
+      </p:grpSpPr>
+      <p:sp>
+        <p:nvSpPr>
+          <p:cNvPr id="110" name="Shape 110"/>
+          <p:cNvSpPr>
+            <a:spLocks noGrp="1" noRot="1" noChangeAspect="1"/>
+          </p:cNvSpPr>
+          <p:nvPr>
+            <p:ph type="sldImg" idx="2"/>
+          </p:nvPr>
+        </p:nvSpPr>
+        <p:spPr>
+          <a:xfrm>
+            <a:off x="1143000" y="685800"/>
+            <a:ext cx="4572000" cy="3429000"/>
+          </a:xfrm>
+          <a:custGeom>
+            <a:avLst/>
+            <a:gdLst/>
+            <a:ahLst/>
+            <a:cxnLst/>
+            <a:rect l="0" t="0" r="0" b="0"/>
+            <a:pathLst>
+              <a:path w="120000" h="120000" extrusionOk="0">
+                <a:moveTo>
+                  <a:pt x="0" y="0"/>
+                </a:moveTo>
+                <a:lnTo>
+                  <a:pt x="120000" y="0"/>
+                </a:lnTo>
+                <a:lnTo>
+                  <a:pt x="120000" y="120000"/>
+                </a:lnTo>
+                <a:lnTo>
+                  <a:pt x="0" y="120000"/>
+                </a:lnTo>
+                <a:close/>
+              </a:path>
+            </a:pathLst>
+          </a:custGeom>
+        </p:spPr>
+      </p:sp>
+      <p:sp>
+        <p:nvSpPr>
+          <p:cNvPr id="111" name="Shape 111"/>
+          <p:cNvSpPr txBox="1">
+            <a:spLocks noGrp="1"/>
+          </p:cNvSpPr>
+          <p:nvPr>
+            <p:ph type="body" idx="1"/>
+          </p:nvPr>
+        </p:nvSpPr>
+        <p:spPr>
+          <a:xfrm>
+            <a:off x="685800" y="4343400"/>
+            <a:ext cx="5486399" cy="4114800"/>
+          </a:xfrm>
+          <a:prstGeom prst="rect">
+            <a:avLst/>
+          </a:prstGeom>
+        </p:spPr>
+        <p:txBody>
+          <a:bodyPr lIns="91425" tIns="91425" rIns="91425" bIns="91425" anchor="t" anchorCtr="0">
+            <a:noAutofit/>
+          </a:bodyPr>
+          <a:lstStyle/>
+          <a:p>
+            <a:pPr marL="0" marR="0" lvl="0" indent="0" algn="l" defTabSz="457200" rtl="0" eaLnBrk="1" fontAlgn="auto" latinLnBrk="0" hangingPunct="1">
+              <a:lnSpc>
+                <a:spcPct val="100000"/>
+              </a:lnSpc>
+              <a:spcBef>
+                <a:spcPts val="0"/>
+              </a:spcBef>
+              <a:spcAft>
+                <a:spcPts val="0"/>
+              </a:spcAft>
+              <a:buClrTx/>
+              <a:buSzTx/>
+              <a:buFontTx/>
+              <a:buNone/>
+              <a:tabLst/>
+              <a:defRPr/>
+            </a:pPr>
+            <a:endParaRPr dirty="0"/>
+          </a:p>
+        </p:txBody>
+      </p:sp>
+      <p:sp>
+        <p:nvSpPr>
+          <p:cNvPr id="112" name="Shape 112"/>
+          <p:cNvSpPr txBox="1">
+            <a:spLocks noGrp="1"/>
+          </p:cNvSpPr>
+          <p:nvPr>
+            <p:ph type="sldNum" idx="12"/>
+          </p:nvPr>
+        </p:nvSpPr>
+        <p:spPr>
+          <a:xfrm>
+            <a:off x="3884612" y="8685213"/>
+            <a:ext cx="2971799" cy="457200"/>
+          </a:xfrm>
+          <a:prstGeom prst="rect">
+            <a:avLst/>
+          </a:prstGeom>
+        </p:spPr>
+        <p:txBody>
+          <a:bodyPr lIns="91425" tIns="45700" rIns="91425" bIns="45700" anchor="b" anchorCtr="0">
+            <a:noAutofit/>
+          </a:bodyPr>
+          <a:lstStyle/>
+          <a:p>
+            <a:pPr lvl="0">
+              <a:spcBef>
+                <a:spcPts val="0"/>
+              </a:spcBef>
+              <a:buClr>
+                <a:srgbClr val="000000"/>
+              </a:buClr>
+              <a:buSzPct val="25000"/>
+              <a:buFont typeface="Arial"/>
+              <a:buNone/>
+            </a:pPr>
+            <a:fld id="{00000000-1234-1234-1234-123412341234}" type="slidenum">
+              <a:rPr lang="en-US"/>
+              <a:t>21</a:t>
+            </a:fld>
+            <a:endParaRPr lang="en-US"/>
+          </a:p>
+        </p:txBody>
+      </p:sp>
+    </p:spTree>
+    <p:extLst>
+      <p:ext uri="{BB962C8B-B14F-4D97-AF65-F5344CB8AC3E}">
         <p14:creationId xmlns:p14="http://schemas.microsoft.com/office/powerpoint/2010/main" val="1683903865"/>
+      </p:ext>
+    </p:extLst>
+  </p:cSld>
+  <p:clrMapOvr>
+    <a:masterClrMapping/>
+  </p:clrMapOvr>
+</p:notes>
+</file>
+
+<file path=ppt/notesSlides/notesSlide22.xml><?xml version="1.0" encoding="utf-8"?>
+<p:notes xmlns:a="http://schemas.openxmlformats.org/drawingml/2006/main" xmlns:r="http://schemas.openxmlformats.org/officeDocument/2006/relationships" xmlns:p="http://schemas.openxmlformats.org/presentationml/2006/main" showMasterSp="0" showMasterPhAnim="0">
+  <p:cSld>
+    <p:spTree>
+      <p:nvGrpSpPr>
+        <p:cNvPr id="1" name="Shape 109"/>
+        <p:cNvGrpSpPr/>
+        <p:nvPr/>
+      </p:nvGrpSpPr>
+      <p:grpSpPr>
+        <a:xfrm>
+          <a:off x="0" y="0"/>
+          <a:ext cx="0" cy="0"/>
+          <a:chOff x="0" y="0"/>
+          <a:chExt cx="0" cy="0"/>
+        </a:xfrm>
+      </p:grpSpPr>
+      <p:sp>
+        <p:nvSpPr>
+          <p:cNvPr id="110" name="Shape 110"/>
+          <p:cNvSpPr>
+            <a:spLocks noGrp="1" noRot="1" noChangeAspect="1"/>
+          </p:cNvSpPr>
+          <p:nvPr>
+            <p:ph type="sldImg" idx="2"/>
+          </p:nvPr>
+        </p:nvSpPr>
+        <p:spPr>
+          <a:xfrm>
+            <a:off x="1143000" y="685800"/>
+            <a:ext cx="4572000" cy="3429000"/>
+          </a:xfrm>
+          <a:custGeom>
+            <a:avLst/>
+            <a:gdLst/>
+            <a:ahLst/>
+            <a:cxnLst/>
+            <a:rect l="0" t="0" r="0" b="0"/>
+            <a:pathLst>
+              <a:path w="120000" h="120000" extrusionOk="0">
+                <a:moveTo>
+                  <a:pt x="0" y="0"/>
+                </a:moveTo>
+                <a:lnTo>
+                  <a:pt x="120000" y="0"/>
+                </a:lnTo>
+                <a:lnTo>
+                  <a:pt x="120000" y="120000"/>
+                </a:lnTo>
+                <a:lnTo>
+                  <a:pt x="0" y="120000"/>
+                </a:lnTo>
+                <a:close/>
+              </a:path>
+            </a:pathLst>
+          </a:custGeom>
+        </p:spPr>
+      </p:sp>
+      <p:sp>
+        <p:nvSpPr>
+          <p:cNvPr id="111" name="Shape 111"/>
+          <p:cNvSpPr txBox="1">
+            <a:spLocks noGrp="1"/>
+          </p:cNvSpPr>
+          <p:nvPr>
+            <p:ph type="body" idx="1"/>
+          </p:nvPr>
+        </p:nvSpPr>
+        <p:spPr>
+          <a:xfrm>
+            <a:off x="685800" y="4343400"/>
+            <a:ext cx="5486399" cy="4114800"/>
+          </a:xfrm>
+          <a:prstGeom prst="rect">
+            <a:avLst/>
+          </a:prstGeom>
+        </p:spPr>
+        <p:txBody>
+          <a:bodyPr lIns="91425" tIns="91425" rIns="91425" bIns="91425" anchor="t" anchorCtr="0">
+            <a:noAutofit/>
+          </a:bodyPr>
+          <a:lstStyle/>
+          <a:p>
+            <a:pPr marL="0" marR="0" lvl="0" indent="0" algn="l" defTabSz="457200" rtl="0" eaLnBrk="1" fontAlgn="auto" latinLnBrk="0" hangingPunct="1">
+              <a:lnSpc>
+                <a:spcPct val="100000"/>
+              </a:lnSpc>
+              <a:spcBef>
+                <a:spcPts val="0"/>
+              </a:spcBef>
+              <a:spcAft>
+                <a:spcPts val="0"/>
+              </a:spcAft>
+              <a:buClrTx/>
+              <a:buSzTx/>
+              <a:buFontTx/>
+              <a:buNone/>
+              <a:tabLst/>
+              <a:defRPr/>
+            </a:pPr>
+            <a:endParaRPr dirty="0"/>
+          </a:p>
+        </p:txBody>
+      </p:sp>
+      <p:sp>
+        <p:nvSpPr>
+          <p:cNvPr id="112" name="Shape 112"/>
+          <p:cNvSpPr txBox="1">
+            <a:spLocks noGrp="1"/>
+          </p:cNvSpPr>
+          <p:nvPr>
+            <p:ph type="sldNum" idx="12"/>
+          </p:nvPr>
+        </p:nvSpPr>
+        <p:spPr>
+          <a:xfrm>
+            <a:off x="3884612" y="8685213"/>
+            <a:ext cx="2971799" cy="457200"/>
+          </a:xfrm>
+          <a:prstGeom prst="rect">
+            <a:avLst/>
+          </a:prstGeom>
+        </p:spPr>
+        <p:txBody>
+          <a:bodyPr lIns="91425" tIns="45700" rIns="91425" bIns="45700" anchor="b" anchorCtr="0">
+            <a:noAutofit/>
+          </a:bodyPr>
+          <a:lstStyle/>
+          <a:p>
+            <a:pPr lvl="0">
+              <a:spcBef>
+                <a:spcPts val="0"/>
+              </a:spcBef>
+              <a:buClr>
+                <a:srgbClr val="000000"/>
+              </a:buClr>
+              <a:buSzPct val="25000"/>
+              <a:buFont typeface="Arial"/>
+              <a:buNone/>
+            </a:pPr>
+            <a:fld id="{00000000-1234-1234-1234-123412341234}" type="slidenum">
+              <a:rPr lang="en-US"/>
+              <a:t>22</a:t>
+            </a:fld>
+            <a:endParaRPr lang="en-US"/>
+          </a:p>
+        </p:txBody>
+      </p:sp>
+    </p:spTree>
+    <p:extLst>
+      <p:ext uri="{BB962C8B-B14F-4D97-AF65-F5344CB8AC3E}">
+        <p14:creationId xmlns:p14="http://schemas.microsoft.com/office/powerpoint/2010/main" val="3577656633"/>
+      </p:ext>
+    </p:extLst>
+  </p:cSld>
+  <p:clrMapOvr>
+    <a:masterClrMapping/>
+  </p:clrMapOvr>
+</p:notes>
+</file>
+
+<file path=ppt/notesSlides/notesSlide23.xml><?xml version="1.0" encoding="utf-8"?>
+<p:notes xmlns:a="http://schemas.openxmlformats.org/drawingml/2006/main" xmlns:r="http://schemas.openxmlformats.org/officeDocument/2006/relationships" xmlns:p="http://schemas.openxmlformats.org/presentationml/2006/main" showMasterSp="0" showMasterPhAnim="0">
+  <p:cSld>
+    <p:spTree>
+      <p:nvGrpSpPr>
+        <p:cNvPr id="1" name="Shape 109"/>
+        <p:cNvGrpSpPr/>
+        <p:nvPr/>
+      </p:nvGrpSpPr>
+      <p:grpSpPr>
+        <a:xfrm>
+          <a:off x="0" y="0"/>
+          <a:ext cx="0" cy="0"/>
+          <a:chOff x="0" y="0"/>
+          <a:chExt cx="0" cy="0"/>
+        </a:xfrm>
+      </p:grpSpPr>
+      <p:sp>
+        <p:nvSpPr>
+          <p:cNvPr id="110" name="Shape 110"/>
+          <p:cNvSpPr>
+            <a:spLocks noGrp="1" noRot="1" noChangeAspect="1"/>
+          </p:cNvSpPr>
+          <p:nvPr>
+            <p:ph type="sldImg" idx="2"/>
+          </p:nvPr>
+        </p:nvSpPr>
+        <p:spPr>
+          <a:xfrm>
+            <a:off x="1143000" y="685800"/>
+            <a:ext cx="4572000" cy="3429000"/>
+          </a:xfrm>
+          <a:custGeom>
+            <a:avLst/>
+            <a:gdLst/>
+            <a:ahLst/>
+            <a:cxnLst/>
+            <a:rect l="0" t="0" r="0" b="0"/>
+            <a:pathLst>
+              <a:path w="120000" h="120000" extrusionOk="0">
+                <a:moveTo>
+                  <a:pt x="0" y="0"/>
+                </a:moveTo>
+                <a:lnTo>
+                  <a:pt x="120000" y="0"/>
+                </a:lnTo>
+                <a:lnTo>
+                  <a:pt x="120000" y="120000"/>
+                </a:lnTo>
+                <a:lnTo>
+                  <a:pt x="0" y="120000"/>
+                </a:lnTo>
+                <a:close/>
+              </a:path>
+            </a:pathLst>
+          </a:custGeom>
+        </p:spPr>
+      </p:sp>
+      <p:sp>
+        <p:nvSpPr>
+          <p:cNvPr id="111" name="Shape 111"/>
+          <p:cNvSpPr txBox="1">
+            <a:spLocks noGrp="1"/>
+          </p:cNvSpPr>
+          <p:nvPr>
+            <p:ph type="body" idx="1"/>
+          </p:nvPr>
+        </p:nvSpPr>
+        <p:spPr>
+          <a:xfrm>
+            <a:off x="685800" y="4343400"/>
+            <a:ext cx="5486399" cy="4114800"/>
+          </a:xfrm>
+          <a:prstGeom prst="rect">
+            <a:avLst/>
+          </a:prstGeom>
+        </p:spPr>
+        <p:txBody>
+          <a:bodyPr lIns="91425" tIns="91425" rIns="91425" bIns="91425" anchor="t" anchorCtr="0">
+            <a:noAutofit/>
+          </a:bodyPr>
+          <a:lstStyle/>
+          <a:p>
+            <a:pPr marL="0" marR="0" lvl="0" indent="0" algn="l" defTabSz="457200" rtl="0" eaLnBrk="1" fontAlgn="auto" latinLnBrk="0" hangingPunct="1">
+              <a:lnSpc>
+                <a:spcPct val="100000"/>
+              </a:lnSpc>
+              <a:spcBef>
+                <a:spcPts val="0"/>
+              </a:spcBef>
+              <a:spcAft>
+                <a:spcPts val="0"/>
+              </a:spcAft>
+              <a:buClrTx/>
+              <a:buSzTx/>
+              <a:buFontTx/>
+              <a:buNone/>
+              <a:tabLst/>
+              <a:defRPr/>
+            </a:pPr>
+            <a:endParaRPr dirty="0"/>
+          </a:p>
+        </p:txBody>
+      </p:sp>
+      <p:sp>
+        <p:nvSpPr>
+          <p:cNvPr id="112" name="Shape 112"/>
+          <p:cNvSpPr txBox="1">
+            <a:spLocks noGrp="1"/>
+          </p:cNvSpPr>
+          <p:nvPr>
+            <p:ph type="sldNum" idx="12"/>
+          </p:nvPr>
+        </p:nvSpPr>
+        <p:spPr>
+          <a:xfrm>
+            <a:off x="3884612" y="8685213"/>
+            <a:ext cx="2971799" cy="457200"/>
+          </a:xfrm>
+          <a:prstGeom prst="rect">
+            <a:avLst/>
+          </a:prstGeom>
+        </p:spPr>
+        <p:txBody>
+          <a:bodyPr lIns="91425" tIns="45700" rIns="91425" bIns="45700" anchor="b" anchorCtr="0">
+            <a:noAutofit/>
+          </a:bodyPr>
+          <a:lstStyle/>
+          <a:p>
+            <a:pPr lvl="0">
+              <a:spcBef>
+                <a:spcPts val="0"/>
+              </a:spcBef>
+              <a:buClr>
+                <a:srgbClr val="000000"/>
+              </a:buClr>
+              <a:buSzPct val="25000"/>
+              <a:buFont typeface="Arial"/>
+              <a:buNone/>
+            </a:pPr>
+            <a:fld id="{00000000-1234-1234-1234-123412341234}" type="slidenum">
+              <a:rPr lang="en-US"/>
+              <a:t>23</a:t>
+            </a:fld>
+            <a:endParaRPr lang="en-US"/>
+          </a:p>
+        </p:txBody>
+      </p:sp>
+    </p:spTree>
+    <p:extLst>
+      <p:ext uri="{BB962C8B-B14F-4D97-AF65-F5344CB8AC3E}">
+        <p14:creationId xmlns:p14="http://schemas.microsoft.com/office/powerpoint/2010/main" val="2971315955"/>
+      </p:ext>
+    </p:extLst>
+  </p:cSld>
+  <p:clrMapOvr>
+    <a:masterClrMapping/>
+  </p:clrMapOvr>
+</p:notes>
+</file>
+
+<file path=ppt/notesSlides/notesSlide24.xml><?xml version="1.0" encoding="utf-8"?>
+<p:notes xmlns:a="http://schemas.openxmlformats.org/drawingml/2006/main" xmlns:r="http://schemas.openxmlformats.org/officeDocument/2006/relationships" xmlns:p="http://schemas.openxmlformats.org/presentationml/2006/main" showMasterSp="0" showMasterPhAnim="0">
+  <p:cSld>
+    <p:spTree>
+      <p:nvGrpSpPr>
+        <p:cNvPr id="1" name="Shape 109"/>
+        <p:cNvGrpSpPr/>
+        <p:nvPr/>
+      </p:nvGrpSpPr>
+      <p:grpSpPr>
+        <a:xfrm>
+          <a:off x="0" y="0"/>
+          <a:ext cx="0" cy="0"/>
+          <a:chOff x="0" y="0"/>
+          <a:chExt cx="0" cy="0"/>
+        </a:xfrm>
+      </p:grpSpPr>
+      <p:sp>
+        <p:nvSpPr>
+          <p:cNvPr id="110" name="Shape 110"/>
+          <p:cNvSpPr>
+            <a:spLocks noGrp="1" noRot="1" noChangeAspect="1"/>
+          </p:cNvSpPr>
+          <p:nvPr>
+            <p:ph type="sldImg" idx="2"/>
+          </p:nvPr>
+        </p:nvSpPr>
+        <p:spPr>
+          <a:xfrm>
+            <a:off x="1143000" y="685800"/>
+            <a:ext cx="4572000" cy="3429000"/>
+          </a:xfrm>
+          <a:custGeom>
+            <a:avLst/>
+            <a:gdLst/>
+            <a:ahLst/>
+            <a:cxnLst/>
+            <a:rect l="0" t="0" r="0" b="0"/>
+            <a:pathLst>
+              <a:path w="120000" h="120000" extrusionOk="0">
+                <a:moveTo>
+                  <a:pt x="0" y="0"/>
+                </a:moveTo>
+                <a:lnTo>
+                  <a:pt x="120000" y="0"/>
+                </a:lnTo>
+                <a:lnTo>
+                  <a:pt x="120000" y="120000"/>
+                </a:lnTo>
+                <a:lnTo>
+                  <a:pt x="0" y="120000"/>
+                </a:lnTo>
+                <a:close/>
+              </a:path>
+            </a:pathLst>
+          </a:custGeom>
+        </p:spPr>
+      </p:sp>
+      <p:sp>
+        <p:nvSpPr>
+          <p:cNvPr id="111" name="Shape 111"/>
+          <p:cNvSpPr txBox="1">
+            <a:spLocks noGrp="1"/>
+          </p:cNvSpPr>
+          <p:nvPr>
+            <p:ph type="body" idx="1"/>
+          </p:nvPr>
+        </p:nvSpPr>
+        <p:spPr>
+          <a:xfrm>
+            <a:off x="685800" y="4343400"/>
+            <a:ext cx="5486399" cy="4114800"/>
+          </a:xfrm>
+          <a:prstGeom prst="rect">
+            <a:avLst/>
+          </a:prstGeom>
+        </p:spPr>
+        <p:txBody>
+          <a:bodyPr lIns="91425" tIns="91425" rIns="91425" bIns="91425" anchor="t" anchorCtr="0">
+            <a:noAutofit/>
+          </a:bodyPr>
+          <a:lstStyle/>
+          <a:p>
+            <a:pPr marL="0" marR="0" lvl="0" indent="0" algn="l" defTabSz="457200" rtl="0" eaLnBrk="1" fontAlgn="auto" latinLnBrk="0" hangingPunct="1">
+              <a:lnSpc>
+                <a:spcPct val="100000"/>
+              </a:lnSpc>
+              <a:spcBef>
+                <a:spcPts val="0"/>
+              </a:spcBef>
+              <a:spcAft>
+                <a:spcPts val="0"/>
+              </a:spcAft>
+              <a:buClrTx/>
+              <a:buSzTx/>
+              <a:buFontTx/>
+              <a:buNone/>
+              <a:tabLst/>
+              <a:defRPr/>
+            </a:pPr>
+            <a:endParaRPr dirty="0"/>
+          </a:p>
+        </p:txBody>
+      </p:sp>
+      <p:sp>
+        <p:nvSpPr>
+          <p:cNvPr id="112" name="Shape 112"/>
+          <p:cNvSpPr txBox="1">
+            <a:spLocks noGrp="1"/>
+          </p:cNvSpPr>
+          <p:nvPr>
+            <p:ph type="sldNum" idx="12"/>
+          </p:nvPr>
+        </p:nvSpPr>
+        <p:spPr>
+          <a:xfrm>
+            <a:off x="3884612" y="8685213"/>
+            <a:ext cx="2971799" cy="457200"/>
+          </a:xfrm>
+          <a:prstGeom prst="rect">
+            <a:avLst/>
+          </a:prstGeom>
+        </p:spPr>
+        <p:txBody>
+          <a:bodyPr lIns="91425" tIns="45700" rIns="91425" bIns="45700" anchor="b" anchorCtr="0">
+            <a:noAutofit/>
+          </a:bodyPr>
+          <a:lstStyle/>
+          <a:p>
+            <a:pPr lvl="0">
+              <a:spcBef>
+                <a:spcPts val="0"/>
+              </a:spcBef>
+              <a:buClr>
+                <a:srgbClr val="000000"/>
+              </a:buClr>
+              <a:buSzPct val="25000"/>
+              <a:buFont typeface="Arial"/>
+              <a:buNone/>
+            </a:pPr>
+            <a:fld id="{00000000-1234-1234-1234-123412341234}" type="slidenum">
+              <a:rPr lang="en-US"/>
+              <a:t>24</a:t>
+            </a:fld>
+            <a:endParaRPr lang="en-US"/>
+          </a:p>
+        </p:txBody>
+      </p:sp>
+    </p:spTree>
+    <p:extLst>
+      <p:ext uri="{BB962C8B-B14F-4D97-AF65-F5344CB8AC3E}">
+        <p14:creationId xmlns:p14="http://schemas.microsoft.com/office/powerpoint/2010/main" val="76820133"/>
+      </p:ext>
+    </p:extLst>
+  </p:cSld>
+  <p:clrMapOvr>
+    <a:masterClrMapping/>
+  </p:clrMapOvr>
+</p:notes>
+</file>
+
+<file path=ppt/notesSlides/notesSlide25.xml><?xml version="1.0" encoding="utf-8"?>
+<p:notes xmlns:a="http://schemas.openxmlformats.org/drawingml/2006/main" xmlns:r="http://schemas.openxmlformats.org/officeDocument/2006/relationships" xmlns:p="http://schemas.openxmlformats.org/presentationml/2006/main" showMasterSp="0" showMasterPhAnim="0">
+  <p:cSld>
+    <p:spTree>
+      <p:nvGrpSpPr>
+        <p:cNvPr id="1" name="Shape 109"/>
+        <p:cNvGrpSpPr/>
+        <p:nvPr/>
+      </p:nvGrpSpPr>
+      <p:grpSpPr>
+        <a:xfrm>
+          <a:off x="0" y="0"/>
+          <a:ext cx="0" cy="0"/>
+          <a:chOff x="0" y="0"/>
+          <a:chExt cx="0" cy="0"/>
+        </a:xfrm>
+      </p:grpSpPr>
+      <p:sp>
+        <p:nvSpPr>
+          <p:cNvPr id="110" name="Shape 110"/>
+          <p:cNvSpPr>
+            <a:spLocks noGrp="1" noRot="1" noChangeAspect="1"/>
+          </p:cNvSpPr>
+          <p:nvPr>
+            <p:ph type="sldImg" idx="2"/>
+          </p:nvPr>
+        </p:nvSpPr>
+        <p:spPr>
+          <a:xfrm>
+            <a:off x="1143000" y="685800"/>
+            <a:ext cx="4572000" cy="3429000"/>
+          </a:xfrm>
+          <a:custGeom>
+            <a:avLst/>
+            <a:gdLst/>
+            <a:ahLst/>
+            <a:cxnLst/>
+            <a:rect l="0" t="0" r="0" b="0"/>
+            <a:pathLst>
+              <a:path w="120000" h="120000" extrusionOk="0">
+                <a:moveTo>
+                  <a:pt x="0" y="0"/>
+                </a:moveTo>
+                <a:lnTo>
+                  <a:pt x="120000" y="0"/>
+                </a:lnTo>
+                <a:lnTo>
+                  <a:pt x="120000" y="120000"/>
+                </a:lnTo>
+                <a:lnTo>
+                  <a:pt x="0" y="120000"/>
+                </a:lnTo>
+                <a:close/>
+              </a:path>
+            </a:pathLst>
+          </a:custGeom>
+        </p:spPr>
+      </p:sp>
+      <p:sp>
+        <p:nvSpPr>
+          <p:cNvPr id="111" name="Shape 111"/>
+          <p:cNvSpPr txBox="1">
+            <a:spLocks noGrp="1"/>
+          </p:cNvSpPr>
+          <p:nvPr>
+            <p:ph type="body" idx="1"/>
+          </p:nvPr>
+        </p:nvSpPr>
+        <p:spPr>
+          <a:xfrm>
+            <a:off x="685800" y="4343400"/>
+            <a:ext cx="5486399" cy="4114800"/>
+          </a:xfrm>
+          <a:prstGeom prst="rect">
+            <a:avLst/>
+          </a:prstGeom>
+        </p:spPr>
+        <p:txBody>
+          <a:bodyPr lIns="91425" tIns="91425" rIns="91425" bIns="91425" anchor="t" anchorCtr="0">
+            <a:noAutofit/>
+          </a:bodyPr>
+          <a:lstStyle/>
+          <a:p>
+            <a:pPr marL="0" marR="0" lvl="0" indent="0" algn="l" defTabSz="457200" rtl="0" eaLnBrk="1" fontAlgn="auto" latinLnBrk="0" hangingPunct="1">
+              <a:lnSpc>
+                <a:spcPct val="100000"/>
+              </a:lnSpc>
+              <a:spcBef>
+                <a:spcPts val="0"/>
+              </a:spcBef>
+              <a:spcAft>
+                <a:spcPts val="0"/>
+              </a:spcAft>
+              <a:buClrTx/>
+              <a:buSzTx/>
+              <a:buFontTx/>
+              <a:buNone/>
+              <a:tabLst/>
+              <a:defRPr/>
+            </a:pPr>
+            <a:endParaRPr dirty="0"/>
+          </a:p>
+        </p:txBody>
+      </p:sp>
+      <p:sp>
+        <p:nvSpPr>
+          <p:cNvPr id="112" name="Shape 112"/>
+          <p:cNvSpPr txBox="1">
+            <a:spLocks noGrp="1"/>
+          </p:cNvSpPr>
+          <p:nvPr>
+            <p:ph type="sldNum" idx="12"/>
+          </p:nvPr>
+        </p:nvSpPr>
+        <p:spPr>
+          <a:xfrm>
+            <a:off x="3884612" y="8685213"/>
+            <a:ext cx="2971799" cy="457200"/>
+          </a:xfrm>
+          <a:prstGeom prst="rect">
+            <a:avLst/>
+          </a:prstGeom>
+        </p:spPr>
+        <p:txBody>
+          <a:bodyPr lIns="91425" tIns="45700" rIns="91425" bIns="45700" anchor="b" anchorCtr="0">
+            <a:noAutofit/>
+          </a:bodyPr>
+          <a:lstStyle/>
+          <a:p>
+            <a:pPr lvl="0">
+              <a:spcBef>
+                <a:spcPts val="0"/>
+              </a:spcBef>
+              <a:buClr>
+                <a:srgbClr val="000000"/>
+              </a:buClr>
+              <a:buSzPct val="25000"/>
+              <a:buFont typeface="Arial"/>
+              <a:buNone/>
+            </a:pPr>
+            <a:fld id="{00000000-1234-1234-1234-123412341234}" type="slidenum">
+              <a:rPr lang="en-US"/>
+              <a:t>25</a:t>
+            </a:fld>
+            <a:endParaRPr lang="en-US"/>
+          </a:p>
+        </p:txBody>
+      </p:sp>
+    </p:spTree>
+    <p:extLst>
+      <p:ext uri="{BB962C8B-B14F-4D97-AF65-F5344CB8AC3E}">
+        <p14:creationId xmlns:p14="http://schemas.microsoft.com/office/powerpoint/2010/main" val="627442610"/>
+      </p:ext>
+    </p:extLst>
+  </p:cSld>
+  <p:clrMapOvr>
+    <a:masterClrMapping/>
+  </p:clrMapOvr>
+</p:notes>
+</file>
+
+<file path=ppt/notesSlides/notesSlide26.xml><?xml version="1.0" encoding="utf-8"?>
+<p:notes xmlns:a="http://schemas.openxmlformats.org/drawingml/2006/main" xmlns:r="http://schemas.openxmlformats.org/officeDocument/2006/relationships" xmlns:p="http://schemas.openxmlformats.org/presentationml/2006/main" showMasterSp="0" showMasterPhAnim="0">
+  <p:cSld>
+    <p:spTree>
+      <p:nvGrpSpPr>
+        <p:cNvPr id="1" name="Shape 109"/>
+        <p:cNvGrpSpPr/>
+        <p:nvPr/>
+      </p:nvGrpSpPr>
+      <p:grpSpPr>
+        <a:xfrm>
+          <a:off x="0" y="0"/>
+          <a:ext cx="0" cy="0"/>
+          <a:chOff x="0" y="0"/>
+          <a:chExt cx="0" cy="0"/>
+        </a:xfrm>
+      </p:grpSpPr>
+      <p:sp>
+        <p:nvSpPr>
+          <p:cNvPr id="110" name="Shape 110"/>
+          <p:cNvSpPr>
+            <a:spLocks noGrp="1" noRot="1" noChangeAspect="1"/>
+          </p:cNvSpPr>
+          <p:nvPr>
+            <p:ph type="sldImg" idx="2"/>
+          </p:nvPr>
+        </p:nvSpPr>
+        <p:spPr>
+          <a:xfrm>
+            <a:off x="1143000" y="685800"/>
+            <a:ext cx="4572000" cy="3429000"/>
+          </a:xfrm>
+          <a:custGeom>
+            <a:avLst/>
+            <a:gdLst/>
+            <a:ahLst/>
+            <a:cxnLst/>
+            <a:rect l="0" t="0" r="0" b="0"/>
+            <a:pathLst>
+              <a:path w="120000" h="120000" extrusionOk="0">
+                <a:moveTo>
+                  <a:pt x="0" y="0"/>
+                </a:moveTo>
+                <a:lnTo>
+                  <a:pt x="120000" y="0"/>
+                </a:lnTo>
+                <a:lnTo>
+                  <a:pt x="120000" y="120000"/>
+                </a:lnTo>
+                <a:lnTo>
+                  <a:pt x="0" y="120000"/>
+                </a:lnTo>
+                <a:close/>
+              </a:path>
+            </a:pathLst>
+          </a:custGeom>
+        </p:spPr>
+      </p:sp>
+      <p:sp>
+        <p:nvSpPr>
+          <p:cNvPr id="111" name="Shape 111"/>
+          <p:cNvSpPr txBox="1">
+            <a:spLocks noGrp="1"/>
+          </p:cNvSpPr>
+          <p:nvPr>
+            <p:ph type="body" idx="1"/>
+          </p:nvPr>
+        </p:nvSpPr>
+        <p:spPr>
+          <a:xfrm>
+            <a:off x="685800" y="4343400"/>
+            <a:ext cx="5486399" cy="4114800"/>
+          </a:xfrm>
+          <a:prstGeom prst="rect">
+            <a:avLst/>
+          </a:prstGeom>
+        </p:spPr>
+        <p:txBody>
+          <a:bodyPr lIns="91425" tIns="91425" rIns="91425" bIns="91425" anchor="t" anchorCtr="0">
+            <a:noAutofit/>
+          </a:bodyPr>
+          <a:lstStyle/>
+          <a:p>
+            <a:pPr marL="0" marR="0" lvl="0" indent="0" algn="l" defTabSz="457200" rtl="0" eaLnBrk="1" fontAlgn="auto" latinLnBrk="0" hangingPunct="1">
+              <a:lnSpc>
+                <a:spcPct val="100000"/>
+              </a:lnSpc>
+              <a:spcBef>
+                <a:spcPts val="0"/>
+              </a:spcBef>
+              <a:spcAft>
+                <a:spcPts val="0"/>
+              </a:spcAft>
+              <a:buClrTx/>
+              <a:buSzTx/>
+              <a:buFontTx/>
+              <a:buNone/>
+              <a:tabLst/>
+              <a:defRPr/>
+            </a:pPr>
+            <a:endParaRPr dirty="0"/>
+          </a:p>
+        </p:txBody>
+      </p:sp>
+      <p:sp>
+        <p:nvSpPr>
+          <p:cNvPr id="112" name="Shape 112"/>
+          <p:cNvSpPr txBox="1">
+            <a:spLocks noGrp="1"/>
+          </p:cNvSpPr>
+          <p:nvPr>
+            <p:ph type="sldNum" idx="12"/>
+          </p:nvPr>
+        </p:nvSpPr>
+        <p:spPr>
+          <a:xfrm>
+            <a:off x="3884612" y="8685213"/>
+            <a:ext cx="2971799" cy="457200"/>
+          </a:xfrm>
+          <a:prstGeom prst="rect">
+            <a:avLst/>
+          </a:prstGeom>
+        </p:spPr>
+        <p:txBody>
+          <a:bodyPr lIns="91425" tIns="45700" rIns="91425" bIns="45700" anchor="b" anchorCtr="0">
+            <a:noAutofit/>
+          </a:bodyPr>
+          <a:lstStyle/>
+          <a:p>
+            <a:pPr lvl="0">
+              <a:spcBef>
+                <a:spcPts val="0"/>
+              </a:spcBef>
+              <a:buClr>
+                <a:srgbClr val="000000"/>
+              </a:buClr>
+              <a:buSzPct val="25000"/>
+              <a:buFont typeface="Arial"/>
+              <a:buNone/>
+            </a:pPr>
+            <a:fld id="{00000000-1234-1234-1234-123412341234}" type="slidenum">
+              <a:rPr lang="en-US"/>
+              <a:t>26</a:t>
+            </a:fld>
+            <a:endParaRPr lang="en-US"/>
+          </a:p>
+        </p:txBody>
+      </p:sp>
+    </p:spTree>
+    <p:extLst>
+      <p:ext uri="{BB962C8B-B14F-4D97-AF65-F5344CB8AC3E}">
+        <p14:creationId xmlns:p14="http://schemas.microsoft.com/office/powerpoint/2010/main" val="838879705"/>
+      </p:ext>
+    </p:extLst>
+  </p:cSld>
+  <p:clrMapOvr>
+    <a:masterClrMapping/>
+  </p:clrMapOvr>
+</p:notes>
+</file>
+
+<file path=ppt/notesSlides/notesSlide27.xml><?xml version="1.0" encoding="utf-8"?>
+<p:notes xmlns:a="http://schemas.openxmlformats.org/drawingml/2006/main" xmlns:r="http://schemas.openxmlformats.org/officeDocument/2006/relationships" xmlns:p="http://schemas.openxmlformats.org/presentationml/2006/main" showMasterSp="0" showMasterPhAnim="0">
+  <p:cSld>
+    <p:spTree>
+      <p:nvGrpSpPr>
+        <p:cNvPr id="1" name="Shape 109"/>
+        <p:cNvGrpSpPr/>
+        <p:nvPr/>
+      </p:nvGrpSpPr>
+      <p:grpSpPr>
+        <a:xfrm>
+          <a:off x="0" y="0"/>
+          <a:ext cx="0" cy="0"/>
+          <a:chOff x="0" y="0"/>
+          <a:chExt cx="0" cy="0"/>
+        </a:xfrm>
+      </p:grpSpPr>
+      <p:sp>
+        <p:nvSpPr>
+          <p:cNvPr id="110" name="Shape 110"/>
+          <p:cNvSpPr>
+            <a:spLocks noGrp="1" noRot="1" noChangeAspect="1"/>
+          </p:cNvSpPr>
+          <p:nvPr>
+            <p:ph type="sldImg" idx="2"/>
+          </p:nvPr>
+        </p:nvSpPr>
+        <p:spPr>
+          <a:xfrm>
+            <a:off x="1143000" y="685800"/>
+            <a:ext cx="4572000" cy="3429000"/>
+          </a:xfrm>
+          <a:custGeom>
+            <a:avLst/>
+            <a:gdLst/>
+            <a:ahLst/>
+            <a:cxnLst/>
+            <a:rect l="0" t="0" r="0" b="0"/>
+            <a:pathLst>
+              <a:path w="120000" h="120000" extrusionOk="0">
+                <a:moveTo>
+                  <a:pt x="0" y="0"/>
+                </a:moveTo>
+                <a:lnTo>
+                  <a:pt x="120000" y="0"/>
+                </a:lnTo>
+                <a:lnTo>
+                  <a:pt x="120000" y="120000"/>
+                </a:lnTo>
+                <a:lnTo>
+                  <a:pt x="0" y="120000"/>
+                </a:lnTo>
+                <a:close/>
+              </a:path>
+            </a:pathLst>
+          </a:custGeom>
+        </p:spPr>
+      </p:sp>
+      <p:sp>
+        <p:nvSpPr>
+          <p:cNvPr id="111" name="Shape 111"/>
+          <p:cNvSpPr txBox="1">
+            <a:spLocks noGrp="1"/>
+          </p:cNvSpPr>
+          <p:nvPr>
+            <p:ph type="body" idx="1"/>
+          </p:nvPr>
+        </p:nvSpPr>
+        <p:spPr>
+          <a:xfrm>
+            <a:off x="685800" y="4343400"/>
+            <a:ext cx="5486399" cy="4114800"/>
+          </a:xfrm>
+          <a:prstGeom prst="rect">
+            <a:avLst/>
+          </a:prstGeom>
+        </p:spPr>
+        <p:txBody>
+          <a:bodyPr lIns="91425" tIns="91425" rIns="91425" bIns="91425" anchor="t" anchorCtr="0">
+            <a:noAutofit/>
+          </a:bodyPr>
+          <a:lstStyle/>
+          <a:p>
+            <a:pPr marL="0" marR="0" lvl="0" indent="0" algn="l" defTabSz="457200" rtl="0" eaLnBrk="1" fontAlgn="auto" latinLnBrk="0" hangingPunct="1">
+              <a:lnSpc>
+                <a:spcPct val="100000"/>
+              </a:lnSpc>
+              <a:spcBef>
+                <a:spcPts val="0"/>
+              </a:spcBef>
+              <a:spcAft>
+                <a:spcPts val="0"/>
+              </a:spcAft>
+              <a:buClrTx/>
+              <a:buSzTx/>
+              <a:buFontTx/>
+              <a:buNone/>
+              <a:tabLst/>
+              <a:defRPr/>
+            </a:pPr>
+            <a:endParaRPr dirty="0"/>
+          </a:p>
+        </p:txBody>
+      </p:sp>
+      <p:sp>
+        <p:nvSpPr>
+          <p:cNvPr id="112" name="Shape 112"/>
+          <p:cNvSpPr txBox="1">
+            <a:spLocks noGrp="1"/>
+          </p:cNvSpPr>
+          <p:nvPr>
+            <p:ph type="sldNum" idx="12"/>
+          </p:nvPr>
+        </p:nvSpPr>
+        <p:spPr>
+          <a:xfrm>
+            <a:off x="3884612" y="8685213"/>
+            <a:ext cx="2971799" cy="457200"/>
+          </a:xfrm>
+          <a:prstGeom prst="rect">
+            <a:avLst/>
+          </a:prstGeom>
+        </p:spPr>
+        <p:txBody>
+          <a:bodyPr lIns="91425" tIns="45700" rIns="91425" bIns="45700" anchor="b" anchorCtr="0">
+            <a:noAutofit/>
+          </a:bodyPr>
+          <a:lstStyle/>
+          <a:p>
+            <a:pPr lvl="0">
+              <a:spcBef>
+                <a:spcPts val="0"/>
+              </a:spcBef>
+              <a:buClr>
+                <a:srgbClr val="000000"/>
+              </a:buClr>
+              <a:buSzPct val="25000"/>
+              <a:buFont typeface="Arial"/>
+              <a:buNone/>
+            </a:pPr>
+            <a:fld id="{00000000-1234-1234-1234-123412341234}" type="slidenum">
+              <a:rPr lang="en-US"/>
+              <a:t>27</a:t>
+            </a:fld>
+            <a:endParaRPr lang="en-US"/>
+          </a:p>
+        </p:txBody>
+      </p:sp>
+    </p:spTree>
+    <p:extLst>
+      <p:ext uri="{BB962C8B-B14F-4D97-AF65-F5344CB8AC3E}">
+        <p14:creationId xmlns:p14="http://schemas.microsoft.com/office/powerpoint/2010/main" val="353735708"/>
+      </p:ext>
+    </p:extLst>
+  </p:cSld>
+  <p:clrMapOvr>
+    <a:masterClrMapping/>
+  </p:clrMapOvr>
+</p:notes>
+</file>
+
+<file path=ppt/notesSlides/notesSlide28.xml><?xml version="1.0" encoding="utf-8"?>
+<p:notes xmlns:a="http://schemas.openxmlformats.org/drawingml/2006/main" xmlns:r="http://schemas.openxmlformats.org/officeDocument/2006/relationships" xmlns:p="http://schemas.openxmlformats.org/presentationml/2006/main" showMasterSp="0" showMasterPhAnim="0">
+  <p:cSld>
+    <p:spTree>
+      <p:nvGrpSpPr>
+        <p:cNvPr id="1" name="Shape 109"/>
+        <p:cNvGrpSpPr/>
+        <p:nvPr/>
+      </p:nvGrpSpPr>
+      <p:grpSpPr>
+        <a:xfrm>
+          <a:off x="0" y="0"/>
+          <a:ext cx="0" cy="0"/>
+          <a:chOff x="0" y="0"/>
+          <a:chExt cx="0" cy="0"/>
+        </a:xfrm>
+      </p:grpSpPr>
+      <p:sp>
+        <p:nvSpPr>
+          <p:cNvPr id="110" name="Shape 110"/>
+          <p:cNvSpPr>
+            <a:spLocks noGrp="1" noRot="1" noChangeAspect="1"/>
+          </p:cNvSpPr>
+          <p:nvPr>
+            <p:ph type="sldImg" idx="2"/>
+          </p:nvPr>
+        </p:nvSpPr>
+        <p:spPr>
+          <a:xfrm>
+            <a:off x="1143000" y="685800"/>
+            <a:ext cx="4572000" cy="3429000"/>
+          </a:xfrm>
+          <a:custGeom>
+            <a:avLst/>
+            <a:gdLst/>
+            <a:ahLst/>
+            <a:cxnLst/>
+            <a:rect l="0" t="0" r="0" b="0"/>
+            <a:pathLst>
+              <a:path w="120000" h="120000" extrusionOk="0">
+                <a:moveTo>
+                  <a:pt x="0" y="0"/>
+                </a:moveTo>
+                <a:lnTo>
+                  <a:pt x="120000" y="0"/>
+                </a:lnTo>
+                <a:lnTo>
+                  <a:pt x="120000" y="120000"/>
+                </a:lnTo>
+                <a:lnTo>
+                  <a:pt x="0" y="120000"/>
+                </a:lnTo>
+                <a:close/>
+              </a:path>
+            </a:pathLst>
+          </a:custGeom>
+        </p:spPr>
+      </p:sp>
+      <p:sp>
+        <p:nvSpPr>
+          <p:cNvPr id="111" name="Shape 111"/>
+          <p:cNvSpPr txBox="1">
+            <a:spLocks noGrp="1"/>
+          </p:cNvSpPr>
+          <p:nvPr>
+            <p:ph type="body" idx="1"/>
+          </p:nvPr>
+        </p:nvSpPr>
+        <p:spPr>
+          <a:xfrm>
+            <a:off x="685800" y="4343400"/>
+            <a:ext cx="5486399" cy="4114800"/>
+          </a:xfrm>
+          <a:prstGeom prst="rect">
+            <a:avLst/>
+          </a:prstGeom>
+        </p:spPr>
+        <p:txBody>
+          <a:bodyPr lIns="91425" tIns="91425" rIns="91425" bIns="91425" anchor="t" anchorCtr="0">
+            <a:noAutofit/>
+          </a:bodyPr>
+          <a:lstStyle/>
+          <a:p>
+            <a:pPr marL="0" marR="0" lvl="0" indent="0" algn="l" defTabSz="457200" rtl="0" eaLnBrk="1" fontAlgn="auto" latinLnBrk="0" hangingPunct="1">
+              <a:lnSpc>
+                <a:spcPct val="100000"/>
+              </a:lnSpc>
+              <a:spcBef>
+                <a:spcPts val="0"/>
+              </a:spcBef>
+              <a:spcAft>
+                <a:spcPts val="0"/>
+              </a:spcAft>
+              <a:buClrTx/>
+              <a:buSzTx/>
+              <a:buFontTx/>
+              <a:buNone/>
+              <a:tabLst/>
+              <a:defRPr/>
+            </a:pPr>
+            <a:endParaRPr dirty="0"/>
+          </a:p>
+        </p:txBody>
+      </p:sp>
+      <p:sp>
+        <p:nvSpPr>
+          <p:cNvPr id="112" name="Shape 112"/>
+          <p:cNvSpPr txBox="1">
+            <a:spLocks noGrp="1"/>
+          </p:cNvSpPr>
+          <p:nvPr>
+            <p:ph type="sldNum" idx="12"/>
+          </p:nvPr>
+        </p:nvSpPr>
+        <p:spPr>
+          <a:xfrm>
+            <a:off x="3884612" y="8685213"/>
+            <a:ext cx="2971799" cy="457200"/>
+          </a:xfrm>
+          <a:prstGeom prst="rect">
+            <a:avLst/>
+          </a:prstGeom>
+        </p:spPr>
+        <p:txBody>
+          <a:bodyPr lIns="91425" tIns="45700" rIns="91425" bIns="45700" anchor="b" anchorCtr="0">
+            <a:noAutofit/>
+          </a:bodyPr>
+          <a:lstStyle/>
+          <a:p>
+            <a:pPr lvl="0">
+              <a:spcBef>
+                <a:spcPts val="0"/>
+              </a:spcBef>
+              <a:buClr>
+                <a:srgbClr val="000000"/>
+              </a:buClr>
+              <a:buSzPct val="25000"/>
+              <a:buFont typeface="Arial"/>
+              <a:buNone/>
+            </a:pPr>
+            <a:fld id="{00000000-1234-1234-1234-123412341234}" type="slidenum">
+              <a:rPr lang="en-US"/>
+              <a:t>28</a:t>
+            </a:fld>
+            <a:endParaRPr lang="en-US"/>
+          </a:p>
+        </p:txBody>
+      </p:sp>
+    </p:spTree>
+    <p:extLst>
+      <p:ext uri="{BB962C8B-B14F-4D97-AF65-F5344CB8AC3E}">
+        <p14:creationId xmlns:p14="http://schemas.microsoft.com/office/powerpoint/2010/main" val="3673760221"/>
+      </p:ext>
+    </p:extLst>
+  </p:cSld>
+  <p:clrMapOvr>
+    <a:masterClrMapping/>
+  </p:clrMapOvr>
+</p:notes>
+</file>
+
+<file path=ppt/notesSlides/notesSlide29.xml><?xml version="1.0" encoding="utf-8"?>
+<p:notes xmlns:a="http://schemas.openxmlformats.org/drawingml/2006/main" xmlns:r="http://schemas.openxmlformats.org/officeDocument/2006/relationships" xmlns:p="http://schemas.openxmlformats.org/presentationml/2006/main" showMasterSp="0" showMasterPhAnim="0">
+  <p:cSld>
+    <p:spTree>
+      <p:nvGrpSpPr>
+        <p:cNvPr id="1" name="Shape 109"/>
+        <p:cNvGrpSpPr/>
+        <p:nvPr/>
+      </p:nvGrpSpPr>
+      <p:grpSpPr>
+        <a:xfrm>
+          <a:off x="0" y="0"/>
+          <a:ext cx="0" cy="0"/>
+          <a:chOff x="0" y="0"/>
+          <a:chExt cx="0" cy="0"/>
+        </a:xfrm>
+      </p:grpSpPr>
+      <p:sp>
+        <p:nvSpPr>
+          <p:cNvPr id="110" name="Shape 110"/>
+          <p:cNvSpPr>
+            <a:spLocks noGrp="1" noRot="1" noChangeAspect="1"/>
+          </p:cNvSpPr>
+          <p:nvPr>
+            <p:ph type="sldImg" idx="2"/>
+          </p:nvPr>
+        </p:nvSpPr>
+        <p:spPr>
+          <a:xfrm>
+            <a:off x="1143000" y="685800"/>
+            <a:ext cx="4572000" cy="3429000"/>
+          </a:xfrm>
+          <a:custGeom>
+            <a:avLst/>
+            <a:gdLst/>
+            <a:ahLst/>
+            <a:cxnLst/>
+            <a:rect l="0" t="0" r="0" b="0"/>
+            <a:pathLst>
+              <a:path w="120000" h="120000" extrusionOk="0">
+                <a:moveTo>
+                  <a:pt x="0" y="0"/>
+                </a:moveTo>
+                <a:lnTo>
+                  <a:pt x="120000" y="0"/>
+                </a:lnTo>
+                <a:lnTo>
+                  <a:pt x="120000" y="120000"/>
+                </a:lnTo>
+                <a:lnTo>
+                  <a:pt x="0" y="120000"/>
+                </a:lnTo>
+                <a:close/>
+              </a:path>
+            </a:pathLst>
+          </a:custGeom>
+        </p:spPr>
+      </p:sp>
+      <p:sp>
+        <p:nvSpPr>
+          <p:cNvPr id="111" name="Shape 111"/>
+          <p:cNvSpPr txBox="1">
+            <a:spLocks noGrp="1"/>
+          </p:cNvSpPr>
+          <p:nvPr>
+            <p:ph type="body" idx="1"/>
+          </p:nvPr>
+        </p:nvSpPr>
+        <p:spPr>
+          <a:xfrm>
+            <a:off x="685800" y="4343400"/>
+            <a:ext cx="5486399" cy="4114800"/>
+          </a:xfrm>
+          <a:prstGeom prst="rect">
+            <a:avLst/>
+          </a:prstGeom>
+        </p:spPr>
+        <p:txBody>
+          <a:bodyPr lIns="91425" tIns="91425" rIns="91425" bIns="91425" anchor="t" anchorCtr="0">
+            <a:noAutofit/>
+          </a:bodyPr>
+          <a:lstStyle/>
+          <a:p>
+            <a:pPr marL="0" marR="0" lvl="0" indent="0" algn="l" defTabSz="457200" rtl="0" eaLnBrk="1" fontAlgn="auto" latinLnBrk="0" hangingPunct="1">
+              <a:lnSpc>
+                <a:spcPct val="100000"/>
+              </a:lnSpc>
+              <a:spcBef>
+                <a:spcPts val="0"/>
+              </a:spcBef>
+              <a:spcAft>
+                <a:spcPts val="0"/>
+              </a:spcAft>
+              <a:buClrTx/>
+              <a:buSzTx/>
+              <a:buFontTx/>
+              <a:buNone/>
+              <a:tabLst/>
+              <a:defRPr/>
+            </a:pPr>
+            <a:endParaRPr dirty="0"/>
+          </a:p>
+        </p:txBody>
+      </p:sp>
+      <p:sp>
+        <p:nvSpPr>
+          <p:cNvPr id="112" name="Shape 112"/>
+          <p:cNvSpPr txBox="1">
+            <a:spLocks noGrp="1"/>
+          </p:cNvSpPr>
+          <p:nvPr>
+            <p:ph type="sldNum" idx="12"/>
+          </p:nvPr>
+        </p:nvSpPr>
+        <p:spPr>
+          <a:xfrm>
+            <a:off x="3884612" y="8685213"/>
+            <a:ext cx="2971799" cy="457200"/>
+          </a:xfrm>
+          <a:prstGeom prst="rect">
+            <a:avLst/>
+          </a:prstGeom>
+        </p:spPr>
+        <p:txBody>
+          <a:bodyPr lIns="91425" tIns="45700" rIns="91425" bIns="45700" anchor="b" anchorCtr="0">
+            <a:noAutofit/>
+          </a:bodyPr>
+          <a:lstStyle/>
+          <a:p>
+            <a:pPr lvl="0">
+              <a:spcBef>
+                <a:spcPts val="0"/>
+              </a:spcBef>
+              <a:buClr>
+                <a:srgbClr val="000000"/>
+              </a:buClr>
+              <a:buSzPct val="25000"/>
+              <a:buFont typeface="Arial"/>
+              <a:buNone/>
+            </a:pPr>
+            <a:fld id="{00000000-1234-1234-1234-123412341234}" type="slidenum">
+              <a:rPr lang="en-US"/>
+              <a:t>29</a:t>
+            </a:fld>
+            <a:endParaRPr lang="en-US"/>
+          </a:p>
+        </p:txBody>
+      </p:sp>
+    </p:spTree>
+    <p:extLst>
+      <p:ext uri="{BB962C8B-B14F-4D97-AF65-F5344CB8AC3E}">
+        <p14:creationId xmlns:p14="http://schemas.microsoft.com/office/powerpoint/2010/main" val="3880348854"/>
       </p:ext>
     </p:extLst>
   </p:cSld>
@@ -3314,6 +4776,595 @@
         </p:txBody>
       </p:sp>
     </p:spTree>
+  </p:cSld>
+  <p:clrMapOvr>
+    <a:masterClrMapping/>
+  </p:clrMapOvr>
+</p:notes>
+</file>
+
+<file path=ppt/notesSlides/notesSlide30.xml><?xml version="1.0" encoding="utf-8"?>
+<p:notes xmlns:a="http://schemas.openxmlformats.org/drawingml/2006/main" xmlns:r="http://schemas.openxmlformats.org/officeDocument/2006/relationships" xmlns:p="http://schemas.openxmlformats.org/presentationml/2006/main" showMasterSp="0" showMasterPhAnim="0">
+  <p:cSld>
+    <p:spTree>
+      <p:nvGrpSpPr>
+        <p:cNvPr id="1" name="Shape 109"/>
+        <p:cNvGrpSpPr/>
+        <p:nvPr/>
+      </p:nvGrpSpPr>
+      <p:grpSpPr>
+        <a:xfrm>
+          <a:off x="0" y="0"/>
+          <a:ext cx="0" cy="0"/>
+          <a:chOff x="0" y="0"/>
+          <a:chExt cx="0" cy="0"/>
+        </a:xfrm>
+      </p:grpSpPr>
+      <p:sp>
+        <p:nvSpPr>
+          <p:cNvPr id="110" name="Shape 110"/>
+          <p:cNvSpPr>
+            <a:spLocks noGrp="1" noRot="1" noChangeAspect="1"/>
+          </p:cNvSpPr>
+          <p:nvPr>
+            <p:ph type="sldImg" idx="2"/>
+          </p:nvPr>
+        </p:nvSpPr>
+        <p:spPr>
+          <a:xfrm>
+            <a:off x="1143000" y="685800"/>
+            <a:ext cx="4572000" cy="3429000"/>
+          </a:xfrm>
+          <a:custGeom>
+            <a:avLst/>
+            <a:gdLst/>
+            <a:ahLst/>
+            <a:cxnLst/>
+            <a:rect l="0" t="0" r="0" b="0"/>
+            <a:pathLst>
+              <a:path w="120000" h="120000" extrusionOk="0">
+                <a:moveTo>
+                  <a:pt x="0" y="0"/>
+                </a:moveTo>
+                <a:lnTo>
+                  <a:pt x="120000" y="0"/>
+                </a:lnTo>
+                <a:lnTo>
+                  <a:pt x="120000" y="120000"/>
+                </a:lnTo>
+                <a:lnTo>
+                  <a:pt x="0" y="120000"/>
+                </a:lnTo>
+                <a:close/>
+              </a:path>
+            </a:pathLst>
+          </a:custGeom>
+        </p:spPr>
+      </p:sp>
+      <p:sp>
+        <p:nvSpPr>
+          <p:cNvPr id="111" name="Shape 111"/>
+          <p:cNvSpPr txBox="1">
+            <a:spLocks noGrp="1"/>
+          </p:cNvSpPr>
+          <p:nvPr>
+            <p:ph type="body" idx="1"/>
+          </p:nvPr>
+        </p:nvSpPr>
+        <p:spPr>
+          <a:xfrm>
+            <a:off x="685800" y="4343400"/>
+            <a:ext cx="5486399" cy="4114800"/>
+          </a:xfrm>
+          <a:prstGeom prst="rect">
+            <a:avLst/>
+          </a:prstGeom>
+        </p:spPr>
+        <p:txBody>
+          <a:bodyPr lIns="91425" tIns="91425" rIns="91425" bIns="91425" anchor="t" anchorCtr="0">
+            <a:noAutofit/>
+          </a:bodyPr>
+          <a:lstStyle/>
+          <a:p>
+            <a:pPr marL="0" marR="0" lvl="0" indent="0" algn="l" defTabSz="457200" rtl="0" eaLnBrk="1" fontAlgn="auto" latinLnBrk="0" hangingPunct="1">
+              <a:lnSpc>
+                <a:spcPct val="100000"/>
+              </a:lnSpc>
+              <a:spcBef>
+                <a:spcPts val="0"/>
+              </a:spcBef>
+              <a:spcAft>
+                <a:spcPts val="0"/>
+              </a:spcAft>
+              <a:buClrTx/>
+              <a:buSzTx/>
+              <a:buFontTx/>
+              <a:buNone/>
+              <a:tabLst/>
+              <a:defRPr/>
+            </a:pPr>
+            <a:endParaRPr dirty="0"/>
+          </a:p>
+        </p:txBody>
+      </p:sp>
+      <p:sp>
+        <p:nvSpPr>
+          <p:cNvPr id="112" name="Shape 112"/>
+          <p:cNvSpPr txBox="1">
+            <a:spLocks noGrp="1"/>
+          </p:cNvSpPr>
+          <p:nvPr>
+            <p:ph type="sldNum" idx="12"/>
+          </p:nvPr>
+        </p:nvSpPr>
+        <p:spPr>
+          <a:xfrm>
+            <a:off x="3884612" y="8685213"/>
+            <a:ext cx="2971799" cy="457200"/>
+          </a:xfrm>
+          <a:prstGeom prst="rect">
+            <a:avLst/>
+          </a:prstGeom>
+        </p:spPr>
+        <p:txBody>
+          <a:bodyPr lIns="91425" tIns="45700" rIns="91425" bIns="45700" anchor="b" anchorCtr="0">
+            <a:noAutofit/>
+          </a:bodyPr>
+          <a:lstStyle/>
+          <a:p>
+            <a:pPr lvl="0">
+              <a:spcBef>
+                <a:spcPts val="0"/>
+              </a:spcBef>
+              <a:buClr>
+                <a:srgbClr val="000000"/>
+              </a:buClr>
+              <a:buSzPct val="25000"/>
+              <a:buFont typeface="Arial"/>
+              <a:buNone/>
+            </a:pPr>
+            <a:fld id="{00000000-1234-1234-1234-123412341234}" type="slidenum">
+              <a:rPr lang="en-US"/>
+              <a:t>30</a:t>
+            </a:fld>
+            <a:endParaRPr lang="en-US"/>
+          </a:p>
+        </p:txBody>
+      </p:sp>
+    </p:spTree>
+    <p:extLst>
+      <p:ext uri="{BB962C8B-B14F-4D97-AF65-F5344CB8AC3E}">
+        <p14:creationId xmlns:p14="http://schemas.microsoft.com/office/powerpoint/2010/main" val="3538739696"/>
+      </p:ext>
+    </p:extLst>
+  </p:cSld>
+  <p:clrMapOvr>
+    <a:masterClrMapping/>
+  </p:clrMapOvr>
+</p:notes>
+</file>
+
+<file path=ppt/notesSlides/notesSlide31.xml><?xml version="1.0" encoding="utf-8"?>
+<p:notes xmlns:a="http://schemas.openxmlformats.org/drawingml/2006/main" xmlns:r="http://schemas.openxmlformats.org/officeDocument/2006/relationships" xmlns:p="http://schemas.openxmlformats.org/presentationml/2006/main" showMasterSp="0" showMasterPhAnim="0">
+  <p:cSld>
+    <p:spTree>
+      <p:nvGrpSpPr>
+        <p:cNvPr id="1" name="Shape 109"/>
+        <p:cNvGrpSpPr/>
+        <p:nvPr/>
+      </p:nvGrpSpPr>
+      <p:grpSpPr>
+        <a:xfrm>
+          <a:off x="0" y="0"/>
+          <a:ext cx="0" cy="0"/>
+          <a:chOff x="0" y="0"/>
+          <a:chExt cx="0" cy="0"/>
+        </a:xfrm>
+      </p:grpSpPr>
+      <p:sp>
+        <p:nvSpPr>
+          <p:cNvPr id="110" name="Shape 110"/>
+          <p:cNvSpPr>
+            <a:spLocks noGrp="1" noRot="1" noChangeAspect="1"/>
+          </p:cNvSpPr>
+          <p:nvPr>
+            <p:ph type="sldImg" idx="2"/>
+          </p:nvPr>
+        </p:nvSpPr>
+        <p:spPr>
+          <a:xfrm>
+            <a:off x="1143000" y="685800"/>
+            <a:ext cx="4572000" cy="3429000"/>
+          </a:xfrm>
+          <a:custGeom>
+            <a:avLst/>
+            <a:gdLst/>
+            <a:ahLst/>
+            <a:cxnLst/>
+            <a:rect l="0" t="0" r="0" b="0"/>
+            <a:pathLst>
+              <a:path w="120000" h="120000" extrusionOk="0">
+                <a:moveTo>
+                  <a:pt x="0" y="0"/>
+                </a:moveTo>
+                <a:lnTo>
+                  <a:pt x="120000" y="0"/>
+                </a:lnTo>
+                <a:lnTo>
+                  <a:pt x="120000" y="120000"/>
+                </a:lnTo>
+                <a:lnTo>
+                  <a:pt x="0" y="120000"/>
+                </a:lnTo>
+                <a:close/>
+              </a:path>
+            </a:pathLst>
+          </a:custGeom>
+        </p:spPr>
+      </p:sp>
+      <p:sp>
+        <p:nvSpPr>
+          <p:cNvPr id="111" name="Shape 111"/>
+          <p:cNvSpPr txBox="1">
+            <a:spLocks noGrp="1"/>
+          </p:cNvSpPr>
+          <p:nvPr>
+            <p:ph type="body" idx="1"/>
+          </p:nvPr>
+        </p:nvSpPr>
+        <p:spPr>
+          <a:xfrm>
+            <a:off x="685800" y="4343400"/>
+            <a:ext cx="5486399" cy="4114800"/>
+          </a:xfrm>
+          <a:prstGeom prst="rect">
+            <a:avLst/>
+          </a:prstGeom>
+        </p:spPr>
+        <p:txBody>
+          <a:bodyPr lIns="91425" tIns="91425" rIns="91425" bIns="91425" anchor="t" anchorCtr="0">
+            <a:noAutofit/>
+          </a:bodyPr>
+          <a:lstStyle/>
+          <a:p>
+            <a:pPr marL="0" marR="0" lvl="0" indent="0" algn="l" defTabSz="457200" rtl="0" eaLnBrk="1" fontAlgn="auto" latinLnBrk="0" hangingPunct="1">
+              <a:lnSpc>
+                <a:spcPct val="100000"/>
+              </a:lnSpc>
+              <a:spcBef>
+                <a:spcPts val="0"/>
+              </a:spcBef>
+              <a:spcAft>
+                <a:spcPts val="0"/>
+              </a:spcAft>
+              <a:buClrTx/>
+              <a:buSzTx/>
+              <a:buFontTx/>
+              <a:buNone/>
+              <a:tabLst/>
+              <a:defRPr/>
+            </a:pPr>
+            <a:endParaRPr dirty="0"/>
+          </a:p>
+        </p:txBody>
+      </p:sp>
+      <p:sp>
+        <p:nvSpPr>
+          <p:cNvPr id="112" name="Shape 112"/>
+          <p:cNvSpPr txBox="1">
+            <a:spLocks noGrp="1"/>
+          </p:cNvSpPr>
+          <p:nvPr>
+            <p:ph type="sldNum" idx="12"/>
+          </p:nvPr>
+        </p:nvSpPr>
+        <p:spPr>
+          <a:xfrm>
+            <a:off x="3884612" y="8685213"/>
+            <a:ext cx="2971799" cy="457200"/>
+          </a:xfrm>
+          <a:prstGeom prst="rect">
+            <a:avLst/>
+          </a:prstGeom>
+        </p:spPr>
+        <p:txBody>
+          <a:bodyPr lIns="91425" tIns="45700" rIns="91425" bIns="45700" anchor="b" anchorCtr="0">
+            <a:noAutofit/>
+          </a:bodyPr>
+          <a:lstStyle/>
+          <a:p>
+            <a:pPr lvl="0">
+              <a:spcBef>
+                <a:spcPts val="0"/>
+              </a:spcBef>
+              <a:buClr>
+                <a:srgbClr val="000000"/>
+              </a:buClr>
+              <a:buSzPct val="25000"/>
+              <a:buFont typeface="Arial"/>
+              <a:buNone/>
+            </a:pPr>
+            <a:fld id="{00000000-1234-1234-1234-123412341234}" type="slidenum">
+              <a:rPr lang="en-US"/>
+              <a:t>31</a:t>
+            </a:fld>
+            <a:endParaRPr lang="en-US"/>
+          </a:p>
+        </p:txBody>
+      </p:sp>
+    </p:spTree>
+    <p:extLst>
+      <p:ext uri="{BB962C8B-B14F-4D97-AF65-F5344CB8AC3E}">
+        <p14:creationId xmlns:p14="http://schemas.microsoft.com/office/powerpoint/2010/main" val="3812352235"/>
+      </p:ext>
+    </p:extLst>
+  </p:cSld>
+  <p:clrMapOvr>
+    <a:masterClrMapping/>
+  </p:clrMapOvr>
+</p:notes>
+</file>
+
+<file path=ppt/notesSlides/notesSlide32.xml><?xml version="1.0" encoding="utf-8"?>
+<p:notes xmlns:a="http://schemas.openxmlformats.org/drawingml/2006/main" xmlns:r="http://schemas.openxmlformats.org/officeDocument/2006/relationships" xmlns:p="http://schemas.openxmlformats.org/presentationml/2006/main" showMasterSp="0" showMasterPhAnim="0">
+  <p:cSld>
+    <p:spTree>
+      <p:nvGrpSpPr>
+        <p:cNvPr id="1" name="Shape 109"/>
+        <p:cNvGrpSpPr/>
+        <p:nvPr/>
+      </p:nvGrpSpPr>
+      <p:grpSpPr>
+        <a:xfrm>
+          <a:off x="0" y="0"/>
+          <a:ext cx="0" cy="0"/>
+          <a:chOff x="0" y="0"/>
+          <a:chExt cx="0" cy="0"/>
+        </a:xfrm>
+      </p:grpSpPr>
+      <p:sp>
+        <p:nvSpPr>
+          <p:cNvPr id="110" name="Shape 110"/>
+          <p:cNvSpPr>
+            <a:spLocks noGrp="1" noRot="1" noChangeAspect="1"/>
+          </p:cNvSpPr>
+          <p:nvPr>
+            <p:ph type="sldImg" idx="2"/>
+          </p:nvPr>
+        </p:nvSpPr>
+        <p:spPr>
+          <a:xfrm>
+            <a:off x="1143000" y="685800"/>
+            <a:ext cx="4572000" cy="3429000"/>
+          </a:xfrm>
+          <a:custGeom>
+            <a:avLst/>
+            <a:gdLst/>
+            <a:ahLst/>
+            <a:cxnLst/>
+            <a:rect l="0" t="0" r="0" b="0"/>
+            <a:pathLst>
+              <a:path w="120000" h="120000" extrusionOk="0">
+                <a:moveTo>
+                  <a:pt x="0" y="0"/>
+                </a:moveTo>
+                <a:lnTo>
+                  <a:pt x="120000" y="0"/>
+                </a:lnTo>
+                <a:lnTo>
+                  <a:pt x="120000" y="120000"/>
+                </a:lnTo>
+                <a:lnTo>
+                  <a:pt x="0" y="120000"/>
+                </a:lnTo>
+                <a:close/>
+              </a:path>
+            </a:pathLst>
+          </a:custGeom>
+        </p:spPr>
+      </p:sp>
+      <p:sp>
+        <p:nvSpPr>
+          <p:cNvPr id="111" name="Shape 111"/>
+          <p:cNvSpPr txBox="1">
+            <a:spLocks noGrp="1"/>
+          </p:cNvSpPr>
+          <p:nvPr>
+            <p:ph type="body" idx="1"/>
+          </p:nvPr>
+        </p:nvSpPr>
+        <p:spPr>
+          <a:xfrm>
+            <a:off x="685800" y="4343400"/>
+            <a:ext cx="5486399" cy="4114800"/>
+          </a:xfrm>
+          <a:prstGeom prst="rect">
+            <a:avLst/>
+          </a:prstGeom>
+        </p:spPr>
+        <p:txBody>
+          <a:bodyPr lIns="91425" tIns="91425" rIns="91425" bIns="91425" anchor="t" anchorCtr="0">
+            <a:noAutofit/>
+          </a:bodyPr>
+          <a:lstStyle/>
+          <a:p>
+            <a:pPr marL="0" marR="0" lvl="0" indent="0" algn="l" defTabSz="457200" rtl="0" eaLnBrk="1" fontAlgn="auto" latinLnBrk="0" hangingPunct="1">
+              <a:lnSpc>
+                <a:spcPct val="100000"/>
+              </a:lnSpc>
+              <a:spcBef>
+                <a:spcPts val="0"/>
+              </a:spcBef>
+              <a:spcAft>
+                <a:spcPts val="0"/>
+              </a:spcAft>
+              <a:buClrTx/>
+              <a:buSzTx/>
+              <a:buFontTx/>
+              <a:buNone/>
+              <a:tabLst/>
+              <a:defRPr/>
+            </a:pPr>
+            <a:endParaRPr dirty="0"/>
+          </a:p>
+        </p:txBody>
+      </p:sp>
+      <p:sp>
+        <p:nvSpPr>
+          <p:cNvPr id="112" name="Shape 112"/>
+          <p:cNvSpPr txBox="1">
+            <a:spLocks noGrp="1"/>
+          </p:cNvSpPr>
+          <p:nvPr>
+            <p:ph type="sldNum" idx="12"/>
+          </p:nvPr>
+        </p:nvSpPr>
+        <p:spPr>
+          <a:xfrm>
+            <a:off x="3884612" y="8685213"/>
+            <a:ext cx="2971799" cy="457200"/>
+          </a:xfrm>
+          <a:prstGeom prst="rect">
+            <a:avLst/>
+          </a:prstGeom>
+        </p:spPr>
+        <p:txBody>
+          <a:bodyPr lIns="91425" tIns="45700" rIns="91425" bIns="45700" anchor="b" anchorCtr="0">
+            <a:noAutofit/>
+          </a:bodyPr>
+          <a:lstStyle/>
+          <a:p>
+            <a:pPr lvl="0">
+              <a:spcBef>
+                <a:spcPts val="0"/>
+              </a:spcBef>
+              <a:buClr>
+                <a:srgbClr val="000000"/>
+              </a:buClr>
+              <a:buSzPct val="25000"/>
+              <a:buFont typeface="Arial"/>
+              <a:buNone/>
+            </a:pPr>
+            <a:fld id="{00000000-1234-1234-1234-123412341234}" type="slidenum">
+              <a:rPr lang="en-US"/>
+              <a:t>32</a:t>
+            </a:fld>
+            <a:endParaRPr lang="en-US"/>
+          </a:p>
+        </p:txBody>
+      </p:sp>
+    </p:spTree>
+    <p:extLst>
+      <p:ext uri="{BB962C8B-B14F-4D97-AF65-F5344CB8AC3E}">
+        <p14:creationId xmlns:p14="http://schemas.microsoft.com/office/powerpoint/2010/main" val="2817572387"/>
+      </p:ext>
+    </p:extLst>
+  </p:cSld>
+  <p:clrMapOvr>
+    <a:masterClrMapping/>
+  </p:clrMapOvr>
+</p:notes>
+</file>
+
+<file path=ppt/notesSlides/notesSlide33.xml><?xml version="1.0" encoding="utf-8"?>
+<p:notes xmlns:a="http://schemas.openxmlformats.org/drawingml/2006/main" xmlns:r="http://schemas.openxmlformats.org/officeDocument/2006/relationships" xmlns:p="http://schemas.openxmlformats.org/presentationml/2006/main" showMasterSp="0" showMasterPhAnim="0">
+  <p:cSld>
+    <p:spTree>
+      <p:nvGrpSpPr>
+        <p:cNvPr id="1" name="Shape 53"/>
+        <p:cNvGrpSpPr/>
+        <p:nvPr/>
+      </p:nvGrpSpPr>
+      <p:grpSpPr>
+        <a:xfrm>
+          <a:off x="0" y="0"/>
+          <a:ext cx="0" cy="0"/>
+          <a:chOff x="0" y="0"/>
+          <a:chExt cx="0" cy="0"/>
+        </a:xfrm>
+      </p:grpSpPr>
+      <p:sp>
+        <p:nvSpPr>
+          <p:cNvPr id="54" name="Shape 54"/>
+          <p:cNvSpPr txBox="1">
+            <a:spLocks noGrp="1"/>
+          </p:cNvSpPr>
+          <p:nvPr>
+            <p:ph type="body" idx="1"/>
+          </p:nvPr>
+        </p:nvSpPr>
+        <p:spPr>
+          <a:xfrm>
+            <a:off x="685800" y="4343400"/>
+            <a:ext cx="5486399" cy="4114800"/>
+          </a:xfrm>
+          <a:prstGeom prst="rect">
+            <a:avLst/>
+          </a:prstGeom>
+        </p:spPr>
+        <p:txBody>
+          <a:bodyPr lIns="91425" tIns="91425" rIns="91425" bIns="91425" anchor="t" anchorCtr="0">
+            <a:noAutofit/>
+          </a:bodyPr>
+          <a:lstStyle/>
+          <a:p>
+            <a:pPr lvl="0">
+              <a:spcBef>
+                <a:spcPts val="0"/>
+              </a:spcBef>
+              <a:buNone/>
+            </a:pPr>
+            <a:endParaRPr/>
+          </a:p>
+        </p:txBody>
+      </p:sp>
+      <p:sp>
+        <p:nvSpPr>
+          <p:cNvPr id="55" name="Shape 55"/>
+          <p:cNvSpPr>
+            <a:spLocks noGrp="1" noRot="1" noChangeAspect="1"/>
+          </p:cNvSpPr>
+          <p:nvPr>
+            <p:ph type="sldImg" idx="2"/>
+          </p:nvPr>
+        </p:nvSpPr>
+        <p:spPr>
+          <a:xfrm>
+            <a:off x="1143000" y="685800"/>
+            <a:ext cx="4572000" cy="3429000"/>
+          </a:xfrm>
+          <a:custGeom>
+            <a:avLst/>
+            <a:gdLst/>
+            <a:ahLst/>
+            <a:cxnLst/>
+            <a:rect l="0" t="0" r="0" b="0"/>
+            <a:pathLst>
+              <a:path w="120000" h="120000" extrusionOk="0">
+                <a:moveTo>
+                  <a:pt x="0" y="0"/>
+                </a:moveTo>
+                <a:lnTo>
+                  <a:pt x="120000" y="0"/>
+                </a:lnTo>
+                <a:lnTo>
+                  <a:pt x="120000" y="120000"/>
+                </a:lnTo>
+                <a:lnTo>
+                  <a:pt x="0" y="120000"/>
+                </a:lnTo>
+                <a:close/>
+              </a:path>
+            </a:pathLst>
+          </a:custGeom>
+        </p:spPr>
+      </p:sp>
+    </p:spTree>
+    <p:extLst>
+      <p:ext uri="{BB962C8B-B14F-4D97-AF65-F5344CB8AC3E}">
+        <p14:creationId xmlns:p14="http://schemas.microsoft.com/office/powerpoint/2010/main" val="3276133667"/>
+      </p:ext>
+    </p:extLst>
   </p:cSld>
   <p:clrMapOvr>
     <a:masterClrMapping/>
@@ -8788,6 +10839,13 @@
               <a:rPr lang="en-US" sz="3600" dirty="0"/>
               <a:t>19 November 2018</a:t>
             </a:r>
+            <a:br>
+              <a:rPr lang="en-US" sz="3600" dirty="0"/>
+            </a:br>
+            <a:r>
+              <a:rPr lang="en-US" sz="3600" dirty="0"/>
+              <a:t>by Fernando Pombeiro</a:t>
+            </a:r>
             <a:endParaRPr lang="en-US" sz="3600" b="0" i="0" u="none" strike="noStrike" cap="none" dirty="0">
               <a:solidFill>
                 <a:schemeClr val="lt1"/>
@@ -8825,6 +10883,53 @@
           <a:ln>
             <a:noFill/>
           </a:ln>
+        </p:spPr>
+      </p:pic>
+      <p:pic>
+        <p:nvPicPr>
+          <p:cNvPr id="1026" name="Picture 2" descr="Image result for golang">
+            <a:extLst>
+              <a:ext uri="{FF2B5EF4-FFF2-40B4-BE49-F238E27FC236}">
+                <a16:creationId xmlns:a16="http://schemas.microsoft.com/office/drawing/2014/main" id="{5C1F3D8E-F545-2F4F-ABB1-CD01FE6D0147}"/>
+              </a:ext>
+            </a:extLst>
+          </p:cNvPr>
+          <p:cNvPicPr>
+            <a:picLocks noChangeAspect="1" noChangeArrowheads="1"/>
+          </p:cNvPicPr>
+          <p:nvPr/>
+        </p:nvPicPr>
+        <p:blipFill>
+          <a:blip r:embed="rId4">
+            <a:extLst>
+              <a:ext uri="{28A0092B-C50C-407E-A947-70E740481C1C}">
+                <a14:useLocalDpi xmlns:a14="http://schemas.microsoft.com/office/drawing/2010/main" val="0"/>
+              </a:ext>
+            </a:extLst>
+          </a:blip>
+          <a:srcRect/>
+          <a:stretch>
+            <a:fillRect/>
+          </a:stretch>
+        </p:blipFill>
+        <p:spPr bwMode="auto">
+          <a:xfrm>
+            <a:off x="1" y="5087563"/>
+            <a:ext cx="8548098" cy="1600964"/>
+          </a:xfrm>
+          <a:prstGeom prst="rect">
+            <a:avLst/>
+          </a:prstGeom>
+          <a:noFill/>
+          <a:extLst>
+            <a:ext uri="{909E8E84-426E-40DD-AFC4-6F175D3DCCD1}">
+              <a14:hiddenFill xmlns:a14="http://schemas.microsoft.com/office/drawing/2010/main">
+                <a:solidFill>
+                  <a:srgbClr val="FFFFFF"/>
+                </a:solidFill>
+              </a14:hiddenFill>
+            </a:ext>
+          </a:extLst>
         </p:spPr>
       </p:pic>
     </p:spTree>
@@ -9759,29 +11864,7 @@
             </a:pPr>
             <a:r>
               <a:rPr lang="en-US" dirty="0"/>
-              <a:t> The syntax of Golang seeks to reduce typing. </a:t>
-            </a:r>
-          </a:p>
-          <a:p>
-            <a:pPr>
-              <a:spcBef>
-                <a:spcPts val="0"/>
-              </a:spcBef>
-            </a:pPr>
-            <a:r>
-              <a:rPr lang="en-US" dirty="0"/>
-              <a:t> Very light on restricted terms and keywords. </a:t>
-            </a:r>
-          </a:p>
-          <a:p>
-            <a:pPr>
-              <a:spcBef>
-                <a:spcPts val="0"/>
-              </a:spcBef>
-            </a:pPr>
-            <a:r>
-              <a:rPr lang="en-US" dirty="0"/>
-              <a:t> No “stuttering”…so none of this garbage: </a:t>
+              <a:t> The philosophy here is several fold: </a:t>
             </a:r>
           </a:p>
           <a:p>
@@ -9795,39 +11878,72 @@
               <a:t> </a:t>
             </a:r>
             <a:r>
-              <a:rPr lang="en-US" i="1" dirty="0" err="1"/>
-              <a:t>foo.Foo</a:t>
-            </a:r>
-            <a:r>
-              <a:rPr lang="en-US" i="1" dirty="0"/>
-              <a:t>* </a:t>
-            </a:r>
-            <a:r>
-              <a:rPr lang="en-US" i="1" dirty="0" err="1"/>
-              <a:t>myFoo</a:t>
-            </a:r>
-            <a:r>
-              <a:rPr lang="en-US" i="1" dirty="0"/>
-              <a:t> = new(</a:t>
-            </a:r>
-            <a:r>
-              <a:rPr lang="en-US" i="1" dirty="0" err="1"/>
-              <a:t>foo.Foo</a:t>
-            </a:r>
-            <a:r>
-              <a:rPr lang="en-US" i="1" dirty="0"/>
-              <a:t>)</a:t>
-            </a:r>
-          </a:p>
-          <a:p>
-            <a:pPr>
-              <a:spcBef>
-                <a:spcPts val="0"/>
-              </a:spcBef>
-            </a:pPr>
-            <a:r>
-              <a:rPr lang="en-US" i="1" dirty="0"/>
-              <a:t> Everything is declared exactly once (so no .h files)</a:t>
+              <a:rPr lang="en-US" b="1" dirty="0"/>
+              <a:t>Quick Builds:</a:t>
+            </a:r>
+            <a:r>
+              <a:rPr lang="en-US" dirty="0"/>
+              <a:t> There is an apocryphal story that GO was conceived of during a 45 minute build</a:t>
+            </a:r>
+          </a:p>
+          <a:p>
+            <a:pPr lvl="1">
+              <a:spcBef>
+                <a:spcPts val="0"/>
+              </a:spcBef>
+            </a:pPr>
+            <a:r>
+              <a:rPr lang="en-US" dirty="0"/>
+              <a:t> </a:t>
+            </a:r>
+            <a:r>
+              <a:rPr lang="en-US" b="1" dirty="0"/>
+              <a:t>Dependency Control:</a:t>
+            </a:r>
+            <a:r>
+              <a:rPr lang="en-US" dirty="0"/>
+              <a:t> We’ll get into this later- but at Google, thanks to a lack of dependency control, builds were taking 45 minutes</a:t>
+            </a:r>
+          </a:p>
+          <a:p>
+            <a:pPr lvl="1">
+              <a:spcBef>
+                <a:spcPts val="0"/>
+              </a:spcBef>
+            </a:pPr>
+            <a:r>
+              <a:rPr lang="en-US" dirty="0"/>
+              <a:t> </a:t>
+            </a:r>
+            <a:r>
+              <a:rPr lang="en-US" b="1" dirty="0"/>
+              <a:t>Duplication of effort</a:t>
+            </a:r>
+          </a:p>
+          <a:p>
+            <a:pPr lvl="1">
+              <a:spcBef>
+                <a:spcPts val="0"/>
+              </a:spcBef>
+            </a:pPr>
+            <a:r>
+              <a:rPr lang="en-US" dirty="0"/>
+              <a:t> </a:t>
+            </a:r>
+            <a:r>
+              <a:rPr lang="en-US" b="1" dirty="0"/>
+              <a:t>Cost of updates</a:t>
+            </a:r>
+          </a:p>
+          <a:p>
+            <a:pPr lvl="1">
+              <a:spcBef>
+                <a:spcPts val="0"/>
+              </a:spcBef>
+            </a:pPr>
+            <a:r>
+              <a:rPr lang="en-US" b="1" dirty="0"/>
+              <a:t> Concurrency and multi-processing must be built in</a:t>
             </a:r>
             <a:endParaRPr lang="en-US" dirty="0"/>
           </a:p>
@@ -9879,8 +11995,8 @@
         </p:blipFill>
         <p:spPr bwMode="auto">
           <a:xfrm>
-            <a:off x="2732926" y="3993822"/>
-            <a:ext cx="3390472" cy="2171832"/>
+            <a:off x="6101922" y="4836302"/>
+            <a:ext cx="2955604" cy="1893269"/>
           </a:xfrm>
           <a:prstGeom prst="rect">
             <a:avLst/>
@@ -9900,7 +12016,7 @@
     </p:spTree>
     <p:extLst>
       <p:ext uri="{BB962C8B-B14F-4D97-AF65-F5344CB8AC3E}">
-        <p14:creationId xmlns:p14="http://schemas.microsoft.com/office/powerpoint/2010/main" val="2735499612"/>
+        <p14:creationId xmlns:p14="http://schemas.microsoft.com/office/powerpoint/2010/main" val="354721886"/>
       </p:ext>
     </p:extLst>
   </p:cSld>
@@ -9998,6 +12114,245 @@
             </a:pPr>
             <a:r>
               <a:rPr lang="en-US" dirty="0"/>
+              <a:t> The syntax of Golang seeks to reduce typing. </a:t>
+            </a:r>
+          </a:p>
+          <a:p>
+            <a:pPr>
+              <a:spcBef>
+                <a:spcPts val="0"/>
+              </a:spcBef>
+            </a:pPr>
+            <a:r>
+              <a:rPr lang="en-US" dirty="0"/>
+              <a:t> Very light on restricted terms and keywords. </a:t>
+            </a:r>
+          </a:p>
+          <a:p>
+            <a:pPr>
+              <a:spcBef>
+                <a:spcPts val="0"/>
+              </a:spcBef>
+            </a:pPr>
+            <a:r>
+              <a:rPr lang="en-US" dirty="0"/>
+              <a:t> No “stuttering”…so none of this garbage: </a:t>
+            </a:r>
+          </a:p>
+          <a:p>
+            <a:pPr lvl="1">
+              <a:spcBef>
+                <a:spcPts val="0"/>
+              </a:spcBef>
+            </a:pPr>
+            <a:r>
+              <a:rPr lang="en-US" dirty="0"/>
+              <a:t> </a:t>
+            </a:r>
+            <a:r>
+              <a:rPr lang="en-US" i="1" dirty="0" err="1"/>
+              <a:t>foo.Foo</a:t>
+            </a:r>
+            <a:r>
+              <a:rPr lang="en-US" i="1" dirty="0"/>
+              <a:t>* </a:t>
+            </a:r>
+            <a:r>
+              <a:rPr lang="en-US" i="1" dirty="0" err="1"/>
+              <a:t>myFoo</a:t>
+            </a:r>
+            <a:r>
+              <a:rPr lang="en-US" i="1" dirty="0"/>
+              <a:t> = new(</a:t>
+            </a:r>
+            <a:r>
+              <a:rPr lang="en-US" i="1" dirty="0" err="1"/>
+              <a:t>foo.Foo</a:t>
+            </a:r>
+            <a:r>
+              <a:rPr lang="en-US" i="1" dirty="0"/>
+              <a:t>)</a:t>
+            </a:r>
+          </a:p>
+          <a:p>
+            <a:pPr>
+              <a:spcBef>
+                <a:spcPts val="0"/>
+              </a:spcBef>
+            </a:pPr>
+            <a:r>
+              <a:rPr lang="en-US" i="1" dirty="0"/>
+              <a:t> Everything is declared exactly once (so no .h files)</a:t>
+            </a:r>
+            <a:endParaRPr lang="en-US" dirty="0"/>
+          </a:p>
+          <a:p>
+            <a:pPr lvl="1">
+              <a:spcBef>
+                <a:spcPts val="0"/>
+              </a:spcBef>
+            </a:pPr>
+            <a:endParaRPr lang="en-US" dirty="0"/>
+          </a:p>
+          <a:p>
+            <a:pPr marL="603250" lvl="1" indent="0">
+              <a:spcBef>
+                <a:spcPts val="0"/>
+              </a:spcBef>
+              <a:buNone/>
+            </a:pPr>
+            <a:endParaRPr lang="en-US" dirty="0"/>
+          </a:p>
+        </p:txBody>
+      </p:sp>
+      <p:pic>
+        <p:nvPicPr>
+          <p:cNvPr id="3076" name="Picture 4" descr="Image result for golang">
+            <a:extLst>
+              <a:ext uri="{FF2B5EF4-FFF2-40B4-BE49-F238E27FC236}">
+                <a16:creationId xmlns:a16="http://schemas.microsoft.com/office/drawing/2014/main" id="{03BABCF4-5A92-AB46-8492-2679914C477F}"/>
+              </a:ext>
+            </a:extLst>
+          </p:cNvPr>
+          <p:cNvPicPr>
+            <a:picLocks noChangeAspect="1" noChangeArrowheads="1"/>
+          </p:cNvPicPr>
+          <p:nvPr/>
+        </p:nvPicPr>
+        <p:blipFill>
+          <a:blip r:embed="rId3">
+            <a:extLst>
+              <a:ext uri="{28A0092B-C50C-407E-A947-70E740481C1C}">
+                <a14:useLocalDpi xmlns:a14="http://schemas.microsoft.com/office/drawing/2010/main" val="0"/>
+              </a:ext>
+            </a:extLst>
+          </a:blip>
+          <a:srcRect/>
+          <a:stretch>
+            <a:fillRect/>
+          </a:stretch>
+        </p:blipFill>
+        <p:spPr bwMode="auto">
+          <a:xfrm>
+            <a:off x="2732926" y="3993822"/>
+            <a:ext cx="3390472" cy="2171832"/>
+          </a:xfrm>
+          <a:prstGeom prst="rect">
+            <a:avLst/>
+          </a:prstGeom>
+          <a:noFill/>
+          <a:extLst>
+            <a:ext uri="{909E8E84-426E-40DD-AFC4-6F175D3DCCD1}">
+              <a14:hiddenFill xmlns:a14="http://schemas.microsoft.com/office/drawing/2010/main">
+                <a:solidFill>
+                  <a:srgbClr val="FFFFFF"/>
+                </a:solidFill>
+              </a14:hiddenFill>
+            </a:ext>
+          </a:extLst>
+        </p:spPr>
+      </p:pic>
+    </p:spTree>
+    <p:extLst>
+      <p:ext uri="{BB962C8B-B14F-4D97-AF65-F5344CB8AC3E}">
+        <p14:creationId xmlns:p14="http://schemas.microsoft.com/office/powerpoint/2010/main" val="2735499612"/>
+      </p:ext>
+    </p:extLst>
+  </p:cSld>
+  <p:clrMapOvr>
+    <a:masterClrMapping/>
+  </p:clrMapOvr>
+</p:sld>
+</file>
+
+<file path=ppt/slides/slide16.xml><?xml version="1.0" encoding="utf-8"?>
+<p:sld xmlns:a="http://schemas.openxmlformats.org/drawingml/2006/main" xmlns:r="http://schemas.openxmlformats.org/officeDocument/2006/relationships" xmlns:p="http://schemas.openxmlformats.org/presentationml/2006/main">
+  <p:cSld>
+    <p:spTree>
+      <p:nvGrpSpPr>
+        <p:cNvPr id="1" name="Shape 113"/>
+        <p:cNvGrpSpPr/>
+        <p:nvPr/>
+      </p:nvGrpSpPr>
+      <p:grpSpPr>
+        <a:xfrm>
+          <a:off x="0" y="0"/>
+          <a:ext cx="0" cy="0"/>
+          <a:chOff x="0" y="0"/>
+          <a:chExt cx="0" cy="0"/>
+        </a:xfrm>
+      </p:grpSpPr>
+      <p:sp>
+        <p:nvSpPr>
+          <p:cNvPr id="114" name="Shape 114"/>
+          <p:cNvSpPr txBox="1">
+            <a:spLocks noGrp="1"/>
+          </p:cNvSpPr>
+          <p:nvPr>
+            <p:ph type="title"/>
+          </p:nvPr>
+        </p:nvSpPr>
+        <p:spPr>
+          <a:xfrm>
+            <a:off x="76200" y="152400"/>
+            <a:ext cx="8991600" cy="671400"/>
+          </a:xfrm>
+          <a:prstGeom prst="rect">
+            <a:avLst/>
+          </a:prstGeom>
+        </p:spPr>
+        <p:txBody>
+          <a:bodyPr lIns="91425" tIns="91425" rIns="91425" bIns="91425" anchor="ctr" anchorCtr="0">
+            <a:noAutofit/>
+          </a:bodyPr>
+          <a:lstStyle/>
+          <a:p>
+            <a:pPr lvl="0">
+              <a:spcBef>
+                <a:spcPts val="0"/>
+              </a:spcBef>
+              <a:buNone/>
+            </a:pPr>
+            <a:r>
+              <a:rPr lang="en-US" dirty="0"/>
+              <a:t>Introduction to Golang (Philosophy)</a:t>
+            </a:r>
+            <a:endParaRPr dirty="0"/>
+          </a:p>
+        </p:txBody>
+      </p:sp>
+      <p:sp>
+        <p:nvSpPr>
+          <p:cNvPr id="115" name="Shape 115"/>
+          <p:cNvSpPr txBox="1">
+            <a:spLocks noGrp="1"/>
+          </p:cNvSpPr>
+          <p:nvPr>
+            <p:ph type="body" idx="1"/>
+          </p:nvPr>
+        </p:nvSpPr>
+        <p:spPr>
+          <a:xfrm>
+            <a:off x="76200" y="1371600"/>
+            <a:ext cx="8991600" cy="5029199"/>
+          </a:xfrm>
+          <a:prstGeom prst="rect">
+            <a:avLst/>
+          </a:prstGeom>
+        </p:spPr>
+        <p:txBody>
+          <a:bodyPr lIns="91425" tIns="91425" rIns="91425" bIns="91425" anchor="t" anchorCtr="0">
+            <a:noAutofit/>
+          </a:bodyPr>
+          <a:lstStyle/>
+          <a:p>
+            <a:pPr>
+              <a:spcBef>
+                <a:spcPts val="0"/>
+              </a:spcBef>
+            </a:pPr>
+            <a:r>
+              <a:rPr lang="en-US" dirty="0"/>
               <a:t> Final rule: </a:t>
             </a:r>
             <a:r>
@@ -10121,255 +12476,6 @@
     <p:extLst>
       <p:ext uri="{BB962C8B-B14F-4D97-AF65-F5344CB8AC3E}">
         <p14:creationId xmlns:p14="http://schemas.microsoft.com/office/powerpoint/2010/main" val="430233234"/>
-      </p:ext>
-    </p:extLst>
-  </p:cSld>
-  <p:clrMapOvr>
-    <a:masterClrMapping/>
-  </p:clrMapOvr>
-</p:sld>
-</file>
-
-<file path=ppt/slides/slide16.xml><?xml version="1.0" encoding="utf-8"?>
-<p:sld xmlns:a="http://schemas.openxmlformats.org/drawingml/2006/main" xmlns:r="http://schemas.openxmlformats.org/officeDocument/2006/relationships" xmlns:p="http://schemas.openxmlformats.org/presentationml/2006/main">
-  <p:cSld>
-    <p:spTree>
-      <p:nvGrpSpPr>
-        <p:cNvPr id="1" name="Shape 113"/>
-        <p:cNvGrpSpPr/>
-        <p:nvPr/>
-      </p:nvGrpSpPr>
-      <p:grpSpPr>
-        <a:xfrm>
-          <a:off x="0" y="0"/>
-          <a:ext cx="0" cy="0"/>
-          <a:chOff x="0" y="0"/>
-          <a:chExt cx="0" cy="0"/>
-        </a:xfrm>
-      </p:grpSpPr>
-      <p:sp>
-        <p:nvSpPr>
-          <p:cNvPr id="115" name="Shape 115"/>
-          <p:cNvSpPr txBox="1">
-            <a:spLocks noGrp="1"/>
-          </p:cNvSpPr>
-          <p:nvPr>
-            <p:ph type="body" idx="1"/>
-          </p:nvPr>
-        </p:nvSpPr>
-        <p:spPr>
-          <a:xfrm>
-            <a:off x="76200" y="1371601"/>
-            <a:ext cx="8991600" cy="3179852"/>
-          </a:xfrm>
-          <a:prstGeom prst="rect">
-            <a:avLst/>
-          </a:prstGeom>
-        </p:spPr>
-        <p:txBody>
-          <a:bodyPr lIns="91425" tIns="91425" rIns="91425" bIns="91425" anchor="t" anchorCtr="0">
-            <a:noAutofit/>
-          </a:bodyPr>
-          <a:lstStyle/>
-          <a:p>
-            <a:pPr lvl="1">
-              <a:spcBef>
-                <a:spcPts val="0"/>
-              </a:spcBef>
-            </a:pPr>
-            <a:r>
-              <a:rPr lang="en-US" dirty="0"/>
-              <a:t> Golang has an extensive library called </a:t>
-            </a:r>
-            <a:r>
-              <a:rPr lang="en-US" i="1" dirty="0"/>
-              <a:t>runtime</a:t>
-            </a:r>
-            <a:r>
-              <a:rPr lang="en-US" dirty="0"/>
-              <a:t> that does stuff like:</a:t>
-            </a:r>
-          </a:p>
-          <a:p>
-            <a:pPr lvl="2">
-              <a:spcBef>
-                <a:spcPts val="0"/>
-              </a:spcBef>
-            </a:pPr>
-            <a:r>
-              <a:rPr lang="en-US" dirty="0"/>
-              <a:t> Garbage Collection (clean up unused objects and anything taking up memory)</a:t>
-            </a:r>
-          </a:p>
-          <a:p>
-            <a:pPr lvl="2">
-              <a:spcBef>
-                <a:spcPts val="0"/>
-              </a:spcBef>
-            </a:pPr>
-            <a:r>
-              <a:rPr lang="en-US" dirty="0"/>
-              <a:t> Concurrency (</a:t>
-            </a:r>
-            <a:r>
-              <a:rPr lang="en-US" b="1" dirty="0" err="1"/>
-              <a:t>GoRoutines</a:t>
-            </a:r>
-            <a:r>
-              <a:rPr lang="en-US" dirty="0"/>
-              <a:t>- which we’ll get in to later)</a:t>
-            </a:r>
-          </a:p>
-          <a:p>
-            <a:pPr lvl="2">
-              <a:spcBef>
-                <a:spcPts val="0"/>
-              </a:spcBef>
-            </a:pPr>
-            <a:r>
-              <a:rPr lang="en-US" dirty="0"/>
-              <a:t> Stack management</a:t>
-            </a:r>
-          </a:p>
-          <a:p>
-            <a:pPr lvl="2">
-              <a:spcBef>
-                <a:spcPts val="0"/>
-              </a:spcBef>
-            </a:pPr>
-            <a:r>
-              <a:rPr lang="en-US" dirty="0"/>
-              <a:t> Much more…</a:t>
-            </a:r>
-          </a:p>
-          <a:p>
-            <a:pPr lvl="2">
-              <a:spcBef>
-                <a:spcPts val="0"/>
-              </a:spcBef>
-            </a:pPr>
-            <a:endParaRPr lang="en-US" dirty="0"/>
-          </a:p>
-          <a:p>
-            <a:pPr lvl="1">
-              <a:spcBef>
-                <a:spcPts val="0"/>
-              </a:spcBef>
-            </a:pPr>
-            <a:r>
-              <a:rPr lang="en-US" dirty="0"/>
-              <a:t> For Java folks out there- there is no Golang Virtual Machine</a:t>
-            </a:r>
-          </a:p>
-          <a:p>
-            <a:pPr lvl="1">
-              <a:spcBef>
-                <a:spcPts val="0"/>
-              </a:spcBef>
-            </a:pPr>
-            <a:endParaRPr lang="en-US" dirty="0"/>
-          </a:p>
-          <a:p>
-            <a:pPr marL="603250" lvl="1" indent="0">
-              <a:spcBef>
-                <a:spcPts val="0"/>
-              </a:spcBef>
-              <a:buNone/>
-            </a:pPr>
-            <a:endParaRPr lang="en-US" dirty="0"/>
-          </a:p>
-        </p:txBody>
-      </p:sp>
-      <p:sp>
-        <p:nvSpPr>
-          <p:cNvPr id="114" name="Shape 114"/>
-          <p:cNvSpPr txBox="1">
-            <a:spLocks noGrp="1"/>
-          </p:cNvSpPr>
-          <p:nvPr>
-            <p:ph type="title"/>
-          </p:nvPr>
-        </p:nvSpPr>
-        <p:spPr>
-          <a:xfrm>
-            <a:off x="76200" y="152400"/>
-            <a:ext cx="8991600" cy="671400"/>
-          </a:xfrm>
-          <a:prstGeom prst="rect">
-            <a:avLst/>
-          </a:prstGeom>
-        </p:spPr>
-        <p:txBody>
-          <a:bodyPr lIns="91425" tIns="91425" rIns="91425" bIns="91425" anchor="ctr" anchorCtr="0">
-            <a:noAutofit/>
-          </a:bodyPr>
-          <a:lstStyle/>
-          <a:p>
-            <a:pPr lvl="0">
-              <a:spcBef>
-                <a:spcPts val="0"/>
-              </a:spcBef>
-              <a:buNone/>
-            </a:pPr>
-            <a:r>
-              <a:rPr lang="en-US" dirty="0"/>
-              <a:t>Introduction to Golang (Philosophy)</a:t>
-            </a:r>
-            <a:endParaRPr dirty="0"/>
-          </a:p>
-        </p:txBody>
-      </p:sp>
-      <p:pic>
-        <p:nvPicPr>
-          <p:cNvPr id="6154" name="Picture 10" descr="Image result for golang and java">
-            <a:extLst>
-              <a:ext uri="{FF2B5EF4-FFF2-40B4-BE49-F238E27FC236}">
-                <a16:creationId xmlns:a16="http://schemas.microsoft.com/office/drawing/2014/main" id="{A22C7C52-AB81-AD47-9525-4B1F49B37BBE}"/>
-              </a:ext>
-            </a:extLst>
-          </p:cNvPr>
-          <p:cNvPicPr>
-            <a:picLocks noChangeAspect="1" noChangeArrowheads="1"/>
-          </p:cNvPicPr>
-          <p:nvPr/>
-        </p:nvPicPr>
-        <p:blipFill>
-          <a:blip r:embed="rId3">
-            <a:extLst>
-              <a:ext uri="{28A0092B-C50C-407E-A947-70E740481C1C}">
-                <a14:useLocalDpi xmlns:a14="http://schemas.microsoft.com/office/drawing/2010/main" val="0"/>
-              </a:ext>
-            </a:extLst>
-          </a:blip>
-          <a:srcRect/>
-          <a:stretch>
-            <a:fillRect/>
-          </a:stretch>
-        </p:blipFill>
-        <p:spPr bwMode="auto">
-          <a:xfrm>
-            <a:off x="2362200" y="4551453"/>
-            <a:ext cx="4419600" cy="1841500"/>
-          </a:xfrm>
-          <a:prstGeom prst="rect">
-            <a:avLst/>
-          </a:prstGeom>
-          <a:noFill/>
-          <a:extLst>
-            <a:ext uri="{909E8E84-426E-40DD-AFC4-6F175D3DCCD1}">
-              <a14:hiddenFill xmlns:a14="http://schemas.microsoft.com/office/drawing/2010/main">
-                <a:solidFill>
-                  <a:srgbClr val="FFFFFF"/>
-                </a:solidFill>
-              </a14:hiddenFill>
-            </a:ext>
-          </a:extLst>
-        </p:spPr>
-      </p:pic>
-    </p:spTree>
-    <p:extLst>
-      <p:ext uri="{BB962C8B-B14F-4D97-AF65-F5344CB8AC3E}">
-        <p14:creationId xmlns:p14="http://schemas.microsoft.com/office/powerpoint/2010/main" val="3227449960"/>
       </p:ext>
     </p:extLst>
   </p:cSld>
@@ -10428,32 +12534,95 @@
             </a:pPr>
             <a:r>
               <a:rPr lang="en-US" dirty="0"/>
-              <a:t> </a:t>
-            </a:r>
-            <a:r>
-              <a:rPr lang="en-US" b="1" dirty="0"/>
-              <a:t>Assertions: </a:t>
+              <a:t> Golang has an extensive library called </a:t>
+            </a:r>
+            <a:r>
+              <a:rPr lang="en-US" i="1" dirty="0"/>
+              <a:t>runtime</a:t>
             </a:r>
             <a:r>
               <a:rPr lang="en-US" dirty="0"/>
-              <a:t>To be honest- I find these super useful too…but the makers of GO felt that they can be used as an error handling crutch so when we want to say </a:t>
-            </a:r>
-            <a:r>
-              <a:rPr lang="en-US" i="1" dirty="0"/>
-              <a:t>“assert a = type </a:t>
-            </a:r>
-            <a:r>
-              <a:rPr lang="en-US" i="1" dirty="0" err="1"/>
-              <a:t>int</a:t>
-            </a:r>
-            <a:r>
-              <a:rPr lang="en-US" i="1" dirty="0"/>
-              <a:t>” </a:t>
-            </a:r>
+              <a:t> that does stuff like:</a:t>
+            </a:r>
+          </a:p>
+          <a:p>
+            <a:pPr lvl="2">
+              <a:spcBef>
+                <a:spcPts val="0"/>
+              </a:spcBef>
+            </a:pPr>
             <a:r>
               <a:rPr lang="en-US" dirty="0"/>
-              <a:t>it frequently becomes a way for programmers to avoid proper error handling.</a:t>
-            </a:r>
+              <a:t> Garbage Collection (clean up unused objects and anything taking up memory)</a:t>
+            </a:r>
+          </a:p>
+          <a:p>
+            <a:pPr lvl="2">
+              <a:spcBef>
+                <a:spcPts val="0"/>
+              </a:spcBef>
+            </a:pPr>
+            <a:r>
+              <a:rPr lang="en-US" dirty="0"/>
+              <a:t> Concurrency (</a:t>
+            </a:r>
+            <a:r>
+              <a:rPr lang="en-US" b="1" dirty="0" err="1"/>
+              <a:t>GoRoutines</a:t>
+            </a:r>
+            <a:r>
+              <a:rPr lang="en-US" dirty="0"/>
+              <a:t>- which we’ll get in to later)</a:t>
+            </a:r>
+          </a:p>
+          <a:p>
+            <a:pPr lvl="2">
+              <a:spcBef>
+                <a:spcPts val="0"/>
+              </a:spcBef>
+            </a:pPr>
+            <a:r>
+              <a:rPr lang="en-US" dirty="0"/>
+              <a:t> Stack management</a:t>
+            </a:r>
+          </a:p>
+          <a:p>
+            <a:pPr lvl="2">
+              <a:spcBef>
+                <a:spcPts val="0"/>
+              </a:spcBef>
+            </a:pPr>
+            <a:r>
+              <a:rPr lang="en-US" dirty="0"/>
+              <a:t> Much more…</a:t>
+            </a:r>
+          </a:p>
+          <a:p>
+            <a:pPr lvl="2">
+              <a:spcBef>
+                <a:spcPts val="0"/>
+              </a:spcBef>
+            </a:pPr>
+            <a:endParaRPr lang="en-US" dirty="0"/>
+          </a:p>
+          <a:p>
+            <a:pPr lvl="1">
+              <a:spcBef>
+                <a:spcPts val="0"/>
+              </a:spcBef>
+            </a:pPr>
+            <a:r>
+              <a:rPr lang="en-US" dirty="0"/>
+              <a:t> For Java folks out there- there is no Golang Virtual Machine</a:t>
+            </a:r>
+          </a:p>
+          <a:p>
+            <a:pPr lvl="1">
+              <a:spcBef>
+                <a:spcPts val="0"/>
+              </a:spcBef>
+            </a:pPr>
+            <a:endParaRPr lang="en-US" dirty="0"/>
           </a:p>
           <a:p>
             <a:pPr marL="603250" lvl="1" indent="0">
@@ -10463,25 +12632,6 @@
               <a:buNone/>
             </a:pPr>
             <a:endParaRPr lang="en-US" dirty="0"/>
-          </a:p>
-          <a:p>
-            <a:pPr lvl="1">
-              <a:spcBef>
-                <a:spcPts val="0"/>
-              </a:spcBef>
-            </a:pPr>
-            <a:r>
-              <a:rPr lang="en-US" dirty="0"/>
-              <a:t> </a:t>
-            </a:r>
-            <a:r>
-              <a:rPr lang="en-US" b="1" dirty="0"/>
-              <a:t>Generics:</a:t>
-            </a:r>
-            <a:r>
-              <a:rPr lang="en-US" dirty="0"/>
-              <a:t> This one will drive you crazy!!! And it’s the number one issue that I hear coders complain about with regards to Golang! But again- the philosophy of Go at it’s conception was scalability, readability, and concurrency. Polymorphic programming is not included in there…though they are talking about adding it. </a:t>
-            </a:r>
           </a:p>
         </p:txBody>
       </p:sp>
@@ -10518,16 +12668,63 @@
             </a:pPr>
             <a:r>
               <a:rPr lang="en-US" dirty="0"/>
-              <a:t>What does go NOT have? (and why)</a:t>
+              <a:t>Introduction to Golang (Philosophy)</a:t>
             </a:r>
             <a:endParaRPr dirty="0"/>
           </a:p>
         </p:txBody>
       </p:sp>
+      <p:pic>
+        <p:nvPicPr>
+          <p:cNvPr id="6154" name="Picture 10" descr="Image result for golang and java">
+            <a:extLst>
+              <a:ext uri="{FF2B5EF4-FFF2-40B4-BE49-F238E27FC236}">
+                <a16:creationId xmlns:a16="http://schemas.microsoft.com/office/drawing/2014/main" id="{A22C7C52-AB81-AD47-9525-4B1F49B37BBE}"/>
+              </a:ext>
+            </a:extLst>
+          </p:cNvPr>
+          <p:cNvPicPr>
+            <a:picLocks noChangeAspect="1" noChangeArrowheads="1"/>
+          </p:cNvPicPr>
+          <p:nvPr/>
+        </p:nvPicPr>
+        <p:blipFill>
+          <a:blip r:embed="rId3">
+            <a:extLst>
+              <a:ext uri="{28A0092B-C50C-407E-A947-70E740481C1C}">
+                <a14:useLocalDpi xmlns:a14="http://schemas.microsoft.com/office/drawing/2010/main" val="0"/>
+              </a:ext>
+            </a:extLst>
+          </a:blip>
+          <a:srcRect/>
+          <a:stretch>
+            <a:fillRect/>
+          </a:stretch>
+        </p:blipFill>
+        <p:spPr bwMode="auto">
+          <a:xfrm>
+            <a:off x="2362200" y="4551453"/>
+            <a:ext cx="4419600" cy="1841500"/>
+          </a:xfrm>
+          <a:prstGeom prst="rect">
+            <a:avLst/>
+          </a:prstGeom>
+          <a:noFill/>
+          <a:extLst>
+            <a:ext uri="{909E8E84-426E-40DD-AFC4-6F175D3DCCD1}">
+              <a14:hiddenFill xmlns:a14="http://schemas.microsoft.com/office/drawing/2010/main">
+                <a:solidFill>
+                  <a:srgbClr val="FFFFFF"/>
+                </a:solidFill>
+              </a14:hiddenFill>
+            </a:ext>
+          </a:extLst>
+        </p:spPr>
+      </p:pic>
     </p:spTree>
     <p:extLst>
       <p:ext uri="{BB962C8B-B14F-4D97-AF65-F5344CB8AC3E}">
-        <p14:creationId xmlns:p14="http://schemas.microsoft.com/office/powerpoint/2010/main" val="958183379"/>
+        <p14:creationId xmlns:p14="http://schemas.microsoft.com/office/powerpoint/2010/main" val="3227449960"/>
       </p:ext>
     </p:extLst>
   </p:cSld>
@@ -10589,32 +12786,28 @@
               <a:t> </a:t>
             </a:r>
             <a:r>
-              <a:rPr lang="en-US" sz="2000" b="1" dirty="0"/>
-              <a:t>Exceptions:</a:t>
-            </a:r>
-            <a:r>
-              <a:rPr lang="en-US" sz="2000" dirty="0"/>
-              <a:t> So no </a:t>
-            </a:r>
-            <a:r>
-              <a:rPr lang="en-US" sz="2000" i="1" dirty="0"/>
-              <a:t>try-catch-finally</a:t>
-            </a:r>
-            <a:r>
-              <a:rPr lang="en-US" sz="2000" dirty="0"/>
-              <a:t> here. Why? The designers felt that it leads to convoluted code. You’ll see this again and again (as with assertions)- Go wants you to DEAL with your exceptions- not breeze past them. Instead Go uses several different methods to handle exception cases, including </a:t>
-            </a:r>
-            <a:r>
-              <a:rPr lang="en-US" sz="2000" b="1" dirty="0"/>
-              <a:t>Defer, Panic </a:t>
-            </a:r>
-            <a:r>
-              <a:rPr lang="en-US" sz="2000" dirty="0"/>
-              <a:t>and </a:t>
-            </a:r>
-            <a:r>
-              <a:rPr lang="en-US" sz="2000" b="1" dirty="0"/>
-              <a:t>Recover.</a:t>
+              <a:rPr lang="en-US" b="1" dirty="0"/>
+              <a:t>Assertions: </a:t>
+            </a:r>
+            <a:r>
+              <a:rPr lang="en-US" dirty="0"/>
+              <a:t>To be honest- I find these super useful too…but the makers of GO felt that they can be used as an error handling crutch so when we want to say </a:t>
+            </a:r>
+            <a:r>
+              <a:rPr lang="en-US" i="1" dirty="0"/>
+              <a:t>“assert a = type </a:t>
+            </a:r>
+            <a:r>
+              <a:rPr lang="en-US" i="1" dirty="0" err="1"/>
+              <a:t>int</a:t>
+            </a:r>
+            <a:r>
+              <a:rPr lang="en-US" i="1" dirty="0"/>
+              <a:t>” </a:t>
+            </a:r>
+            <a:r>
+              <a:rPr lang="en-US" dirty="0"/>
+              <a:t>it frequently becomes a way for programmers to avoid proper error handling.</a:t>
             </a:r>
           </a:p>
           <a:p>
@@ -10624,33 +12817,26 @@
               </a:spcBef>
               <a:buNone/>
             </a:pPr>
-            <a:r>
-              <a:rPr lang="en-US" sz="2000" b="1" dirty="0"/>
+            <a:endParaRPr lang="en-US" dirty="0"/>
+          </a:p>
+          <a:p>
+            <a:pPr lvl="1">
+              <a:spcBef>
+                <a:spcPts val="0"/>
+              </a:spcBef>
+            </a:pPr>
+            <a:r>
+              <a:rPr lang="en-US" dirty="0"/>
               <a:t> </a:t>
             </a:r>
-          </a:p>
-          <a:p>
-            <a:pPr lvl="1">
-              <a:spcBef>
-                <a:spcPts val="0"/>
-              </a:spcBef>
-            </a:pPr>
-            <a:r>
-              <a:rPr lang="en-US" sz="2000" b="1" dirty="0"/>
-              <a:t>  Atomic Map operations: </a:t>
-            </a:r>
-            <a:r>
-              <a:rPr lang="en-US" sz="2000" dirty="0"/>
-              <a:t>So this one is fairly scary (it was for me) when doing complex multi-threaded operations. Basically- if you are hitting a map to auto-increment with multiple threads you *might* crash the program– or decrement when you mean to increment- but the designers decided on speed over safety in this case. </a:t>
-            </a:r>
-          </a:p>
-          <a:p>
-            <a:pPr lvl="1">
-              <a:spcBef>
-                <a:spcPts val="0"/>
-              </a:spcBef>
-            </a:pPr>
-            <a:endParaRPr lang="en-US" dirty="0"/>
+            <a:r>
+              <a:rPr lang="en-US" b="1" dirty="0"/>
+              <a:t>Generics:</a:t>
+            </a:r>
+            <a:r>
+              <a:rPr lang="en-US" dirty="0"/>
+              <a:t> This one will drive you crazy!!! And it’s the number one issue that I hear coders complain about with regards to Golang! But again- the philosophy of Go at it’s conception was scalability, readability, and concurrency. Polymorphic programming is not included in there…though they are talking about adding it. </a:t>
+            </a:r>
           </a:p>
         </p:txBody>
       </p:sp>
@@ -10693,57 +12879,10 @@
           </a:p>
         </p:txBody>
       </p:sp>
-      <p:pic>
-        <p:nvPicPr>
-          <p:cNvPr id="8194" name="Picture 2" descr="Image result for golang">
-            <a:extLst>
-              <a:ext uri="{FF2B5EF4-FFF2-40B4-BE49-F238E27FC236}">
-                <a16:creationId xmlns:a16="http://schemas.microsoft.com/office/drawing/2014/main" id="{82BC4631-2256-5044-9352-23DCB6E6EF9C}"/>
-              </a:ext>
-            </a:extLst>
-          </p:cNvPr>
-          <p:cNvPicPr>
-            <a:picLocks noChangeAspect="1" noChangeArrowheads="1"/>
-          </p:cNvPicPr>
-          <p:nvPr/>
-        </p:nvPicPr>
-        <p:blipFill>
-          <a:blip r:embed="rId3">
-            <a:extLst>
-              <a:ext uri="{28A0092B-C50C-407E-A947-70E740481C1C}">
-                <a14:useLocalDpi xmlns:a14="http://schemas.microsoft.com/office/drawing/2010/main" val="0"/>
-              </a:ext>
-            </a:extLst>
-          </a:blip>
-          <a:srcRect/>
-          <a:stretch>
-            <a:fillRect/>
-          </a:stretch>
-        </p:blipFill>
-        <p:spPr bwMode="auto">
-          <a:xfrm>
-            <a:off x="2917859" y="4915300"/>
-            <a:ext cx="3349375" cy="1685287"/>
-          </a:xfrm>
-          <a:prstGeom prst="rect">
-            <a:avLst/>
-          </a:prstGeom>
-          <a:noFill/>
-          <a:extLst>
-            <a:ext uri="{909E8E84-426E-40DD-AFC4-6F175D3DCCD1}">
-              <a14:hiddenFill xmlns:a14="http://schemas.microsoft.com/office/drawing/2010/main">
-                <a:solidFill>
-                  <a:srgbClr val="FFFFFF"/>
-                </a:solidFill>
-              </a14:hiddenFill>
-            </a:ext>
-          </a:extLst>
-        </p:spPr>
-      </p:pic>
     </p:spTree>
     <p:extLst>
       <p:ext uri="{BB962C8B-B14F-4D97-AF65-F5344CB8AC3E}">
-        <p14:creationId xmlns:p14="http://schemas.microsoft.com/office/powerpoint/2010/main" val="2712602552"/>
+        <p14:creationId xmlns:p14="http://schemas.microsoft.com/office/powerpoint/2010/main" val="958183379"/>
       </p:ext>
     </p:extLst>
   </p:cSld>
@@ -10801,36 +12940,48 @@
               </a:spcBef>
             </a:pPr>
             <a:r>
-              <a:rPr lang="en-US" b="1" dirty="0"/>
-              <a:t> Object Orientation (or Objects at ALL….sort of): </a:t>
-            </a:r>
-            <a:r>
               <a:rPr lang="en-US" dirty="0"/>
-              <a:t>So as stated before- Go has no </a:t>
-            </a:r>
-            <a:r>
-              <a:rPr lang="en-US" b="1" dirty="0"/>
-              <a:t>type hierarchy</a:t>
-            </a:r>
-            <a:r>
-              <a:rPr lang="en-US" dirty="0"/>
-              <a:t> in which a child inherits from a parent object.. Go uses something called </a:t>
-            </a:r>
-            <a:r>
-              <a:rPr lang="en-US" b="1" dirty="0"/>
-              <a:t>structs</a:t>
-            </a:r>
-            <a:r>
-              <a:rPr lang="en-US" dirty="0"/>
-              <a:t> which we will address shortly. That being said (and remember this): </a:t>
-            </a:r>
-            <a:r>
-              <a:rPr lang="en-US" b="1" i="1" dirty="0"/>
-              <a:t>INTERFACES</a:t>
-            </a:r>
-            <a:r>
-              <a:rPr lang="en-US" dirty="0"/>
-              <a:t> DO exist in Go!! We’ll also be discussing that shortly.</a:t>
+              <a:t> </a:t>
+            </a:r>
+            <a:r>
+              <a:rPr lang="en-US" sz="2000" b="1" dirty="0"/>
+              <a:t>Exceptions:</a:t>
+            </a:r>
+            <a:r>
+              <a:rPr lang="en-US" sz="2000" dirty="0"/>
+              <a:t> So no </a:t>
+            </a:r>
+            <a:r>
+              <a:rPr lang="en-US" sz="2000" i="1" dirty="0"/>
+              <a:t>try-catch-finally</a:t>
+            </a:r>
+            <a:r>
+              <a:rPr lang="en-US" sz="2000" dirty="0"/>
+              <a:t> here. Why? The designers felt that it leads to convoluted code. You’ll see this again and again (as with assertions)- Go wants you to DEAL with your exceptions- not breeze past them. Instead Go uses several different methods to handle exception cases, including </a:t>
+            </a:r>
+            <a:r>
+              <a:rPr lang="en-US" sz="2000" b="1" dirty="0"/>
+              <a:t>Defer, Panic </a:t>
+            </a:r>
+            <a:r>
+              <a:rPr lang="en-US" sz="2000" dirty="0"/>
+              <a:t>and </a:t>
+            </a:r>
+            <a:r>
+              <a:rPr lang="en-US" sz="2000" b="1" dirty="0"/>
+              <a:t>Recover.</a:t>
+            </a:r>
+          </a:p>
+          <a:p>
+            <a:pPr marL="603250" lvl="1" indent="0">
+              <a:spcBef>
+                <a:spcPts val="0"/>
+              </a:spcBef>
+              <a:buNone/>
+            </a:pPr>
+            <a:r>
+              <a:rPr lang="en-US" sz="2000" b="1" dirty="0"/>
+              <a:t> </a:t>
             </a:r>
           </a:p>
           <a:p>
@@ -10839,7 +12990,14 @@
                 <a:spcPts val="0"/>
               </a:spcBef>
             </a:pPr>
-            <a:endParaRPr lang="en-US" b="1" dirty="0"/>
+            <a:r>
+              <a:rPr lang="en-US" sz="2000" b="1" dirty="0"/>
+              <a:t>  Atomic Map operations: </a:t>
+            </a:r>
+            <a:r>
+              <a:rPr lang="en-US" sz="2000" dirty="0"/>
+              <a:t>So this one is fairly scary (it was for me) when doing complex multi-threaded operations. Basically- if you are hitting a map to auto-increment with multiple threads you *might* crash the program– or decrement when you mean to increment- but the designers decided on speed over safety in this case. </a:t>
+            </a:r>
           </a:p>
           <a:p>
             <a:pPr lvl="1">
@@ -10847,26 +13005,7 @@
                 <a:spcPts val="0"/>
               </a:spcBef>
             </a:pPr>
-            <a:r>
-              <a:rPr lang="en-US" b="1" dirty="0"/>
-              <a:t> Method Overloading: </a:t>
-            </a:r>
-            <a:r>
-              <a:rPr lang="en-US" dirty="0"/>
-              <a:t>Because seriously- method overloading is a stupid, confusing, and utterly unnecessary way to code. Fight me. </a:t>
-            </a:r>
-            <a:r>
-              <a:rPr lang="en-US" b="1" dirty="0"/>
-              <a:t> </a:t>
-            </a:r>
-          </a:p>
-          <a:p>
-            <a:pPr lvl="1">
-              <a:spcBef>
-                <a:spcPts val="0"/>
-              </a:spcBef>
-            </a:pPr>
-            <a:endParaRPr lang="en-US" b="1" dirty="0"/>
+            <a:endParaRPr lang="en-US" dirty="0"/>
           </a:p>
         </p:txBody>
       </p:sp>
@@ -10911,10 +13050,10 @@
       </p:sp>
       <p:pic>
         <p:nvPicPr>
-          <p:cNvPr id="9218" name="Picture 2" descr="Image result for golang">
+          <p:cNvPr id="8194" name="Picture 2" descr="Image result for golang">
             <a:extLst>
               <a:ext uri="{FF2B5EF4-FFF2-40B4-BE49-F238E27FC236}">
-                <a16:creationId xmlns:a16="http://schemas.microsoft.com/office/drawing/2014/main" id="{B895C06D-32C5-DB4A-A5D1-00FAA5382E59}"/>
+                <a16:creationId xmlns:a16="http://schemas.microsoft.com/office/drawing/2014/main" id="{82BC4631-2256-5044-9352-23DCB6E6EF9C}"/>
               </a:ext>
             </a:extLst>
           </p:cNvPr>
@@ -10938,8 +13077,8 @@
         </p:blipFill>
         <p:spPr bwMode="auto">
           <a:xfrm>
-            <a:off x="5794624" y="4871241"/>
-            <a:ext cx="2104775" cy="1550464"/>
+            <a:off x="2917859" y="4915300"/>
+            <a:ext cx="3349375" cy="1685287"/>
           </a:xfrm>
           <a:prstGeom prst="rect">
             <a:avLst/>
@@ -10959,7 +13098,7 @@
     </p:spTree>
     <p:extLst>
       <p:ext uri="{BB962C8B-B14F-4D97-AF65-F5344CB8AC3E}">
-        <p14:creationId xmlns:p14="http://schemas.microsoft.com/office/powerpoint/2010/main" val="1730102867"/>
+        <p14:creationId xmlns:p14="http://schemas.microsoft.com/office/powerpoint/2010/main" val="2712602552"/>
       </p:ext>
     </p:extLst>
   </p:cSld>
@@ -11267,6 +13406,222 @@
             </a:pPr>
             <a:r>
               <a:rPr lang="en-US" b="1" dirty="0"/>
+              <a:t> Object Orientation (or Objects at ALL….sort of): </a:t>
+            </a:r>
+            <a:r>
+              <a:rPr lang="en-US" dirty="0"/>
+              <a:t>So as stated before- Go has no </a:t>
+            </a:r>
+            <a:r>
+              <a:rPr lang="en-US" b="1" dirty="0"/>
+              <a:t>type hierarchy</a:t>
+            </a:r>
+            <a:r>
+              <a:rPr lang="en-US" dirty="0"/>
+              <a:t> in which a child inherits from a parent object.. Go uses something called </a:t>
+            </a:r>
+            <a:r>
+              <a:rPr lang="en-US" b="1" dirty="0"/>
+              <a:t>structs</a:t>
+            </a:r>
+            <a:r>
+              <a:rPr lang="en-US" dirty="0"/>
+              <a:t> which we will address shortly. That being said (and remember this): </a:t>
+            </a:r>
+            <a:r>
+              <a:rPr lang="en-US" b="1" i="1" dirty="0"/>
+              <a:t>INTERFACES</a:t>
+            </a:r>
+            <a:r>
+              <a:rPr lang="en-US" dirty="0"/>
+              <a:t> DO exist in Go!! We’ll also be discussing that shortly.</a:t>
+            </a:r>
+          </a:p>
+          <a:p>
+            <a:pPr lvl="1">
+              <a:spcBef>
+                <a:spcPts val="0"/>
+              </a:spcBef>
+            </a:pPr>
+            <a:endParaRPr lang="en-US" b="1" dirty="0"/>
+          </a:p>
+          <a:p>
+            <a:pPr lvl="1">
+              <a:spcBef>
+                <a:spcPts val="0"/>
+              </a:spcBef>
+            </a:pPr>
+            <a:r>
+              <a:rPr lang="en-US" b="1" dirty="0"/>
+              <a:t> Method Overloading: </a:t>
+            </a:r>
+            <a:r>
+              <a:rPr lang="en-US" dirty="0"/>
+              <a:t>Because seriously- method overloading is a stupid, confusing, and utterly unnecessary way to code. Fight me. </a:t>
+            </a:r>
+            <a:r>
+              <a:rPr lang="en-US" b="1" dirty="0"/>
+              <a:t> </a:t>
+            </a:r>
+          </a:p>
+          <a:p>
+            <a:pPr lvl="1">
+              <a:spcBef>
+                <a:spcPts val="0"/>
+              </a:spcBef>
+            </a:pPr>
+            <a:endParaRPr lang="en-US" b="1" dirty="0"/>
+          </a:p>
+        </p:txBody>
+      </p:sp>
+      <p:sp>
+        <p:nvSpPr>
+          <p:cNvPr id="114" name="Shape 114"/>
+          <p:cNvSpPr txBox="1">
+            <a:spLocks noGrp="1"/>
+          </p:cNvSpPr>
+          <p:nvPr>
+            <p:ph type="title"/>
+          </p:nvPr>
+        </p:nvSpPr>
+        <p:spPr>
+          <a:xfrm>
+            <a:off x="76200" y="152400"/>
+            <a:ext cx="8991600" cy="671400"/>
+          </a:xfrm>
+          <a:prstGeom prst="rect">
+            <a:avLst/>
+          </a:prstGeom>
+        </p:spPr>
+        <p:txBody>
+          <a:bodyPr lIns="91425" tIns="91425" rIns="91425" bIns="91425" anchor="ctr" anchorCtr="0">
+            <a:noAutofit/>
+          </a:bodyPr>
+          <a:lstStyle/>
+          <a:p>
+            <a:pPr lvl="0">
+              <a:spcBef>
+                <a:spcPts val="0"/>
+              </a:spcBef>
+              <a:buNone/>
+            </a:pPr>
+            <a:r>
+              <a:rPr lang="en-US" dirty="0"/>
+              <a:t>What does go NOT have? (and why)</a:t>
+            </a:r>
+            <a:endParaRPr dirty="0"/>
+          </a:p>
+        </p:txBody>
+      </p:sp>
+      <p:pic>
+        <p:nvPicPr>
+          <p:cNvPr id="9218" name="Picture 2" descr="Image result for golang">
+            <a:extLst>
+              <a:ext uri="{FF2B5EF4-FFF2-40B4-BE49-F238E27FC236}">
+                <a16:creationId xmlns:a16="http://schemas.microsoft.com/office/drawing/2014/main" id="{B895C06D-32C5-DB4A-A5D1-00FAA5382E59}"/>
+              </a:ext>
+            </a:extLst>
+          </p:cNvPr>
+          <p:cNvPicPr>
+            <a:picLocks noChangeAspect="1" noChangeArrowheads="1"/>
+          </p:cNvPicPr>
+          <p:nvPr/>
+        </p:nvPicPr>
+        <p:blipFill>
+          <a:blip r:embed="rId3">
+            <a:extLst>
+              <a:ext uri="{28A0092B-C50C-407E-A947-70E740481C1C}">
+                <a14:useLocalDpi xmlns:a14="http://schemas.microsoft.com/office/drawing/2010/main" val="0"/>
+              </a:ext>
+            </a:extLst>
+          </a:blip>
+          <a:srcRect/>
+          <a:stretch>
+            <a:fillRect/>
+          </a:stretch>
+        </p:blipFill>
+        <p:spPr bwMode="auto">
+          <a:xfrm>
+            <a:off x="5794624" y="4871241"/>
+            <a:ext cx="2104775" cy="1550464"/>
+          </a:xfrm>
+          <a:prstGeom prst="rect">
+            <a:avLst/>
+          </a:prstGeom>
+          <a:noFill/>
+          <a:extLst>
+            <a:ext uri="{909E8E84-426E-40DD-AFC4-6F175D3DCCD1}">
+              <a14:hiddenFill xmlns:a14="http://schemas.microsoft.com/office/drawing/2010/main">
+                <a:solidFill>
+                  <a:srgbClr val="FFFFFF"/>
+                </a:solidFill>
+              </a14:hiddenFill>
+            </a:ext>
+          </a:extLst>
+        </p:spPr>
+      </p:pic>
+    </p:spTree>
+    <p:extLst>
+      <p:ext uri="{BB962C8B-B14F-4D97-AF65-F5344CB8AC3E}">
+        <p14:creationId xmlns:p14="http://schemas.microsoft.com/office/powerpoint/2010/main" val="1730102867"/>
+      </p:ext>
+    </p:extLst>
+  </p:cSld>
+  <p:clrMapOvr>
+    <a:masterClrMapping/>
+  </p:clrMapOvr>
+</p:sld>
+</file>
+
+<file path=ppt/slides/slide21.xml><?xml version="1.0" encoding="utf-8"?>
+<p:sld xmlns:a="http://schemas.openxmlformats.org/drawingml/2006/main" xmlns:r="http://schemas.openxmlformats.org/officeDocument/2006/relationships" xmlns:p="http://schemas.openxmlformats.org/presentationml/2006/main">
+  <p:cSld>
+    <p:spTree>
+      <p:nvGrpSpPr>
+        <p:cNvPr id="1" name="Shape 113"/>
+        <p:cNvGrpSpPr/>
+        <p:nvPr/>
+      </p:nvGrpSpPr>
+      <p:grpSpPr>
+        <a:xfrm>
+          <a:off x="0" y="0"/>
+          <a:ext cx="0" cy="0"/>
+          <a:chOff x="0" y="0"/>
+          <a:chExt cx="0" cy="0"/>
+        </a:xfrm>
+      </p:grpSpPr>
+      <p:sp>
+        <p:nvSpPr>
+          <p:cNvPr id="115" name="Shape 115"/>
+          <p:cNvSpPr txBox="1">
+            <a:spLocks noGrp="1"/>
+          </p:cNvSpPr>
+          <p:nvPr>
+            <p:ph type="body" idx="1"/>
+          </p:nvPr>
+        </p:nvSpPr>
+        <p:spPr>
+          <a:xfrm>
+            <a:off x="76200" y="1371601"/>
+            <a:ext cx="8991600" cy="3179852"/>
+          </a:xfrm>
+          <a:prstGeom prst="rect">
+            <a:avLst/>
+          </a:prstGeom>
+        </p:spPr>
+        <p:txBody>
+          <a:bodyPr lIns="91425" tIns="91425" rIns="91425" bIns="91425" anchor="t" anchorCtr="0">
+            <a:noAutofit/>
+          </a:bodyPr>
+          <a:lstStyle/>
+          <a:p>
+            <a:pPr lvl="1">
+              <a:spcBef>
+                <a:spcPts val="0"/>
+              </a:spcBef>
+            </a:pPr>
+            <a:r>
+              <a:rPr lang="en-US" b="1" dirty="0"/>
               <a:t> Implicit numeric conversions: </a:t>
             </a:r>
             <a:r>
@@ -11426,6 +13781,2037 @@
     <p:extLst>
       <p:ext uri="{BB962C8B-B14F-4D97-AF65-F5344CB8AC3E}">
         <p14:creationId xmlns:p14="http://schemas.microsoft.com/office/powerpoint/2010/main" val="732554095"/>
+      </p:ext>
+    </p:extLst>
+  </p:cSld>
+  <p:clrMapOvr>
+    <a:masterClrMapping/>
+  </p:clrMapOvr>
+</p:sld>
+</file>
+
+<file path=ppt/slides/slide22.xml><?xml version="1.0" encoding="utf-8"?>
+<p:sld xmlns:a="http://schemas.openxmlformats.org/drawingml/2006/main" xmlns:r="http://schemas.openxmlformats.org/officeDocument/2006/relationships" xmlns:p="http://schemas.openxmlformats.org/presentationml/2006/main">
+  <p:cSld>
+    <p:spTree>
+      <p:nvGrpSpPr>
+        <p:cNvPr id="1" name="Shape 113"/>
+        <p:cNvGrpSpPr/>
+        <p:nvPr/>
+      </p:nvGrpSpPr>
+      <p:grpSpPr>
+        <a:xfrm>
+          <a:off x="0" y="0"/>
+          <a:ext cx="0" cy="0"/>
+          <a:chOff x="0" y="0"/>
+          <a:chExt cx="0" cy="0"/>
+        </a:xfrm>
+      </p:grpSpPr>
+      <p:sp>
+        <p:nvSpPr>
+          <p:cNvPr id="115" name="Shape 115"/>
+          <p:cNvSpPr txBox="1">
+            <a:spLocks noGrp="1"/>
+          </p:cNvSpPr>
+          <p:nvPr>
+            <p:ph type="body" idx="1"/>
+          </p:nvPr>
+        </p:nvSpPr>
+        <p:spPr>
+          <a:xfrm>
+            <a:off x="76200" y="1371601"/>
+            <a:ext cx="8991600" cy="3179852"/>
+          </a:xfrm>
+          <a:prstGeom prst="rect">
+            <a:avLst/>
+          </a:prstGeom>
+        </p:spPr>
+        <p:txBody>
+          <a:bodyPr lIns="91425" tIns="91425" rIns="91425" bIns="91425" anchor="t" anchorCtr="0">
+            <a:noAutofit/>
+          </a:bodyPr>
+          <a:lstStyle/>
+          <a:p>
+            <a:pPr lvl="1">
+              <a:spcBef>
+                <a:spcPts val="0"/>
+              </a:spcBef>
+            </a:pPr>
+            <a:r>
+              <a:rPr lang="en-US" b="1" dirty="0"/>
+              <a:t> DEPENDENCY CONTROL:</a:t>
+            </a:r>
+            <a:endParaRPr lang="en-US" dirty="0"/>
+          </a:p>
+          <a:p>
+            <a:pPr lvl="2">
+              <a:spcBef>
+                <a:spcPts val="0"/>
+              </a:spcBef>
+            </a:pPr>
+            <a:r>
+              <a:rPr lang="en-US" dirty="0"/>
+              <a:t> Let’s take a quick look at how we import a package: </a:t>
+            </a:r>
+          </a:p>
+          <a:p>
+            <a:pPr lvl="3">
+              <a:spcBef>
+                <a:spcPts val="0"/>
+              </a:spcBef>
+            </a:pPr>
+            <a:r>
+              <a:rPr lang="en-US" dirty="0">
+                <a:latin typeface="American Typewriter" panose="02090604020004020304" pitchFamily="18" charset="77"/>
+              </a:rPr>
+              <a:t>import “encoding/</a:t>
+            </a:r>
+            <a:r>
+              <a:rPr lang="en-US" dirty="0" err="1">
+                <a:latin typeface="American Typewriter" panose="02090604020004020304" pitchFamily="18" charset="77"/>
+              </a:rPr>
+              <a:t>json</a:t>
+            </a:r>
+            <a:r>
+              <a:rPr lang="en-US" dirty="0">
+                <a:latin typeface="American Typewriter" panose="02090604020004020304" pitchFamily="18" charset="77"/>
+              </a:rPr>
+              <a:t>”</a:t>
+            </a:r>
+          </a:p>
+          <a:p>
+            <a:pPr lvl="2">
+              <a:spcBef>
+                <a:spcPts val="0"/>
+              </a:spcBef>
+            </a:pPr>
+            <a:r>
+              <a:rPr lang="en-US" dirty="0"/>
+              <a:t> Here’s the thing with Go: If you don’t use that dependency in the package that you are importing it in to you get an </a:t>
+            </a:r>
+            <a:r>
+              <a:rPr lang="en-US" b="1" dirty="0"/>
+              <a:t>error </a:t>
+            </a:r>
+            <a:r>
+              <a:rPr lang="en-US" dirty="0"/>
+              <a:t>at compile time. </a:t>
+            </a:r>
+          </a:p>
+          <a:p>
+            <a:pPr lvl="2">
+              <a:spcBef>
+                <a:spcPts val="0"/>
+              </a:spcBef>
+            </a:pPr>
+            <a:r>
+              <a:rPr lang="en-US" dirty="0"/>
+              <a:t>Not a warning…an </a:t>
+            </a:r>
+            <a:r>
+              <a:rPr lang="en-US" b="1" dirty="0"/>
+              <a:t>error</a:t>
+            </a:r>
+            <a:r>
+              <a:rPr lang="en-US" dirty="0"/>
+              <a:t>. This is to </a:t>
+            </a:r>
+            <a:r>
+              <a:rPr lang="en-US" i="1" dirty="0"/>
+              <a:t>force you to manage your dependencies and keep your compile time low</a:t>
+            </a:r>
+            <a:r>
+              <a:rPr lang="en-US" dirty="0"/>
+              <a:t>.</a:t>
+            </a:r>
+          </a:p>
+          <a:p>
+            <a:pPr lvl="2">
+              <a:spcBef>
+                <a:spcPts val="0"/>
+              </a:spcBef>
+            </a:pPr>
+            <a:r>
+              <a:rPr lang="en-US" dirty="0"/>
+              <a:t>Here’s a sample:</a:t>
+            </a:r>
+          </a:p>
+          <a:p>
+            <a:pPr lvl="3"/>
+            <a:r>
+              <a:rPr lang="en-US" dirty="0"/>
+              <a:t>package A imports package B;</a:t>
+            </a:r>
+          </a:p>
+          <a:p>
+            <a:pPr lvl="3"/>
+            <a:r>
+              <a:rPr lang="en-US" dirty="0"/>
+              <a:t>package B imports package C;</a:t>
+            </a:r>
+          </a:p>
+          <a:p>
+            <a:pPr lvl="3"/>
+            <a:r>
+              <a:rPr lang="en-US" dirty="0"/>
+              <a:t>package A does </a:t>
+            </a:r>
+            <a:r>
+              <a:rPr lang="en-US" i="1" dirty="0"/>
+              <a:t>not</a:t>
+            </a:r>
+            <a:r>
+              <a:rPr lang="en-US" dirty="0"/>
+              <a:t> import package C</a:t>
+            </a:r>
+          </a:p>
+          <a:p>
+            <a:pPr lvl="2"/>
+            <a:r>
+              <a:rPr lang="en-US" i="1" dirty="0"/>
+              <a:t>Files are read only once! So first C is compiled, then B is compiled, then A is compiled…then linked. </a:t>
+            </a:r>
+          </a:p>
+          <a:p>
+            <a:pPr lvl="2"/>
+            <a:r>
+              <a:rPr lang="en-US" i="1" dirty="0"/>
+              <a:t>Package A will read the file for B EXACTLY ONCE.</a:t>
+            </a:r>
+          </a:p>
+          <a:p>
+            <a:pPr lvl="3">
+              <a:spcBef>
+                <a:spcPts val="0"/>
+              </a:spcBef>
+            </a:pPr>
+            <a:endParaRPr lang="en-US" dirty="0"/>
+          </a:p>
+        </p:txBody>
+      </p:sp>
+      <p:sp>
+        <p:nvSpPr>
+          <p:cNvPr id="114" name="Shape 114"/>
+          <p:cNvSpPr txBox="1">
+            <a:spLocks noGrp="1"/>
+          </p:cNvSpPr>
+          <p:nvPr>
+            <p:ph type="title"/>
+          </p:nvPr>
+        </p:nvSpPr>
+        <p:spPr>
+          <a:xfrm>
+            <a:off x="76200" y="152400"/>
+            <a:ext cx="8991600" cy="671400"/>
+          </a:xfrm>
+          <a:prstGeom prst="rect">
+            <a:avLst/>
+          </a:prstGeom>
+        </p:spPr>
+        <p:txBody>
+          <a:bodyPr lIns="91425" tIns="91425" rIns="91425" bIns="91425" anchor="ctr" anchorCtr="0">
+            <a:noAutofit/>
+          </a:bodyPr>
+          <a:lstStyle/>
+          <a:p>
+            <a:pPr lvl="0">
+              <a:spcBef>
+                <a:spcPts val="0"/>
+              </a:spcBef>
+              <a:buNone/>
+            </a:pPr>
+            <a:r>
+              <a:rPr lang="en-US" dirty="0"/>
+              <a:t>So what does Go ACTUALLY HAVE?</a:t>
+            </a:r>
+            <a:endParaRPr dirty="0"/>
+          </a:p>
+        </p:txBody>
+      </p:sp>
+    </p:spTree>
+    <p:extLst>
+      <p:ext uri="{BB962C8B-B14F-4D97-AF65-F5344CB8AC3E}">
+        <p14:creationId xmlns:p14="http://schemas.microsoft.com/office/powerpoint/2010/main" val="3614552694"/>
+      </p:ext>
+    </p:extLst>
+  </p:cSld>
+  <p:clrMapOvr>
+    <a:masterClrMapping/>
+  </p:clrMapOvr>
+</p:sld>
+</file>
+
+<file path=ppt/slides/slide23.xml><?xml version="1.0" encoding="utf-8"?>
+<p:sld xmlns:a="http://schemas.openxmlformats.org/drawingml/2006/main" xmlns:r="http://schemas.openxmlformats.org/officeDocument/2006/relationships" xmlns:p="http://schemas.openxmlformats.org/presentationml/2006/main">
+  <p:cSld>
+    <p:spTree>
+      <p:nvGrpSpPr>
+        <p:cNvPr id="1" name="Shape 113"/>
+        <p:cNvGrpSpPr/>
+        <p:nvPr/>
+      </p:nvGrpSpPr>
+      <p:grpSpPr>
+        <a:xfrm>
+          <a:off x="0" y="0"/>
+          <a:ext cx="0" cy="0"/>
+          <a:chOff x="0" y="0"/>
+          <a:chExt cx="0" cy="0"/>
+        </a:xfrm>
+      </p:grpSpPr>
+      <p:sp>
+        <p:nvSpPr>
+          <p:cNvPr id="115" name="Shape 115"/>
+          <p:cNvSpPr txBox="1">
+            <a:spLocks noGrp="1"/>
+          </p:cNvSpPr>
+          <p:nvPr>
+            <p:ph type="body" idx="1"/>
+          </p:nvPr>
+        </p:nvSpPr>
+        <p:spPr>
+          <a:xfrm>
+            <a:off x="76200" y="1330504"/>
+            <a:ext cx="8991600" cy="3344238"/>
+          </a:xfrm>
+          <a:prstGeom prst="rect">
+            <a:avLst/>
+          </a:prstGeom>
+        </p:spPr>
+        <p:txBody>
+          <a:bodyPr lIns="91425" tIns="91425" rIns="91425" bIns="91425" anchor="t" anchorCtr="0">
+            <a:noAutofit/>
+          </a:bodyPr>
+          <a:lstStyle/>
+          <a:p>
+            <a:pPr lvl="1">
+              <a:spcBef>
+                <a:spcPts val="0"/>
+              </a:spcBef>
+            </a:pPr>
+            <a:r>
+              <a:rPr lang="en-US" b="1" dirty="0"/>
+              <a:t> Packages:</a:t>
+            </a:r>
+            <a:endParaRPr lang="en-US" dirty="0"/>
+          </a:p>
+          <a:p>
+            <a:pPr lvl="2">
+              <a:spcBef>
+                <a:spcPts val="0"/>
+              </a:spcBef>
+            </a:pPr>
+            <a:r>
+              <a:rPr lang="en-US" dirty="0"/>
+              <a:t> These are designed for simplicity and ease of understanding!</a:t>
+            </a:r>
+          </a:p>
+          <a:p>
+            <a:pPr lvl="2">
+              <a:spcBef>
+                <a:spcPts val="0"/>
+              </a:spcBef>
+            </a:pPr>
+            <a:r>
+              <a:rPr lang="en-US" dirty="0"/>
+              <a:t>Every file starts with a package clause, for example:</a:t>
+            </a:r>
+          </a:p>
+          <a:p>
+            <a:pPr lvl="3">
+              <a:spcBef>
+                <a:spcPts val="0"/>
+              </a:spcBef>
+            </a:pPr>
+            <a:r>
+              <a:rPr lang="en-US" dirty="0">
+                <a:latin typeface="American Typewriter" panose="02090604020004020304" pitchFamily="18" charset="77"/>
+              </a:rPr>
+              <a:t>package </a:t>
+            </a:r>
+            <a:r>
+              <a:rPr lang="en-US" dirty="0" err="1">
+                <a:latin typeface="American Typewriter" panose="02090604020004020304" pitchFamily="18" charset="77"/>
+              </a:rPr>
+              <a:t>json</a:t>
+            </a:r>
+            <a:endParaRPr lang="en-US" dirty="0">
+              <a:latin typeface="American Typewriter" panose="02090604020004020304" pitchFamily="18" charset="77"/>
+            </a:endParaRPr>
+          </a:p>
+          <a:p>
+            <a:pPr lvl="3">
+              <a:spcBef>
+                <a:spcPts val="0"/>
+              </a:spcBef>
+            </a:pPr>
+            <a:r>
+              <a:rPr lang="en-US" dirty="0">
+                <a:latin typeface="+mn-lt"/>
+              </a:rPr>
+              <a:t>…will be at the top of the file. </a:t>
+            </a:r>
+            <a:r>
+              <a:rPr lang="en-US" b="1" dirty="0">
+                <a:latin typeface="+mn-lt"/>
+              </a:rPr>
+              <a:t>Keep these simple and straightforward!</a:t>
+            </a:r>
+          </a:p>
+          <a:p>
+            <a:pPr lvl="2">
+              <a:spcBef>
+                <a:spcPts val="0"/>
+              </a:spcBef>
+            </a:pPr>
+            <a:r>
+              <a:rPr lang="en-US" dirty="0">
+                <a:latin typeface="+mn-lt"/>
+              </a:rPr>
+              <a:t>Packages can be imported by their path (as in python, </a:t>
+            </a:r>
+            <a:r>
+              <a:rPr lang="en-US" dirty="0" err="1">
+                <a:latin typeface="+mn-lt"/>
+              </a:rPr>
+              <a:t>javascript</a:t>
+            </a:r>
+            <a:r>
+              <a:rPr lang="en-US" dirty="0">
+                <a:latin typeface="+mn-lt"/>
+              </a:rPr>
+              <a:t>, </a:t>
+            </a:r>
+            <a:r>
+              <a:rPr lang="en-US" dirty="0" err="1">
+                <a:latin typeface="+mn-lt"/>
+              </a:rPr>
+              <a:t>etc</a:t>
+            </a:r>
+            <a:r>
+              <a:rPr lang="en-US" dirty="0">
+                <a:latin typeface="+mn-lt"/>
+              </a:rPr>
+              <a:t>)</a:t>
+            </a:r>
+          </a:p>
+          <a:p>
+            <a:pPr lvl="2">
+              <a:spcBef>
+                <a:spcPts val="0"/>
+              </a:spcBef>
+            </a:pPr>
+            <a:r>
+              <a:rPr lang="en-US" dirty="0">
+                <a:latin typeface="+mn-lt"/>
+              </a:rPr>
+              <a:t> Package import/export is decided </a:t>
+            </a:r>
+            <a:r>
+              <a:rPr lang="en-US" i="1" dirty="0">
+                <a:latin typeface="+mn-lt"/>
+              </a:rPr>
+              <a:t>within the name of the package </a:t>
+            </a:r>
+            <a:r>
+              <a:rPr lang="en-US" dirty="0">
+                <a:latin typeface="+mn-lt"/>
+              </a:rPr>
+              <a:t>depending on whether or not the first letter is capitalized…so:</a:t>
+            </a:r>
+          </a:p>
+          <a:p>
+            <a:pPr lvl="3">
+              <a:spcBef>
+                <a:spcPts val="0"/>
+              </a:spcBef>
+            </a:pPr>
+            <a:r>
+              <a:rPr lang="en-US" dirty="0">
+                <a:latin typeface="+mn-lt"/>
+              </a:rPr>
+              <a:t> </a:t>
+            </a:r>
+            <a:r>
+              <a:rPr lang="en-US" b="1" dirty="0">
+                <a:latin typeface="American Typewriter" panose="02090604020004020304" pitchFamily="18" charset="77"/>
+              </a:rPr>
+              <a:t>struct </a:t>
+            </a:r>
+            <a:r>
+              <a:rPr lang="en-US" b="1" dirty="0" err="1">
+                <a:latin typeface="American Typewriter" panose="02090604020004020304" pitchFamily="18" charset="77"/>
+              </a:rPr>
+              <a:t>Fernisawesome</a:t>
+            </a:r>
+            <a:r>
+              <a:rPr lang="en-US" b="1" dirty="0">
+                <a:latin typeface="American Typewriter" panose="02090604020004020304" pitchFamily="18" charset="77"/>
+              </a:rPr>
+              <a:t> </a:t>
+            </a:r>
+            <a:r>
+              <a:rPr lang="en-US" dirty="0">
+                <a:latin typeface="+mn-lt"/>
+              </a:rPr>
+              <a:t>will be exported (public) while</a:t>
+            </a:r>
+          </a:p>
+          <a:p>
+            <a:pPr lvl="3">
+              <a:spcBef>
+                <a:spcPts val="0"/>
+              </a:spcBef>
+            </a:pPr>
+            <a:r>
+              <a:rPr lang="en-US" dirty="0">
+                <a:latin typeface="+mn-lt"/>
+              </a:rPr>
+              <a:t> </a:t>
+            </a:r>
+            <a:r>
+              <a:rPr lang="en-US" b="1" dirty="0">
+                <a:latin typeface="American Typewriter" panose="02090604020004020304" pitchFamily="18" charset="77"/>
+              </a:rPr>
+              <a:t>struct </a:t>
+            </a:r>
+            <a:r>
+              <a:rPr lang="en-US" b="1" dirty="0" err="1">
+                <a:latin typeface="American Typewriter" panose="02090604020004020304" pitchFamily="18" charset="77"/>
+              </a:rPr>
+              <a:t>fernisawesome</a:t>
+            </a:r>
+            <a:r>
+              <a:rPr lang="en-US" b="1" dirty="0">
+                <a:latin typeface="American Typewriter" panose="02090604020004020304" pitchFamily="18" charset="77"/>
+              </a:rPr>
+              <a:t> </a:t>
+            </a:r>
+            <a:r>
+              <a:rPr lang="en-US" dirty="0">
+                <a:latin typeface="+mn-lt"/>
+              </a:rPr>
+              <a:t>will only be used within the package</a:t>
+            </a:r>
+            <a:endParaRPr lang="en-US" b="1" dirty="0">
+              <a:latin typeface="+mn-lt"/>
+            </a:endParaRPr>
+          </a:p>
+          <a:p>
+            <a:pPr marL="1047750" lvl="2" indent="0">
+              <a:spcBef>
+                <a:spcPts val="0"/>
+              </a:spcBef>
+              <a:buNone/>
+            </a:pPr>
+            <a:endParaRPr lang="en-US" b="1" dirty="0">
+              <a:latin typeface="+mn-lt"/>
+            </a:endParaRPr>
+          </a:p>
+          <a:p>
+            <a:pPr lvl="3">
+              <a:spcBef>
+                <a:spcPts val="0"/>
+              </a:spcBef>
+            </a:pPr>
+            <a:endParaRPr lang="en-US" dirty="0">
+              <a:latin typeface="+mn-lt"/>
+            </a:endParaRPr>
+          </a:p>
+          <a:p>
+            <a:pPr marL="1047750" lvl="2" indent="0">
+              <a:spcBef>
+                <a:spcPts val="0"/>
+              </a:spcBef>
+              <a:buNone/>
+            </a:pPr>
+            <a:endParaRPr lang="en-US" dirty="0"/>
+          </a:p>
+        </p:txBody>
+      </p:sp>
+      <p:sp>
+        <p:nvSpPr>
+          <p:cNvPr id="114" name="Shape 114"/>
+          <p:cNvSpPr txBox="1">
+            <a:spLocks noGrp="1"/>
+          </p:cNvSpPr>
+          <p:nvPr>
+            <p:ph type="title"/>
+          </p:nvPr>
+        </p:nvSpPr>
+        <p:spPr>
+          <a:xfrm>
+            <a:off x="76200" y="152400"/>
+            <a:ext cx="8991600" cy="671400"/>
+          </a:xfrm>
+          <a:prstGeom prst="rect">
+            <a:avLst/>
+          </a:prstGeom>
+        </p:spPr>
+        <p:txBody>
+          <a:bodyPr lIns="91425" tIns="91425" rIns="91425" bIns="91425" anchor="ctr" anchorCtr="0">
+            <a:noAutofit/>
+          </a:bodyPr>
+          <a:lstStyle/>
+          <a:p>
+            <a:pPr lvl="0">
+              <a:spcBef>
+                <a:spcPts val="0"/>
+              </a:spcBef>
+              <a:buNone/>
+            </a:pPr>
+            <a:r>
+              <a:rPr lang="en-US" dirty="0"/>
+              <a:t>So what does Go ACTUALLY HAVE?</a:t>
+            </a:r>
+            <a:endParaRPr dirty="0"/>
+          </a:p>
+        </p:txBody>
+      </p:sp>
+      <p:pic>
+        <p:nvPicPr>
+          <p:cNvPr id="2054" name="Picture 6" descr="Image result for golang">
+            <a:extLst>
+              <a:ext uri="{FF2B5EF4-FFF2-40B4-BE49-F238E27FC236}">
+                <a16:creationId xmlns:a16="http://schemas.microsoft.com/office/drawing/2014/main" id="{762F7CC1-155A-2540-857F-316754E9FAAD}"/>
+              </a:ext>
+            </a:extLst>
+          </p:cNvPr>
+          <p:cNvPicPr>
+            <a:picLocks noChangeAspect="1" noChangeArrowheads="1"/>
+          </p:cNvPicPr>
+          <p:nvPr/>
+        </p:nvPicPr>
+        <p:blipFill>
+          <a:blip r:embed="rId3">
+            <a:extLst>
+              <a:ext uri="{28A0092B-C50C-407E-A947-70E740481C1C}">
+                <a14:useLocalDpi xmlns:a14="http://schemas.microsoft.com/office/drawing/2010/main" val="0"/>
+              </a:ext>
+            </a:extLst>
+          </a:blip>
+          <a:srcRect/>
+          <a:stretch>
+            <a:fillRect/>
+          </a:stretch>
+        </p:blipFill>
+        <p:spPr bwMode="auto">
+          <a:xfrm>
+            <a:off x="4643919" y="5386132"/>
+            <a:ext cx="2771668" cy="990409"/>
+          </a:xfrm>
+          <a:prstGeom prst="rect">
+            <a:avLst/>
+          </a:prstGeom>
+          <a:noFill/>
+          <a:extLst>
+            <a:ext uri="{909E8E84-426E-40DD-AFC4-6F175D3DCCD1}">
+              <a14:hiddenFill xmlns:a14="http://schemas.microsoft.com/office/drawing/2010/main">
+                <a:solidFill>
+                  <a:srgbClr val="FFFFFF"/>
+                </a:solidFill>
+              </a14:hiddenFill>
+            </a:ext>
+          </a:extLst>
+        </p:spPr>
+      </p:pic>
+    </p:spTree>
+    <p:extLst>
+      <p:ext uri="{BB962C8B-B14F-4D97-AF65-F5344CB8AC3E}">
+        <p14:creationId xmlns:p14="http://schemas.microsoft.com/office/powerpoint/2010/main" val="986131791"/>
+      </p:ext>
+    </p:extLst>
+  </p:cSld>
+  <p:clrMapOvr>
+    <a:masterClrMapping/>
+  </p:clrMapOvr>
+</p:sld>
+</file>
+
+<file path=ppt/slides/slide24.xml><?xml version="1.0" encoding="utf-8"?>
+<p:sld xmlns:a="http://schemas.openxmlformats.org/drawingml/2006/main" xmlns:r="http://schemas.openxmlformats.org/officeDocument/2006/relationships" xmlns:p="http://schemas.openxmlformats.org/presentationml/2006/main">
+  <p:cSld>
+    <p:spTree>
+      <p:nvGrpSpPr>
+        <p:cNvPr id="1" name="Shape 113"/>
+        <p:cNvGrpSpPr/>
+        <p:nvPr/>
+      </p:nvGrpSpPr>
+      <p:grpSpPr>
+        <a:xfrm>
+          <a:off x="0" y="0"/>
+          <a:ext cx="0" cy="0"/>
+          <a:chOff x="0" y="0"/>
+          <a:chExt cx="0" cy="0"/>
+        </a:xfrm>
+      </p:grpSpPr>
+      <p:sp>
+        <p:nvSpPr>
+          <p:cNvPr id="115" name="Shape 115"/>
+          <p:cNvSpPr txBox="1">
+            <a:spLocks noGrp="1"/>
+          </p:cNvSpPr>
+          <p:nvPr>
+            <p:ph type="body" idx="1"/>
+          </p:nvPr>
+        </p:nvSpPr>
+        <p:spPr>
+          <a:xfrm>
+            <a:off x="76200" y="1371601"/>
+            <a:ext cx="8991600" cy="3179852"/>
+          </a:xfrm>
+          <a:prstGeom prst="rect">
+            <a:avLst/>
+          </a:prstGeom>
+        </p:spPr>
+        <p:txBody>
+          <a:bodyPr lIns="91425" tIns="91425" rIns="91425" bIns="91425" anchor="t" anchorCtr="0">
+            <a:noAutofit/>
+          </a:bodyPr>
+          <a:lstStyle/>
+          <a:p>
+            <a:pPr lvl="1">
+              <a:spcBef>
+                <a:spcPts val="0"/>
+              </a:spcBef>
+            </a:pPr>
+            <a:r>
+              <a:rPr lang="en-US" b="1" dirty="0"/>
+              <a:t> Scope:</a:t>
+            </a:r>
+            <a:endParaRPr lang="en-US" dirty="0"/>
+          </a:p>
+          <a:p>
+            <a:pPr lvl="2">
+              <a:spcBef>
+                <a:spcPts val="0"/>
+              </a:spcBef>
+            </a:pPr>
+            <a:r>
+              <a:rPr lang="en-US" dirty="0"/>
+              <a:t> </a:t>
+            </a:r>
+            <a:r>
+              <a:rPr lang="en-US" b="1" dirty="0"/>
+              <a:t>SIMPLICITY</a:t>
+            </a:r>
+            <a:r>
+              <a:rPr lang="en-US" dirty="0"/>
+              <a:t> is the name of the game here…so as with everything else- scoping in Golang is built for simplicity:</a:t>
+            </a:r>
+          </a:p>
+          <a:p>
+            <a:pPr lvl="3"/>
+            <a:r>
+              <a:rPr lang="en-US" dirty="0"/>
+              <a:t>universe (predeclared identifiers such as </a:t>
+            </a:r>
+            <a:r>
+              <a:rPr lang="en-US" dirty="0" err="1"/>
+              <a:t>int</a:t>
+            </a:r>
+            <a:r>
+              <a:rPr lang="en-US" dirty="0"/>
+              <a:t> and string)</a:t>
+            </a:r>
+          </a:p>
+          <a:p>
+            <a:pPr lvl="3"/>
+            <a:r>
+              <a:rPr lang="en-US" dirty="0"/>
+              <a:t>package (all the source files of a package live at the same scope)</a:t>
+            </a:r>
+          </a:p>
+          <a:p>
+            <a:pPr lvl="3"/>
+            <a:r>
+              <a:rPr lang="en-US" dirty="0"/>
+              <a:t>file (for package import renames only; not very important in practice)</a:t>
+            </a:r>
+          </a:p>
+          <a:p>
+            <a:pPr lvl="3"/>
+            <a:r>
+              <a:rPr lang="en-US" dirty="0"/>
+              <a:t>function (the usual)</a:t>
+            </a:r>
+          </a:p>
+          <a:p>
+            <a:pPr lvl="3"/>
+            <a:r>
+              <a:rPr lang="en-US" dirty="0"/>
+              <a:t>block (the usual)</a:t>
+            </a:r>
+          </a:p>
+          <a:p>
+            <a:pPr lvl="2"/>
+            <a:r>
+              <a:rPr lang="en-US" dirty="0"/>
+              <a:t> There is no implicit or EXPLICIT </a:t>
+            </a:r>
+            <a:r>
+              <a:rPr lang="en-US" i="1" dirty="0"/>
+              <a:t>this</a:t>
+            </a:r>
+            <a:r>
+              <a:rPr lang="en-US" dirty="0"/>
+              <a:t>…so if you have a struct called “</a:t>
+            </a:r>
+            <a:r>
+              <a:rPr lang="en-US" dirty="0" err="1"/>
+              <a:t>luke</a:t>
+            </a:r>
+            <a:r>
+              <a:rPr lang="en-US" dirty="0"/>
+              <a:t>” as a receiver of output from a function it is always written as: “</a:t>
+            </a:r>
+            <a:r>
+              <a:rPr lang="en-US" dirty="0" err="1"/>
+              <a:t>luke.ReceivesFromTheForce</a:t>
+            </a:r>
+            <a:r>
+              <a:rPr lang="en-US" dirty="0"/>
+              <a:t>”</a:t>
+            </a:r>
+          </a:p>
+          <a:p>
+            <a:pPr lvl="2"/>
+            <a:r>
+              <a:rPr lang="en-US" dirty="0"/>
+              <a:t>Again- because Satan designed method overloading and he has not accessed Go- “</a:t>
+            </a:r>
+            <a:r>
+              <a:rPr lang="en-US" dirty="0" err="1"/>
+              <a:t>x.M</a:t>
+            </a:r>
+            <a:r>
+              <a:rPr lang="en-US" dirty="0"/>
+              <a:t>” </a:t>
+            </a:r>
+            <a:r>
+              <a:rPr lang="en-US" b="1" i="1" dirty="0"/>
+              <a:t>always</a:t>
+            </a:r>
+            <a:r>
+              <a:rPr lang="en-US" dirty="0"/>
+              <a:t> refers to a single function “M” in ”x”</a:t>
+            </a:r>
+          </a:p>
+          <a:p>
+            <a:pPr lvl="3">
+              <a:spcBef>
+                <a:spcPts val="0"/>
+              </a:spcBef>
+            </a:pPr>
+            <a:endParaRPr lang="en-US" b="1" dirty="0">
+              <a:latin typeface="+mn-lt"/>
+            </a:endParaRPr>
+          </a:p>
+          <a:p>
+            <a:pPr marL="1047750" lvl="2" indent="0">
+              <a:spcBef>
+                <a:spcPts val="0"/>
+              </a:spcBef>
+              <a:buNone/>
+            </a:pPr>
+            <a:endParaRPr lang="en-US" dirty="0"/>
+          </a:p>
+        </p:txBody>
+      </p:sp>
+      <p:sp>
+        <p:nvSpPr>
+          <p:cNvPr id="114" name="Shape 114"/>
+          <p:cNvSpPr txBox="1">
+            <a:spLocks noGrp="1"/>
+          </p:cNvSpPr>
+          <p:nvPr>
+            <p:ph type="title"/>
+          </p:nvPr>
+        </p:nvSpPr>
+        <p:spPr>
+          <a:xfrm>
+            <a:off x="76200" y="152400"/>
+            <a:ext cx="8991600" cy="671400"/>
+          </a:xfrm>
+          <a:prstGeom prst="rect">
+            <a:avLst/>
+          </a:prstGeom>
+        </p:spPr>
+        <p:txBody>
+          <a:bodyPr lIns="91425" tIns="91425" rIns="91425" bIns="91425" anchor="ctr" anchorCtr="0">
+            <a:noAutofit/>
+          </a:bodyPr>
+          <a:lstStyle/>
+          <a:p>
+            <a:pPr lvl="0">
+              <a:spcBef>
+                <a:spcPts val="0"/>
+              </a:spcBef>
+              <a:buNone/>
+            </a:pPr>
+            <a:r>
+              <a:rPr lang="en-US" dirty="0"/>
+              <a:t>So what does Go ACTUALLY HAVE?</a:t>
+            </a:r>
+            <a:endParaRPr dirty="0"/>
+          </a:p>
+        </p:txBody>
+      </p:sp>
+      <p:pic>
+        <p:nvPicPr>
+          <p:cNvPr id="3076" name="Picture 4" descr="Image result for golang">
+            <a:extLst>
+              <a:ext uri="{FF2B5EF4-FFF2-40B4-BE49-F238E27FC236}">
+                <a16:creationId xmlns:a16="http://schemas.microsoft.com/office/drawing/2014/main" id="{232B5787-9848-CC46-B8D4-98D84006822C}"/>
+              </a:ext>
+            </a:extLst>
+          </p:cNvPr>
+          <p:cNvPicPr>
+            <a:picLocks noChangeAspect="1" noChangeArrowheads="1"/>
+          </p:cNvPicPr>
+          <p:nvPr/>
+        </p:nvPicPr>
+        <p:blipFill>
+          <a:blip r:embed="rId3">
+            <a:extLst>
+              <a:ext uri="{28A0092B-C50C-407E-A947-70E740481C1C}">
+                <a14:useLocalDpi xmlns:a14="http://schemas.microsoft.com/office/drawing/2010/main" val="0"/>
+              </a:ext>
+            </a:extLst>
+          </a:blip>
+          <a:srcRect/>
+          <a:stretch>
+            <a:fillRect/>
+          </a:stretch>
+        </p:blipFill>
+        <p:spPr bwMode="auto">
+          <a:xfrm>
+            <a:off x="151542" y="2486346"/>
+            <a:ext cx="1459360" cy="1667840"/>
+          </a:xfrm>
+          <a:prstGeom prst="rect">
+            <a:avLst/>
+          </a:prstGeom>
+          <a:noFill/>
+          <a:extLst>
+            <a:ext uri="{909E8E84-426E-40DD-AFC4-6F175D3DCCD1}">
+              <a14:hiddenFill xmlns:a14="http://schemas.microsoft.com/office/drawing/2010/main">
+                <a:solidFill>
+                  <a:srgbClr val="FFFFFF"/>
+                </a:solidFill>
+              </a14:hiddenFill>
+            </a:ext>
+          </a:extLst>
+        </p:spPr>
+      </p:pic>
+    </p:spTree>
+    <p:extLst>
+      <p:ext uri="{BB962C8B-B14F-4D97-AF65-F5344CB8AC3E}">
+        <p14:creationId xmlns:p14="http://schemas.microsoft.com/office/powerpoint/2010/main" val="2275943347"/>
+      </p:ext>
+    </p:extLst>
+  </p:cSld>
+  <p:clrMapOvr>
+    <a:masterClrMapping/>
+  </p:clrMapOvr>
+</p:sld>
+</file>
+
+<file path=ppt/slides/slide25.xml><?xml version="1.0" encoding="utf-8"?>
+<p:sld xmlns:a="http://schemas.openxmlformats.org/drawingml/2006/main" xmlns:r="http://schemas.openxmlformats.org/officeDocument/2006/relationships" xmlns:p="http://schemas.openxmlformats.org/presentationml/2006/main">
+  <p:cSld>
+    <p:spTree>
+      <p:nvGrpSpPr>
+        <p:cNvPr id="1" name="Shape 113"/>
+        <p:cNvGrpSpPr/>
+        <p:nvPr/>
+      </p:nvGrpSpPr>
+      <p:grpSpPr>
+        <a:xfrm>
+          <a:off x="0" y="0"/>
+          <a:ext cx="0" cy="0"/>
+          <a:chOff x="0" y="0"/>
+          <a:chExt cx="0" cy="0"/>
+        </a:xfrm>
+      </p:grpSpPr>
+      <p:sp>
+        <p:nvSpPr>
+          <p:cNvPr id="115" name="Shape 115"/>
+          <p:cNvSpPr txBox="1">
+            <a:spLocks noGrp="1"/>
+          </p:cNvSpPr>
+          <p:nvPr>
+            <p:ph type="body" idx="1"/>
+          </p:nvPr>
+        </p:nvSpPr>
+        <p:spPr>
+          <a:xfrm>
+            <a:off x="76200" y="1371601"/>
+            <a:ext cx="8991600" cy="3179852"/>
+          </a:xfrm>
+          <a:prstGeom prst="rect">
+            <a:avLst/>
+          </a:prstGeom>
+        </p:spPr>
+        <p:txBody>
+          <a:bodyPr lIns="91425" tIns="91425" rIns="91425" bIns="91425" anchor="t" anchorCtr="0">
+            <a:noAutofit/>
+          </a:bodyPr>
+          <a:lstStyle/>
+          <a:p>
+            <a:pPr lvl="1">
+              <a:spcBef>
+                <a:spcPts val="0"/>
+              </a:spcBef>
+            </a:pPr>
+            <a:r>
+              <a:rPr lang="en-US" b="1" dirty="0"/>
+              <a:t> Concurrency:</a:t>
+            </a:r>
+            <a:endParaRPr lang="en-US" dirty="0"/>
+          </a:p>
+          <a:p>
+            <a:pPr lvl="2">
+              <a:spcBef>
+                <a:spcPts val="0"/>
+              </a:spcBef>
+            </a:pPr>
+            <a:r>
+              <a:rPr lang="en-US" dirty="0">
+                <a:latin typeface="+mn-lt"/>
+              </a:rPr>
+              <a:t>This is a </a:t>
+            </a:r>
+            <a:r>
+              <a:rPr lang="en-US" b="1" dirty="0">
+                <a:latin typeface="+mn-lt"/>
+              </a:rPr>
+              <a:t>big one</a:t>
+            </a:r>
+            <a:r>
+              <a:rPr lang="en-US" dirty="0">
+                <a:latin typeface="+mn-lt"/>
+              </a:rPr>
+              <a:t> in the Go world- at the language level Java and C lack in-built concurrency…which hurts them in the modern multi-core processing world. GO embodies a variant of </a:t>
+            </a:r>
+            <a:r>
+              <a:rPr lang="en-US" dirty="0"/>
+              <a:t>Communicating Sequential Processes (CSP)</a:t>
+            </a:r>
+            <a:r>
+              <a:rPr lang="en-US" dirty="0">
+                <a:latin typeface="+mn-lt"/>
+              </a:rPr>
+              <a:t> with first class channels. </a:t>
+            </a:r>
+          </a:p>
+          <a:p>
+            <a:pPr lvl="2">
+              <a:spcBef>
+                <a:spcPts val="0"/>
+              </a:spcBef>
+            </a:pPr>
+            <a:r>
+              <a:rPr lang="en-US" dirty="0">
+                <a:latin typeface="+mn-lt"/>
+              </a:rPr>
+              <a:t>Go is </a:t>
+            </a:r>
+            <a:r>
+              <a:rPr lang="en-US" b="1" dirty="0">
+                <a:latin typeface="+mn-lt"/>
+              </a:rPr>
+              <a:t>not</a:t>
+            </a:r>
+            <a:r>
+              <a:rPr lang="en-US" dirty="0">
+                <a:latin typeface="+mn-lt"/>
+              </a:rPr>
+              <a:t> memory-safe in the presence of concurrency- sharing is legal and you can pass a pointer over a channel. This can lead to some bad practices BUT the philosophy here is </a:t>
+            </a:r>
+            <a:r>
+              <a:rPr lang="en-US" dirty="0"/>
+              <a:t>"Don't communicate by sharing memory, share memory by communicating." </a:t>
+            </a:r>
+          </a:p>
+          <a:p>
+            <a:pPr lvl="2">
+              <a:spcBef>
+                <a:spcPts val="0"/>
+              </a:spcBef>
+            </a:pPr>
+            <a:r>
+              <a:rPr lang="en-US" b="1" dirty="0">
+                <a:latin typeface="+mn-lt"/>
+              </a:rPr>
+              <a:t>GOROUTINES- </a:t>
+            </a:r>
+            <a:r>
+              <a:rPr lang="en-US" dirty="0">
+                <a:latin typeface="+mn-lt"/>
+              </a:rPr>
+              <a:t>are how Go handles concurrency- it multiplexes independently executing functions into a set of threads. </a:t>
+            </a:r>
+          </a:p>
+          <a:p>
+            <a:pPr lvl="2">
+              <a:spcBef>
+                <a:spcPts val="0"/>
+              </a:spcBef>
+            </a:pPr>
+            <a:r>
+              <a:rPr lang="en-US" b="1" dirty="0">
+                <a:latin typeface="+mn-lt"/>
+              </a:rPr>
+              <a:t> </a:t>
+            </a:r>
+            <a:r>
+              <a:rPr lang="en-US" dirty="0">
+                <a:latin typeface="+mn-lt"/>
+              </a:rPr>
+              <a:t>We’ll go much deeper into this later </a:t>
+            </a:r>
+            <a:r>
+              <a:rPr lang="en-US" dirty="0">
+                <a:latin typeface="+mn-lt"/>
+                <a:sym typeface="Wingdings" pitchFamily="2" charset="2"/>
+              </a:rPr>
+              <a:t></a:t>
+            </a:r>
+            <a:endParaRPr lang="en-US" b="1" dirty="0">
+              <a:latin typeface="+mn-lt"/>
+            </a:endParaRPr>
+          </a:p>
+          <a:p>
+            <a:pPr marL="1047750" lvl="2" indent="0">
+              <a:spcBef>
+                <a:spcPts val="0"/>
+              </a:spcBef>
+              <a:buNone/>
+            </a:pPr>
+            <a:endParaRPr lang="en-US" dirty="0"/>
+          </a:p>
+        </p:txBody>
+      </p:sp>
+      <p:sp>
+        <p:nvSpPr>
+          <p:cNvPr id="114" name="Shape 114"/>
+          <p:cNvSpPr txBox="1">
+            <a:spLocks noGrp="1"/>
+          </p:cNvSpPr>
+          <p:nvPr>
+            <p:ph type="title"/>
+          </p:nvPr>
+        </p:nvSpPr>
+        <p:spPr>
+          <a:xfrm>
+            <a:off x="76200" y="152400"/>
+            <a:ext cx="8991600" cy="671400"/>
+          </a:xfrm>
+          <a:prstGeom prst="rect">
+            <a:avLst/>
+          </a:prstGeom>
+        </p:spPr>
+        <p:txBody>
+          <a:bodyPr lIns="91425" tIns="91425" rIns="91425" bIns="91425" anchor="ctr" anchorCtr="0">
+            <a:noAutofit/>
+          </a:bodyPr>
+          <a:lstStyle/>
+          <a:p>
+            <a:pPr lvl="0">
+              <a:spcBef>
+                <a:spcPts val="0"/>
+              </a:spcBef>
+              <a:buNone/>
+            </a:pPr>
+            <a:r>
+              <a:rPr lang="en-US" dirty="0"/>
+              <a:t>So what does Go ACTUALLY HAVE?</a:t>
+            </a:r>
+            <a:endParaRPr dirty="0"/>
+          </a:p>
+        </p:txBody>
+      </p:sp>
+      <p:pic>
+        <p:nvPicPr>
+          <p:cNvPr id="4098" name="Picture 2" descr="Image result for golang">
+            <a:extLst>
+              <a:ext uri="{FF2B5EF4-FFF2-40B4-BE49-F238E27FC236}">
+                <a16:creationId xmlns:a16="http://schemas.microsoft.com/office/drawing/2014/main" id="{043F5337-3781-194F-92A0-8D034934537E}"/>
+              </a:ext>
+            </a:extLst>
+          </p:cNvPr>
+          <p:cNvPicPr>
+            <a:picLocks noChangeAspect="1" noChangeArrowheads="1"/>
+          </p:cNvPicPr>
+          <p:nvPr/>
+        </p:nvPicPr>
+        <p:blipFill>
+          <a:blip r:embed="rId3">
+            <a:extLst>
+              <a:ext uri="{28A0092B-C50C-407E-A947-70E740481C1C}">
+                <a14:useLocalDpi xmlns:a14="http://schemas.microsoft.com/office/drawing/2010/main" val="0"/>
+              </a:ext>
+            </a:extLst>
+          </a:blip>
+          <a:srcRect/>
+          <a:stretch>
+            <a:fillRect/>
+          </a:stretch>
+        </p:blipFill>
+        <p:spPr bwMode="auto">
+          <a:xfrm flipH="1">
+            <a:off x="6967413" y="5589142"/>
+            <a:ext cx="1103494" cy="1022982"/>
+          </a:xfrm>
+          <a:prstGeom prst="rect">
+            <a:avLst/>
+          </a:prstGeom>
+          <a:noFill/>
+          <a:extLst>
+            <a:ext uri="{909E8E84-426E-40DD-AFC4-6F175D3DCCD1}">
+              <a14:hiddenFill xmlns:a14="http://schemas.microsoft.com/office/drawing/2010/main">
+                <a:solidFill>
+                  <a:srgbClr val="FFFFFF"/>
+                </a:solidFill>
+              </a14:hiddenFill>
+            </a:ext>
+          </a:extLst>
+        </p:spPr>
+      </p:pic>
+    </p:spTree>
+    <p:extLst>
+      <p:ext uri="{BB962C8B-B14F-4D97-AF65-F5344CB8AC3E}">
+        <p14:creationId xmlns:p14="http://schemas.microsoft.com/office/powerpoint/2010/main" val="242376225"/>
+      </p:ext>
+    </p:extLst>
+  </p:cSld>
+  <p:clrMapOvr>
+    <a:masterClrMapping/>
+  </p:clrMapOvr>
+</p:sld>
+</file>
+
+<file path=ppt/slides/slide26.xml><?xml version="1.0" encoding="utf-8"?>
+<p:sld xmlns:a="http://schemas.openxmlformats.org/drawingml/2006/main" xmlns:r="http://schemas.openxmlformats.org/officeDocument/2006/relationships" xmlns:p="http://schemas.openxmlformats.org/presentationml/2006/main">
+  <p:cSld>
+    <p:spTree>
+      <p:nvGrpSpPr>
+        <p:cNvPr id="1" name="Shape 113"/>
+        <p:cNvGrpSpPr/>
+        <p:nvPr/>
+      </p:nvGrpSpPr>
+      <p:grpSpPr>
+        <a:xfrm>
+          <a:off x="0" y="0"/>
+          <a:ext cx="0" cy="0"/>
+          <a:chOff x="0" y="0"/>
+          <a:chExt cx="0" cy="0"/>
+        </a:xfrm>
+      </p:grpSpPr>
+      <p:sp>
+        <p:nvSpPr>
+          <p:cNvPr id="115" name="Shape 115"/>
+          <p:cNvSpPr txBox="1">
+            <a:spLocks noGrp="1"/>
+          </p:cNvSpPr>
+          <p:nvPr>
+            <p:ph type="body" idx="1"/>
+          </p:nvPr>
+        </p:nvSpPr>
+        <p:spPr>
+          <a:xfrm>
+            <a:off x="76200" y="1371601"/>
+            <a:ext cx="8991600" cy="3179852"/>
+          </a:xfrm>
+          <a:prstGeom prst="rect">
+            <a:avLst/>
+          </a:prstGeom>
+        </p:spPr>
+        <p:txBody>
+          <a:bodyPr lIns="91425" tIns="91425" rIns="91425" bIns="91425" anchor="t" anchorCtr="0">
+            <a:noAutofit/>
+          </a:bodyPr>
+          <a:lstStyle/>
+          <a:p>
+            <a:pPr lvl="1">
+              <a:spcBef>
+                <a:spcPts val="0"/>
+              </a:spcBef>
+            </a:pPr>
+            <a:r>
+              <a:rPr lang="en-US" b="1" dirty="0"/>
+              <a:t> Garbage collection</a:t>
+            </a:r>
+          </a:p>
+          <a:p>
+            <a:pPr lvl="2">
+              <a:spcBef>
+                <a:spcPts val="0"/>
+              </a:spcBef>
+            </a:pPr>
+            <a:r>
+              <a:rPr lang="en-US" dirty="0"/>
+              <a:t> Obviously this is a vast improvement of C/C++ where managing garbage collection can hinder the speed at which you can program. </a:t>
+            </a:r>
+          </a:p>
+          <a:p>
+            <a:pPr lvl="2">
+              <a:spcBef>
+                <a:spcPts val="0"/>
+              </a:spcBef>
+            </a:pPr>
+            <a:r>
+              <a:rPr lang="en-US" dirty="0"/>
+              <a:t> Go DOES do automatic garbage collection but for the purposes of this program we will not be messing with memory allocation.</a:t>
+            </a:r>
+          </a:p>
+          <a:p>
+            <a:pPr lvl="2">
+              <a:spcBef>
+                <a:spcPts val="0"/>
+              </a:spcBef>
+            </a:pPr>
+            <a:r>
+              <a:rPr lang="en-US" dirty="0"/>
+              <a:t> That being said- if you want to mess with memory management (and garbage collection yourself) GO </a:t>
+            </a:r>
+            <a:r>
+              <a:rPr lang="en-US" b="1" dirty="0"/>
+              <a:t>does</a:t>
+            </a:r>
+            <a:r>
+              <a:rPr lang="en-US" dirty="0"/>
+              <a:t> allow you to, to some degree, go “under the hood” to mess with that stuff. </a:t>
+            </a:r>
+          </a:p>
+          <a:p>
+            <a:pPr marL="1047750" lvl="2" indent="0">
+              <a:spcBef>
+                <a:spcPts val="0"/>
+              </a:spcBef>
+              <a:buNone/>
+            </a:pPr>
+            <a:endParaRPr lang="en-US" dirty="0"/>
+          </a:p>
+        </p:txBody>
+      </p:sp>
+      <p:sp>
+        <p:nvSpPr>
+          <p:cNvPr id="114" name="Shape 114"/>
+          <p:cNvSpPr txBox="1">
+            <a:spLocks noGrp="1"/>
+          </p:cNvSpPr>
+          <p:nvPr>
+            <p:ph type="title"/>
+          </p:nvPr>
+        </p:nvSpPr>
+        <p:spPr>
+          <a:xfrm>
+            <a:off x="76200" y="152400"/>
+            <a:ext cx="8991600" cy="671400"/>
+          </a:xfrm>
+          <a:prstGeom prst="rect">
+            <a:avLst/>
+          </a:prstGeom>
+        </p:spPr>
+        <p:txBody>
+          <a:bodyPr lIns="91425" tIns="91425" rIns="91425" bIns="91425" anchor="ctr" anchorCtr="0">
+            <a:noAutofit/>
+          </a:bodyPr>
+          <a:lstStyle/>
+          <a:p>
+            <a:pPr lvl="0">
+              <a:spcBef>
+                <a:spcPts val="0"/>
+              </a:spcBef>
+              <a:buNone/>
+            </a:pPr>
+            <a:r>
+              <a:rPr lang="en-US" dirty="0"/>
+              <a:t>So what does Go ACTUALLY HAVE?</a:t>
+            </a:r>
+            <a:endParaRPr dirty="0"/>
+          </a:p>
+        </p:txBody>
+      </p:sp>
+      <p:pic>
+        <p:nvPicPr>
+          <p:cNvPr id="4098" name="Picture 2" descr="Image result for golang">
+            <a:extLst>
+              <a:ext uri="{FF2B5EF4-FFF2-40B4-BE49-F238E27FC236}">
+                <a16:creationId xmlns:a16="http://schemas.microsoft.com/office/drawing/2014/main" id="{043F5337-3781-194F-92A0-8D034934537E}"/>
+              </a:ext>
+            </a:extLst>
+          </p:cNvPr>
+          <p:cNvPicPr>
+            <a:picLocks noChangeAspect="1" noChangeArrowheads="1"/>
+          </p:cNvPicPr>
+          <p:nvPr/>
+        </p:nvPicPr>
+        <p:blipFill>
+          <a:blip r:embed="rId3">
+            <a:extLst>
+              <a:ext uri="{28A0092B-C50C-407E-A947-70E740481C1C}">
+                <a14:useLocalDpi xmlns:a14="http://schemas.microsoft.com/office/drawing/2010/main" val="0"/>
+              </a:ext>
+            </a:extLst>
+          </a:blip>
+          <a:srcRect/>
+          <a:stretch>
+            <a:fillRect/>
+          </a:stretch>
+        </p:blipFill>
+        <p:spPr bwMode="auto">
+          <a:xfrm>
+            <a:off x="3807132" y="4664466"/>
+            <a:ext cx="1648446" cy="1446799"/>
+          </a:xfrm>
+          <a:prstGeom prst="rect">
+            <a:avLst/>
+          </a:prstGeom>
+          <a:noFill/>
+          <a:extLst>
+            <a:ext uri="{909E8E84-426E-40DD-AFC4-6F175D3DCCD1}">
+              <a14:hiddenFill xmlns:a14="http://schemas.microsoft.com/office/drawing/2010/main">
+                <a:solidFill>
+                  <a:srgbClr val="FFFFFF"/>
+                </a:solidFill>
+              </a14:hiddenFill>
+            </a:ext>
+          </a:extLst>
+        </p:spPr>
+      </p:pic>
+    </p:spTree>
+    <p:extLst>
+      <p:ext uri="{BB962C8B-B14F-4D97-AF65-F5344CB8AC3E}">
+        <p14:creationId xmlns:p14="http://schemas.microsoft.com/office/powerpoint/2010/main" val="2721959867"/>
+      </p:ext>
+    </p:extLst>
+  </p:cSld>
+  <p:clrMapOvr>
+    <a:masterClrMapping/>
+  </p:clrMapOvr>
+</p:sld>
+</file>
+
+<file path=ppt/slides/slide27.xml><?xml version="1.0" encoding="utf-8"?>
+<p:sld xmlns:a="http://schemas.openxmlformats.org/drawingml/2006/main" xmlns:r="http://schemas.openxmlformats.org/officeDocument/2006/relationships" xmlns:p="http://schemas.openxmlformats.org/presentationml/2006/main">
+  <p:cSld>
+    <p:spTree>
+      <p:nvGrpSpPr>
+        <p:cNvPr id="1" name="Shape 113"/>
+        <p:cNvGrpSpPr/>
+        <p:nvPr/>
+      </p:nvGrpSpPr>
+      <p:grpSpPr>
+        <a:xfrm>
+          <a:off x="0" y="0"/>
+          <a:ext cx="0" cy="0"/>
+          <a:chOff x="0" y="0"/>
+          <a:chExt cx="0" cy="0"/>
+        </a:xfrm>
+      </p:grpSpPr>
+      <p:sp>
+        <p:nvSpPr>
+          <p:cNvPr id="115" name="Shape 115"/>
+          <p:cNvSpPr txBox="1">
+            <a:spLocks noGrp="1"/>
+          </p:cNvSpPr>
+          <p:nvPr>
+            <p:ph type="body" idx="1"/>
+          </p:nvPr>
+        </p:nvSpPr>
+        <p:spPr>
+          <a:xfrm>
+            <a:off x="76200" y="1371601"/>
+            <a:ext cx="8991600" cy="3179852"/>
+          </a:xfrm>
+          <a:prstGeom prst="rect">
+            <a:avLst/>
+          </a:prstGeom>
+        </p:spPr>
+        <p:txBody>
+          <a:bodyPr lIns="91425" tIns="91425" rIns="91425" bIns="91425" anchor="t" anchorCtr="0">
+            <a:noAutofit/>
+          </a:bodyPr>
+          <a:lstStyle/>
+          <a:p>
+            <a:pPr lvl="1">
+              <a:spcBef>
+                <a:spcPts val="0"/>
+              </a:spcBef>
+            </a:pPr>
+            <a:r>
+              <a:rPr lang="en-US" b="1" dirty="0"/>
+              <a:t> Composition…. NOT Inheritance</a:t>
+            </a:r>
+          </a:p>
+          <a:p>
+            <a:pPr lvl="2">
+              <a:spcBef>
+                <a:spcPts val="0"/>
+              </a:spcBef>
+            </a:pPr>
+            <a:r>
+              <a:rPr lang="en-US" dirty="0"/>
+              <a:t> As addressed earlier- GOLANG doesn’t have a “type hierarchy”…</a:t>
+            </a:r>
+            <a:r>
+              <a:rPr lang="en-US" dirty="0" err="1"/>
+              <a:t>i.e</a:t>
+            </a:r>
+            <a:r>
+              <a:rPr lang="en-US" dirty="0"/>
+              <a:t>: there are no “super” objects and children. </a:t>
+            </a:r>
+          </a:p>
+          <a:p>
+            <a:pPr lvl="2">
+              <a:spcBef>
+                <a:spcPts val="0"/>
+              </a:spcBef>
+            </a:pPr>
+            <a:r>
+              <a:rPr lang="en-US" dirty="0"/>
+              <a:t> Inheritance? Not so much a thing here. </a:t>
+            </a:r>
+          </a:p>
+          <a:p>
+            <a:pPr lvl="2">
+              <a:spcBef>
+                <a:spcPts val="0"/>
+              </a:spcBef>
+            </a:pPr>
+            <a:r>
+              <a:rPr lang="en-US" dirty="0"/>
+              <a:t> </a:t>
+            </a:r>
+            <a:r>
+              <a:rPr lang="en-US" b="1" dirty="0"/>
+              <a:t>Types just “are”</a:t>
+            </a:r>
+          </a:p>
+          <a:p>
+            <a:pPr lvl="2">
+              <a:spcBef>
+                <a:spcPts val="0"/>
+              </a:spcBef>
+            </a:pPr>
+            <a:r>
+              <a:rPr lang="en-US" i="1" dirty="0"/>
+              <a:t> This is going to be tough for my Object Oriented programmers out there to adapt to!</a:t>
+            </a:r>
+          </a:p>
+          <a:p>
+            <a:pPr lvl="2">
+              <a:spcBef>
+                <a:spcPts val="0"/>
+              </a:spcBef>
+            </a:pPr>
+            <a:endParaRPr lang="en-US" i="1" dirty="0"/>
+          </a:p>
+          <a:p>
+            <a:pPr lvl="2">
+              <a:spcBef>
+                <a:spcPts val="0"/>
+              </a:spcBef>
+            </a:pPr>
+            <a:r>
+              <a:rPr lang="en-US" dirty="0"/>
+              <a:t> The philosophical ideal behind this decision has to do with the need for object-oriented programs to </a:t>
+            </a:r>
+            <a:r>
+              <a:rPr lang="en-US" i="1" dirty="0"/>
+              <a:t>over-design</a:t>
+            </a:r>
+            <a:r>
+              <a:rPr lang="en-US" dirty="0"/>
+              <a:t> during the initial design phase…. Due to the tight inheritance relationships between objects programmers must design high level objects sufficiently abstract to handle </a:t>
+            </a:r>
+            <a:r>
+              <a:rPr lang="en-US" b="1" i="1" dirty="0"/>
+              <a:t>any case that the code might be used for</a:t>
+            </a:r>
+            <a:r>
+              <a:rPr lang="en-US" dirty="0"/>
+              <a:t>. </a:t>
+            </a:r>
+          </a:p>
+        </p:txBody>
+      </p:sp>
+      <p:sp>
+        <p:nvSpPr>
+          <p:cNvPr id="114" name="Shape 114"/>
+          <p:cNvSpPr txBox="1">
+            <a:spLocks noGrp="1"/>
+          </p:cNvSpPr>
+          <p:nvPr>
+            <p:ph type="title"/>
+          </p:nvPr>
+        </p:nvSpPr>
+        <p:spPr>
+          <a:xfrm>
+            <a:off x="76200" y="152400"/>
+            <a:ext cx="8991600" cy="671400"/>
+          </a:xfrm>
+          <a:prstGeom prst="rect">
+            <a:avLst/>
+          </a:prstGeom>
+        </p:spPr>
+        <p:txBody>
+          <a:bodyPr lIns="91425" tIns="91425" rIns="91425" bIns="91425" anchor="ctr" anchorCtr="0">
+            <a:noAutofit/>
+          </a:bodyPr>
+          <a:lstStyle/>
+          <a:p>
+            <a:pPr lvl="0">
+              <a:spcBef>
+                <a:spcPts val="0"/>
+              </a:spcBef>
+              <a:buNone/>
+            </a:pPr>
+            <a:r>
+              <a:rPr lang="en-US" dirty="0"/>
+              <a:t>So what does Go ACTUALLY HAVE?</a:t>
+            </a:r>
+            <a:endParaRPr dirty="0"/>
+          </a:p>
+        </p:txBody>
+      </p:sp>
+    </p:spTree>
+    <p:extLst>
+      <p:ext uri="{BB962C8B-B14F-4D97-AF65-F5344CB8AC3E}">
+        <p14:creationId xmlns:p14="http://schemas.microsoft.com/office/powerpoint/2010/main" val="2603798310"/>
+      </p:ext>
+    </p:extLst>
+  </p:cSld>
+  <p:clrMapOvr>
+    <a:masterClrMapping/>
+  </p:clrMapOvr>
+</p:sld>
+</file>
+
+<file path=ppt/slides/slide28.xml><?xml version="1.0" encoding="utf-8"?>
+<p:sld xmlns:a="http://schemas.openxmlformats.org/drawingml/2006/main" xmlns:r="http://schemas.openxmlformats.org/officeDocument/2006/relationships" xmlns:p="http://schemas.openxmlformats.org/presentationml/2006/main">
+  <p:cSld>
+    <p:spTree>
+      <p:nvGrpSpPr>
+        <p:cNvPr id="1" name="Shape 113"/>
+        <p:cNvGrpSpPr/>
+        <p:nvPr/>
+      </p:nvGrpSpPr>
+      <p:grpSpPr>
+        <a:xfrm>
+          <a:off x="0" y="0"/>
+          <a:ext cx="0" cy="0"/>
+          <a:chOff x="0" y="0"/>
+          <a:chExt cx="0" cy="0"/>
+        </a:xfrm>
+      </p:grpSpPr>
+      <p:sp>
+        <p:nvSpPr>
+          <p:cNvPr id="115" name="Shape 115"/>
+          <p:cNvSpPr txBox="1">
+            <a:spLocks noGrp="1"/>
+          </p:cNvSpPr>
+          <p:nvPr>
+            <p:ph type="body" idx="1"/>
+          </p:nvPr>
+        </p:nvSpPr>
+        <p:spPr>
+          <a:xfrm>
+            <a:off x="76200" y="1371601"/>
+            <a:ext cx="8991600" cy="3179852"/>
+          </a:xfrm>
+          <a:prstGeom prst="rect">
+            <a:avLst/>
+          </a:prstGeom>
+        </p:spPr>
+        <p:txBody>
+          <a:bodyPr lIns="91425" tIns="91425" rIns="91425" bIns="91425" anchor="t" anchorCtr="0">
+            <a:noAutofit/>
+          </a:bodyPr>
+          <a:lstStyle/>
+          <a:p>
+            <a:pPr lvl="1">
+              <a:spcBef>
+                <a:spcPts val="0"/>
+              </a:spcBef>
+            </a:pPr>
+            <a:r>
+              <a:rPr lang="en-US" b="1" dirty="0"/>
+              <a:t> Composition…. NOT Inheritance (continued)</a:t>
+            </a:r>
+          </a:p>
+          <a:p>
+            <a:pPr lvl="2">
+              <a:spcBef>
+                <a:spcPts val="0"/>
+              </a:spcBef>
+            </a:pPr>
+            <a:r>
+              <a:rPr lang="en-US" dirty="0"/>
+              <a:t> The creators of Go felt (and I agree) that </a:t>
+            </a:r>
+            <a:r>
+              <a:rPr lang="en-US" b="1" dirty="0"/>
+              <a:t>polymorphism</a:t>
+            </a:r>
+            <a:r>
+              <a:rPr lang="en-US" dirty="0"/>
+              <a:t> created more problems than it helped with and that it would be nicer to have a statically defined </a:t>
+            </a:r>
+            <a:r>
+              <a:rPr lang="en-US" b="1" dirty="0"/>
+              <a:t>interface</a:t>
+            </a:r>
+            <a:r>
+              <a:rPr lang="en-US" dirty="0"/>
+              <a:t> that enforces a </a:t>
+            </a:r>
+            <a:r>
+              <a:rPr lang="en-US" b="1" dirty="0"/>
+              <a:t>uniformity of behavior</a:t>
+            </a:r>
+            <a:r>
+              <a:rPr lang="en-US" dirty="0"/>
+              <a:t> of a method. </a:t>
+            </a:r>
+          </a:p>
+          <a:p>
+            <a:pPr lvl="2">
+              <a:spcBef>
+                <a:spcPts val="0"/>
+              </a:spcBef>
+            </a:pPr>
+            <a:r>
+              <a:rPr lang="en-US" dirty="0"/>
+              <a:t>This is part of the “define once” philosophy  (and keep it simple).  </a:t>
+            </a:r>
+          </a:p>
+        </p:txBody>
+      </p:sp>
+      <p:sp>
+        <p:nvSpPr>
+          <p:cNvPr id="114" name="Shape 114"/>
+          <p:cNvSpPr txBox="1">
+            <a:spLocks noGrp="1"/>
+          </p:cNvSpPr>
+          <p:nvPr>
+            <p:ph type="title"/>
+          </p:nvPr>
+        </p:nvSpPr>
+        <p:spPr>
+          <a:xfrm>
+            <a:off x="76200" y="152400"/>
+            <a:ext cx="8991600" cy="671400"/>
+          </a:xfrm>
+          <a:prstGeom prst="rect">
+            <a:avLst/>
+          </a:prstGeom>
+        </p:spPr>
+        <p:txBody>
+          <a:bodyPr lIns="91425" tIns="91425" rIns="91425" bIns="91425" anchor="ctr" anchorCtr="0">
+            <a:noAutofit/>
+          </a:bodyPr>
+          <a:lstStyle/>
+          <a:p>
+            <a:pPr lvl="0">
+              <a:spcBef>
+                <a:spcPts val="0"/>
+              </a:spcBef>
+              <a:buNone/>
+            </a:pPr>
+            <a:r>
+              <a:rPr lang="en-US" dirty="0"/>
+              <a:t>So what does Go ACTUALLY HAVE?</a:t>
+            </a:r>
+            <a:endParaRPr dirty="0"/>
+          </a:p>
+        </p:txBody>
+      </p:sp>
+      <p:pic>
+        <p:nvPicPr>
+          <p:cNvPr id="7170" name="Picture 2" descr="Image result for golang">
+            <a:extLst>
+              <a:ext uri="{FF2B5EF4-FFF2-40B4-BE49-F238E27FC236}">
+                <a16:creationId xmlns:a16="http://schemas.microsoft.com/office/drawing/2014/main" id="{E1D98BB3-4F88-A243-A1BE-9DFB4AE5B6A5}"/>
+              </a:ext>
+            </a:extLst>
+          </p:cNvPr>
+          <p:cNvPicPr>
+            <a:picLocks noChangeAspect="1" noChangeArrowheads="1"/>
+          </p:cNvPicPr>
+          <p:nvPr/>
+        </p:nvPicPr>
+        <p:blipFill>
+          <a:blip r:embed="rId3">
+            <a:extLst>
+              <a:ext uri="{28A0092B-C50C-407E-A947-70E740481C1C}">
+                <a14:useLocalDpi xmlns:a14="http://schemas.microsoft.com/office/drawing/2010/main" val="0"/>
+              </a:ext>
+            </a:extLst>
+          </a:blip>
+          <a:srcRect/>
+          <a:stretch>
+            <a:fillRect/>
+          </a:stretch>
+        </p:blipFill>
+        <p:spPr bwMode="auto">
+          <a:xfrm flipH="1">
+            <a:off x="2675062" y="3595650"/>
+            <a:ext cx="3057918" cy="2527300"/>
+          </a:xfrm>
+          <a:prstGeom prst="rect">
+            <a:avLst/>
+          </a:prstGeom>
+          <a:noFill/>
+          <a:extLst>
+            <a:ext uri="{909E8E84-426E-40DD-AFC4-6F175D3DCCD1}">
+              <a14:hiddenFill xmlns:a14="http://schemas.microsoft.com/office/drawing/2010/main">
+                <a:solidFill>
+                  <a:srgbClr val="FFFFFF"/>
+                </a:solidFill>
+              </a14:hiddenFill>
+            </a:ext>
+          </a:extLst>
+        </p:spPr>
+      </p:pic>
+    </p:spTree>
+    <p:extLst>
+      <p:ext uri="{BB962C8B-B14F-4D97-AF65-F5344CB8AC3E}">
+        <p14:creationId xmlns:p14="http://schemas.microsoft.com/office/powerpoint/2010/main" val="612238223"/>
+      </p:ext>
+    </p:extLst>
+  </p:cSld>
+  <p:clrMapOvr>
+    <a:masterClrMapping/>
+  </p:clrMapOvr>
+</p:sld>
+</file>
+
+<file path=ppt/slides/slide29.xml><?xml version="1.0" encoding="utf-8"?>
+<p:sld xmlns:a="http://schemas.openxmlformats.org/drawingml/2006/main" xmlns:r="http://schemas.openxmlformats.org/officeDocument/2006/relationships" xmlns:p="http://schemas.openxmlformats.org/presentationml/2006/main">
+  <p:cSld>
+    <p:spTree>
+      <p:nvGrpSpPr>
+        <p:cNvPr id="1" name="Shape 113"/>
+        <p:cNvGrpSpPr/>
+        <p:nvPr/>
+      </p:nvGrpSpPr>
+      <p:grpSpPr>
+        <a:xfrm>
+          <a:off x="0" y="0"/>
+          <a:ext cx="0" cy="0"/>
+          <a:chOff x="0" y="0"/>
+          <a:chExt cx="0" cy="0"/>
+        </a:xfrm>
+      </p:grpSpPr>
+      <p:sp>
+        <p:nvSpPr>
+          <p:cNvPr id="115" name="Shape 115"/>
+          <p:cNvSpPr txBox="1">
+            <a:spLocks noGrp="1"/>
+          </p:cNvSpPr>
+          <p:nvPr>
+            <p:ph type="body" idx="1"/>
+          </p:nvPr>
+        </p:nvSpPr>
+        <p:spPr>
+          <a:xfrm>
+            <a:off x="76200" y="1371601"/>
+            <a:ext cx="8991600" cy="3179852"/>
+          </a:xfrm>
+          <a:prstGeom prst="rect">
+            <a:avLst/>
+          </a:prstGeom>
+        </p:spPr>
+        <p:txBody>
+          <a:bodyPr lIns="91425" tIns="91425" rIns="91425" bIns="91425" anchor="t" anchorCtr="0">
+            <a:noAutofit/>
+          </a:bodyPr>
+          <a:lstStyle/>
+          <a:p>
+            <a:pPr lvl="1">
+              <a:spcBef>
+                <a:spcPts val="0"/>
+              </a:spcBef>
+            </a:pPr>
+            <a:r>
+              <a:rPr lang="en-US" b="1" dirty="0"/>
+              <a:t> Composition…. NOT Inheritance (continued)</a:t>
+            </a:r>
+          </a:p>
+          <a:p>
+            <a:pPr lvl="2">
+              <a:spcBef>
+                <a:spcPts val="0"/>
+              </a:spcBef>
+            </a:pPr>
+            <a:r>
+              <a:rPr lang="en-US" dirty="0"/>
+              <a:t> To get around the loss of ability to use inheritance, Go instead utilizes </a:t>
+            </a:r>
+            <a:r>
+              <a:rPr lang="en-US" b="1" dirty="0"/>
+              <a:t>interfaces</a:t>
+            </a:r>
+            <a:r>
+              <a:rPr lang="en-US" dirty="0"/>
+              <a:t> (we’ll get more into this later). </a:t>
+            </a:r>
+          </a:p>
+          <a:p>
+            <a:pPr lvl="2">
+              <a:spcBef>
+                <a:spcPts val="0"/>
+              </a:spcBef>
+            </a:pPr>
+            <a:r>
+              <a:rPr lang="en-US" dirty="0"/>
+              <a:t> </a:t>
+            </a:r>
+            <a:r>
+              <a:rPr lang="en-US" b="1" dirty="0"/>
+              <a:t>Interfaces</a:t>
+            </a:r>
+            <a:r>
+              <a:rPr lang="en-US" dirty="0"/>
+              <a:t> in GO do not use the “implements” name but “implementing” methods is what they do! They allow us a level of abstraction to implement methods. </a:t>
+            </a:r>
+          </a:p>
+          <a:p>
+            <a:pPr lvl="2">
+              <a:spcBef>
+                <a:spcPts val="0"/>
+              </a:spcBef>
+            </a:pPr>
+            <a:endParaRPr lang="en-US" dirty="0"/>
+          </a:p>
+        </p:txBody>
+      </p:sp>
+      <p:sp>
+        <p:nvSpPr>
+          <p:cNvPr id="114" name="Shape 114"/>
+          <p:cNvSpPr txBox="1">
+            <a:spLocks noGrp="1"/>
+          </p:cNvSpPr>
+          <p:nvPr>
+            <p:ph type="title"/>
+          </p:nvPr>
+        </p:nvSpPr>
+        <p:spPr>
+          <a:xfrm>
+            <a:off x="76200" y="152400"/>
+            <a:ext cx="8991600" cy="671400"/>
+          </a:xfrm>
+          <a:prstGeom prst="rect">
+            <a:avLst/>
+          </a:prstGeom>
+        </p:spPr>
+        <p:txBody>
+          <a:bodyPr lIns="91425" tIns="91425" rIns="91425" bIns="91425" anchor="ctr" anchorCtr="0">
+            <a:noAutofit/>
+          </a:bodyPr>
+          <a:lstStyle/>
+          <a:p>
+            <a:pPr lvl="0">
+              <a:spcBef>
+                <a:spcPts val="0"/>
+              </a:spcBef>
+              <a:buNone/>
+            </a:pPr>
+            <a:r>
+              <a:rPr lang="en-US" dirty="0"/>
+              <a:t>So what does Go ACTUALLY HAVE?</a:t>
+            </a:r>
+            <a:endParaRPr dirty="0"/>
+          </a:p>
+        </p:txBody>
+      </p:sp>
+      <p:sp>
+        <p:nvSpPr>
+          <p:cNvPr id="2" name="TextBox 1">
+            <a:extLst>
+              <a:ext uri="{FF2B5EF4-FFF2-40B4-BE49-F238E27FC236}">
+                <a16:creationId xmlns:a16="http://schemas.microsoft.com/office/drawing/2014/main" id="{D61D6768-38F0-C74D-8860-EC7F195304AE}"/>
+              </a:ext>
+            </a:extLst>
+          </p:cNvPr>
+          <p:cNvSpPr txBox="1"/>
+          <p:nvPr/>
+        </p:nvSpPr>
+        <p:spPr>
+          <a:xfrm>
+            <a:off x="7233007" y="5815173"/>
+            <a:ext cx="184731" cy="307777"/>
+          </a:xfrm>
+          <a:prstGeom prst="rect">
+            <a:avLst/>
+          </a:prstGeom>
+          <a:noFill/>
+        </p:spPr>
+        <p:txBody>
+          <a:bodyPr wrap="none" rtlCol="0">
+            <a:spAutoFit/>
+          </a:bodyPr>
+          <a:lstStyle/>
+          <a:p>
+            <a:endParaRPr lang="en-US" dirty="0"/>
+          </a:p>
+        </p:txBody>
+      </p:sp>
+      <p:pic>
+        <p:nvPicPr>
+          <p:cNvPr id="8194" name="Picture 2" descr="Image result for golang">
+            <a:extLst>
+              <a:ext uri="{FF2B5EF4-FFF2-40B4-BE49-F238E27FC236}">
+                <a16:creationId xmlns:a16="http://schemas.microsoft.com/office/drawing/2014/main" id="{4859269F-6932-E747-81B0-53D95913919F}"/>
+              </a:ext>
+            </a:extLst>
+          </p:cNvPr>
+          <p:cNvPicPr>
+            <a:picLocks noChangeAspect="1" noChangeArrowheads="1"/>
+          </p:cNvPicPr>
+          <p:nvPr/>
+        </p:nvPicPr>
+        <p:blipFill>
+          <a:blip r:embed="rId3">
+            <a:extLst>
+              <a:ext uri="{28A0092B-C50C-407E-A947-70E740481C1C}">
+                <a14:useLocalDpi xmlns:a14="http://schemas.microsoft.com/office/drawing/2010/main" val="0"/>
+              </a:ext>
+            </a:extLst>
+          </a:blip>
+          <a:srcRect/>
+          <a:stretch>
+            <a:fillRect/>
+          </a:stretch>
+        </p:blipFill>
+        <p:spPr bwMode="auto">
+          <a:xfrm>
+            <a:off x="2272657" y="3681572"/>
+            <a:ext cx="4837060" cy="2717813"/>
+          </a:xfrm>
+          <a:prstGeom prst="rect">
+            <a:avLst/>
+          </a:prstGeom>
+          <a:noFill/>
+          <a:extLst>
+            <a:ext uri="{909E8E84-426E-40DD-AFC4-6F175D3DCCD1}">
+              <a14:hiddenFill xmlns:a14="http://schemas.microsoft.com/office/drawing/2010/main">
+                <a:solidFill>
+                  <a:srgbClr val="FFFFFF"/>
+                </a:solidFill>
+              </a14:hiddenFill>
+            </a:ext>
+          </a:extLst>
+        </p:spPr>
+      </p:pic>
+    </p:spTree>
+    <p:extLst>
+      <p:ext uri="{BB962C8B-B14F-4D97-AF65-F5344CB8AC3E}">
+        <p14:creationId xmlns:p14="http://schemas.microsoft.com/office/powerpoint/2010/main" val="3373879470"/>
       </p:ext>
     </p:extLst>
   </p:cSld>
@@ -11997,6 +16383,879 @@
 </p:sld>
 </file>
 
+<file path=ppt/slides/slide30.xml><?xml version="1.0" encoding="utf-8"?>
+<p:sld xmlns:a="http://schemas.openxmlformats.org/drawingml/2006/main" xmlns:r="http://schemas.openxmlformats.org/officeDocument/2006/relationships" xmlns:p="http://schemas.openxmlformats.org/presentationml/2006/main">
+  <p:cSld>
+    <p:spTree>
+      <p:nvGrpSpPr>
+        <p:cNvPr id="1" name="Shape 113"/>
+        <p:cNvGrpSpPr/>
+        <p:nvPr/>
+      </p:nvGrpSpPr>
+      <p:grpSpPr>
+        <a:xfrm>
+          <a:off x="0" y="0"/>
+          <a:ext cx="0" cy="0"/>
+          <a:chOff x="0" y="0"/>
+          <a:chExt cx="0" cy="0"/>
+        </a:xfrm>
+      </p:grpSpPr>
+      <p:sp>
+        <p:nvSpPr>
+          <p:cNvPr id="115" name="Shape 115"/>
+          <p:cNvSpPr txBox="1">
+            <a:spLocks noGrp="1"/>
+          </p:cNvSpPr>
+          <p:nvPr>
+            <p:ph type="body" idx="1"/>
+          </p:nvPr>
+        </p:nvSpPr>
+        <p:spPr>
+          <a:xfrm>
+            <a:off x="76200" y="1371601"/>
+            <a:ext cx="8991600" cy="3179852"/>
+          </a:xfrm>
+          <a:prstGeom prst="rect">
+            <a:avLst/>
+          </a:prstGeom>
+        </p:spPr>
+        <p:txBody>
+          <a:bodyPr lIns="91425" tIns="91425" rIns="91425" bIns="91425" anchor="t" anchorCtr="0">
+            <a:noAutofit/>
+          </a:bodyPr>
+          <a:lstStyle/>
+          <a:p>
+            <a:pPr lvl="1">
+              <a:spcBef>
+                <a:spcPts val="0"/>
+              </a:spcBef>
+            </a:pPr>
+            <a:r>
+              <a:rPr lang="en-US" b="1" dirty="0"/>
+              <a:t> Error handling:</a:t>
+            </a:r>
+          </a:p>
+          <a:p>
+            <a:pPr lvl="2">
+              <a:spcBef>
+                <a:spcPts val="0"/>
+              </a:spcBef>
+            </a:pPr>
+            <a:r>
+              <a:rPr lang="en-US" b="1" dirty="0"/>
+              <a:t> </a:t>
+            </a:r>
+            <a:r>
+              <a:rPr lang="en-US" dirty="0"/>
+              <a:t>No control structure when handling errors: an error IS or it isn’t. </a:t>
+            </a:r>
+          </a:p>
+          <a:p>
+            <a:pPr lvl="2">
+              <a:spcBef>
+                <a:spcPts val="0"/>
+              </a:spcBef>
+            </a:pPr>
+            <a:endParaRPr lang="en-US" dirty="0"/>
+          </a:p>
+          <a:p>
+            <a:pPr lvl="2">
+              <a:spcBef>
+                <a:spcPts val="0"/>
+              </a:spcBef>
+            </a:pPr>
+            <a:r>
+              <a:rPr lang="en-US" dirty="0"/>
+              <a:t> If an error IS- GO does NOT allow you to pass it up the stack; it uses a very basic “if-return” syntax…</a:t>
+            </a:r>
+          </a:p>
+          <a:p>
+            <a:pPr lvl="2">
+              <a:spcBef>
+                <a:spcPts val="0"/>
+              </a:spcBef>
+            </a:pPr>
+            <a:r>
+              <a:rPr lang="en-US" dirty="0"/>
+              <a:t>So no JAVA/Python/</a:t>
+            </a:r>
+            <a:r>
+              <a:rPr lang="en-US" dirty="0" err="1"/>
+              <a:t>Javascript</a:t>
+            </a:r>
+            <a:r>
+              <a:rPr lang="en-US" dirty="0"/>
+              <a:t> “try-catch-finally” here!</a:t>
+            </a:r>
+          </a:p>
+          <a:p>
+            <a:pPr lvl="2">
+              <a:spcBef>
+                <a:spcPts val="0"/>
+              </a:spcBef>
+            </a:pPr>
+            <a:r>
+              <a:rPr lang="en-US" dirty="0"/>
+              <a:t>Basically- if you go to open a file and it isn’t there- here is Go’s error construct:</a:t>
+            </a:r>
+          </a:p>
+          <a:p>
+            <a:pPr marL="1047750" lvl="2" indent="0">
+              <a:spcBef>
+                <a:spcPts val="0"/>
+              </a:spcBef>
+              <a:buNone/>
+            </a:pPr>
+            <a:endParaRPr lang="en-US" dirty="0"/>
+          </a:p>
+        </p:txBody>
+      </p:sp>
+      <p:sp>
+        <p:nvSpPr>
+          <p:cNvPr id="114" name="Shape 114"/>
+          <p:cNvSpPr txBox="1">
+            <a:spLocks noGrp="1"/>
+          </p:cNvSpPr>
+          <p:nvPr>
+            <p:ph type="title"/>
+          </p:nvPr>
+        </p:nvSpPr>
+        <p:spPr>
+          <a:xfrm>
+            <a:off x="76200" y="152400"/>
+            <a:ext cx="8991600" cy="671400"/>
+          </a:xfrm>
+          <a:prstGeom prst="rect">
+            <a:avLst/>
+          </a:prstGeom>
+        </p:spPr>
+        <p:txBody>
+          <a:bodyPr lIns="91425" tIns="91425" rIns="91425" bIns="91425" anchor="ctr" anchorCtr="0">
+            <a:noAutofit/>
+          </a:bodyPr>
+          <a:lstStyle/>
+          <a:p>
+            <a:pPr lvl="0">
+              <a:spcBef>
+                <a:spcPts val="0"/>
+              </a:spcBef>
+              <a:buNone/>
+            </a:pPr>
+            <a:r>
+              <a:rPr lang="en-US" dirty="0"/>
+              <a:t>So what does Go ACTUALLY HAVE?</a:t>
+            </a:r>
+            <a:endParaRPr dirty="0"/>
+          </a:p>
+        </p:txBody>
+      </p:sp>
+      <p:sp>
+        <p:nvSpPr>
+          <p:cNvPr id="2" name="TextBox 1">
+            <a:extLst>
+              <a:ext uri="{FF2B5EF4-FFF2-40B4-BE49-F238E27FC236}">
+                <a16:creationId xmlns:a16="http://schemas.microsoft.com/office/drawing/2014/main" id="{D61D6768-38F0-C74D-8860-EC7F195304AE}"/>
+              </a:ext>
+            </a:extLst>
+          </p:cNvPr>
+          <p:cNvSpPr txBox="1"/>
+          <p:nvPr/>
+        </p:nvSpPr>
+        <p:spPr>
+          <a:xfrm>
+            <a:off x="7233007" y="5815173"/>
+            <a:ext cx="184731" cy="307777"/>
+          </a:xfrm>
+          <a:prstGeom prst="rect">
+            <a:avLst/>
+          </a:prstGeom>
+          <a:noFill/>
+        </p:spPr>
+        <p:txBody>
+          <a:bodyPr wrap="none" rtlCol="0">
+            <a:spAutoFit/>
+          </a:bodyPr>
+          <a:lstStyle/>
+          <a:p>
+            <a:endParaRPr lang="en-US" dirty="0"/>
+          </a:p>
+        </p:txBody>
+      </p:sp>
+      <p:sp>
+        <p:nvSpPr>
+          <p:cNvPr id="3" name="Rectangle 2">
+            <a:extLst>
+              <a:ext uri="{FF2B5EF4-FFF2-40B4-BE49-F238E27FC236}">
+                <a16:creationId xmlns:a16="http://schemas.microsoft.com/office/drawing/2014/main" id="{62823BFA-AF36-1D4B-A762-70C17D4033C5}"/>
+              </a:ext>
+            </a:extLst>
+          </p:cNvPr>
+          <p:cNvSpPr/>
+          <p:nvPr/>
+        </p:nvSpPr>
+        <p:spPr>
+          <a:xfrm>
+            <a:off x="1233833" y="4243676"/>
+            <a:ext cx="5999174" cy="1569660"/>
+          </a:xfrm>
+          <a:prstGeom prst="rect">
+            <a:avLst/>
+          </a:prstGeom>
+        </p:spPr>
+        <p:txBody>
+          <a:bodyPr wrap="square">
+            <a:spAutoFit/>
+          </a:bodyPr>
+          <a:lstStyle/>
+          <a:p>
+            <a:r>
+              <a:rPr lang="en-US" sz="2400" dirty="0">
+                <a:latin typeface="American Typewriter" panose="02090604020004020304" pitchFamily="18" charset="77"/>
+              </a:rPr>
+              <a:t>f, err := </a:t>
+            </a:r>
+            <a:r>
+              <a:rPr lang="en-US" sz="2400" dirty="0" err="1">
+                <a:latin typeface="American Typewriter" panose="02090604020004020304" pitchFamily="18" charset="77"/>
+              </a:rPr>
+              <a:t>os.Open</a:t>
+            </a:r>
+            <a:r>
+              <a:rPr lang="en-US" sz="2400" dirty="0">
+                <a:latin typeface="American Typewriter" panose="02090604020004020304" pitchFamily="18" charset="77"/>
+              </a:rPr>
+              <a:t>(</a:t>
+            </a:r>
+            <a:r>
+              <a:rPr lang="en-US" sz="2400" dirty="0" err="1">
+                <a:latin typeface="American Typewriter" panose="02090604020004020304" pitchFamily="18" charset="77"/>
+              </a:rPr>
+              <a:t>fileName</a:t>
+            </a:r>
+            <a:r>
+              <a:rPr lang="en-US" sz="2400" dirty="0">
+                <a:latin typeface="American Typewriter" panose="02090604020004020304" pitchFamily="18" charset="77"/>
+              </a:rPr>
+              <a:t>) </a:t>
+            </a:r>
+          </a:p>
+          <a:p>
+            <a:r>
+              <a:rPr lang="en-US" sz="2400" dirty="0">
+                <a:latin typeface="American Typewriter" panose="02090604020004020304" pitchFamily="18" charset="77"/>
+              </a:rPr>
+              <a:t>if err != nil { </a:t>
+            </a:r>
+          </a:p>
+          <a:p>
+            <a:r>
+              <a:rPr lang="en-US" sz="2400" dirty="0">
+                <a:latin typeface="American Typewriter" panose="02090604020004020304" pitchFamily="18" charset="77"/>
+              </a:rPr>
+              <a:t>return err</a:t>
+            </a:r>
+          </a:p>
+          <a:p>
+            <a:r>
+              <a:rPr lang="en-US" sz="2400" dirty="0">
+                <a:latin typeface="American Typewriter" panose="02090604020004020304" pitchFamily="18" charset="77"/>
+              </a:rPr>
+              <a:t> }</a:t>
+            </a:r>
+          </a:p>
+        </p:txBody>
+      </p:sp>
+      <p:pic>
+        <p:nvPicPr>
+          <p:cNvPr id="10242" name="Picture 2" descr="Image result for golang">
+            <a:extLst>
+              <a:ext uri="{FF2B5EF4-FFF2-40B4-BE49-F238E27FC236}">
+                <a16:creationId xmlns:a16="http://schemas.microsoft.com/office/drawing/2014/main" id="{C815D44F-0F1C-314E-B27A-B8B22AF53008}"/>
+              </a:ext>
+            </a:extLst>
+          </p:cNvPr>
+          <p:cNvPicPr>
+            <a:picLocks noChangeAspect="1" noChangeArrowheads="1"/>
+          </p:cNvPicPr>
+          <p:nvPr/>
+        </p:nvPicPr>
+        <p:blipFill>
+          <a:blip r:embed="rId3">
+            <a:extLst>
+              <a:ext uri="{28A0092B-C50C-407E-A947-70E740481C1C}">
+                <a14:useLocalDpi xmlns:a14="http://schemas.microsoft.com/office/drawing/2010/main" val="0"/>
+              </a:ext>
+            </a:extLst>
+          </a:blip>
+          <a:srcRect/>
+          <a:stretch>
+            <a:fillRect/>
+          </a:stretch>
+        </p:blipFill>
+        <p:spPr bwMode="auto">
+          <a:xfrm>
+            <a:off x="5698947" y="3753645"/>
+            <a:ext cx="2857500" cy="2857500"/>
+          </a:xfrm>
+          <a:prstGeom prst="rect">
+            <a:avLst/>
+          </a:prstGeom>
+          <a:noFill/>
+          <a:extLst>
+            <a:ext uri="{909E8E84-426E-40DD-AFC4-6F175D3DCCD1}">
+              <a14:hiddenFill xmlns:a14="http://schemas.microsoft.com/office/drawing/2010/main">
+                <a:solidFill>
+                  <a:srgbClr val="FFFFFF"/>
+                </a:solidFill>
+              </a14:hiddenFill>
+            </a:ext>
+          </a:extLst>
+        </p:spPr>
+      </p:pic>
+    </p:spTree>
+    <p:extLst>
+      <p:ext uri="{BB962C8B-B14F-4D97-AF65-F5344CB8AC3E}">
+        <p14:creationId xmlns:p14="http://schemas.microsoft.com/office/powerpoint/2010/main" val="477057187"/>
+      </p:ext>
+    </p:extLst>
+  </p:cSld>
+  <p:clrMapOvr>
+    <a:masterClrMapping/>
+  </p:clrMapOvr>
+</p:sld>
+</file>
+
+<file path=ppt/slides/slide31.xml><?xml version="1.0" encoding="utf-8"?>
+<p:sld xmlns:a="http://schemas.openxmlformats.org/drawingml/2006/main" xmlns:r="http://schemas.openxmlformats.org/officeDocument/2006/relationships" xmlns:p="http://schemas.openxmlformats.org/presentationml/2006/main">
+  <p:cSld>
+    <p:spTree>
+      <p:nvGrpSpPr>
+        <p:cNvPr id="1" name="Shape 113"/>
+        <p:cNvGrpSpPr/>
+        <p:nvPr/>
+      </p:nvGrpSpPr>
+      <p:grpSpPr>
+        <a:xfrm>
+          <a:off x="0" y="0"/>
+          <a:ext cx="0" cy="0"/>
+          <a:chOff x="0" y="0"/>
+          <a:chExt cx="0" cy="0"/>
+        </a:xfrm>
+      </p:grpSpPr>
+      <p:sp>
+        <p:nvSpPr>
+          <p:cNvPr id="115" name="Shape 115"/>
+          <p:cNvSpPr txBox="1">
+            <a:spLocks noGrp="1"/>
+          </p:cNvSpPr>
+          <p:nvPr>
+            <p:ph type="body" idx="1"/>
+          </p:nvPr>
+        </p:nvSpPr>
+        <p:spPr>
+          <a:xfrm>
+            <a:off x="76200" y="1371601"/>
+            <a:ext cx="8991600" cy="3179852"/>
+          </a:xfrm>
+          <a:prstGeom prst="rect">
+            <a:avLst/>
+          </a:prstGeom>
+        </p:spPr>
+        <p:txBody>
+          <a:bodyPr lIns="91425" tIns="91425" rIns="91425" bIns="91425" anchor="t" anchorCtr="0">
+            <a:noAutofit/>
+          </a:bodyPr>
+          <a:lstStyle/>
+          <a:p>
+            <a:pPr lvl="1">
+              <a:spcBef>
+                <a:spcPts val="0"/>
+              </a:spcBef>
+            </a:pPr>
+            <a:r>
+              <a:rPr lang="en-US" b="1" dirty="0"/>
+              <a:t> To summarize: GOLANG is designed to do the following:</a:t>
+            </a:r>
+          </a:p>
+          <a:p>
+            <a:pPr lvl="2"/>
+            <a:r>
+              <a:rPr lang="en-US" dirty="0"/>
+              <a:t>Clear dependencies</a:t>
+            </a:r>
+          </a:p>
+          <a:p>
+            <a:pPr lvl="2"/>
+            <a:r>
+              <a:rPr lang="en-US" dirty="0"/>
+              <a:t>Clear syntax</a:t>
+            </a:r>
+          </a:p>
+          <a:p>
+            <a:pPr lvl="2"/>
+            <a:r>
+              <a:rPr lang="en-US" dirty="0"/>
+              <a:t>Clear semantics</a:t>
+            </a:r>
+          </a:p>
+          <a:p>
+            <a:pPr lvl="2"/>
+            <a:r>
+              <a:rPr lang="en-US" dirty="0"/>
+              <a:t>Composition over inheritance</a:t>
+            </a:r>
+          </a:p>
+          <a:p>
+            <a:pPr lvl="2"/>
+            <a:r>
+              <a:rPr lang="en-US" dirty="0"/>
+              <a:t>Simplicity provided by the programming model (garbage collection, concurrency)</a:t>
+            </a:r>
+          </a:p>
+          <a:p>
+            <a:pPr lvl="2"/>
+            <a:r>
+              <a:rPr lang="en-US" dirty="0"/>
+              <a:t>Easy tooling (the go tool, </a:t>
+            </a:r>
+            <a:r>
+              <a:rPr lang="en-US" dirty="0" err="1"/>
+              <a:t>gofmt</a:t>
+            </a:r>
+            <a:r>
+              <a:rPr lang="en-US" dirty="0"/>
+              <a:t>, </a:t>
+            </a:r>
+            <a:r>
+              <a:rPr lang="en-US" dirty="0" err="1"/>
+              <a:t>godoc</a:t>
+            </a:r>
+            <a:r>
+              <a:rPr lang="en-US" dirty="0"/>
+              <a:t>, </a:t>
+            </a:r>
+            <a:r>
+              <a:rPr lang="en-US" dirty="0" err="1"/>
+              <a:t>gofix</a:t>
+            </a:r>
+            <a:r>
+              <a:rPr lang="en-US" dirty="0"/>
+              <a:t>)</a:t>
+            </a:r>
+          </a:p>
+          <a:p>
+            <a:pPr marL="1047750" lvl="2" indent="0">
+              <a:spcBef>
+                <a:spcPts val="0"/>
+              </a:spcBef>
+              <a:buNone/>
+            </a:pPr>
+            <a:endParaRPr lang="en-US" dirty="0"/>
+          </a:p>
+        </p:txBody>
+      </p:sp>
+      <p:sp>
+        <p:nvSpPr>
+          <p:cNvPr id="114" name="Shape 114"/>
+          <p:cNvSpPr txBox="1">
+            <a:spLocks noGrp="1"/>
+          </p:cNvSpPr>
+          <p:nvPr>
+            <p:ph type="title"/>
+          </p:nvPr>
+        </p:nvSpPr>
+        <p:spPr>
+          <a:xfrm>
+            <a:off x="76200" y="152400"/>
+            <a:ext cx="8991600" cy="671400"/>
+          </a:xfrm>
+          <a:prstGeom prst="rect">
+            <a:avLst/>
+          </a:prstGeom>
+        </p:spPr>
+        <p:txBody>
+          <a:bodyPr lIns="91425" tIns="91425" rIns="91425" bIns="91425" anchor="ctr" anchorCtr="0">
+            <a:noAutofit/>
+          </a:bodyPr>
+          <a:lstStyle/>
+          <a:p>
+            <a:pPr lvl="0">
+              <a:spcBef>
+                <a:spcPts val="0"/>
+              </a:spcBef>
+              <a:buNone/>
+            </a:pPr>
+            <a:r>
+              <a:rPr lang="en-US" dirty="0"/>
+              <a:t>SUMMARY OF Philosophy</a:t>
+            </a:r>
+            <a:endParaRPr dirty="0"/>
+          </a:p>
+        </p:txBody>
+      </p:sp>
+      <p:sp>
+        <p:nvSpPr>
+          <p:cNvPr id="2" name="TextBox 1">
+            <a:extLst>
+              <a:ext uri="{FF2B5EF4-FFF2-40B4-BE49-F238E27FC236}">
+                <a16:creationId xmlns:a16="http://schemas.microsoft.com/office/drawing/2014/main" id="{D61D6768-38F0-C74D-8860-EC7F195304AE}"/>
+              </a:ext>
+            </a:extLst>
+          </p:cNvPr>
+          <p:cNvSpPr txBox="1"/>
+          <p:nvPr/>
+        </p:nvSpPr>
+        <p:spPr>
+          <a:xfrm>
+            <a:off x="7233007" y="5815173"/>
+            <a:ext cx="184731" cy="307777"/>
+          </a:xfrm>
+          <a:prstGeom prst="rect">
+            <a:avLst/>
+          </a:prstGeom>
+          <a:noFill/>
+        </p:spPr>
+        <p:txBody>
+          <a:bodyPr wrap="none" rtlCol="0">
+            <a:spAutoFit/>
+          </a:bodyPr>
+          <a:lstStyle/>
+          <a:p>
+            <a:endParaRPr lang="en-US" dirty="0"/>
+          </a:p>
+        </p:txBody>
+      </p:sp>
+      <p:pic>
+        <p:nvPicPr>
+          <p:cNvPr id="11266" name="Picture 2" descr="https://talks.golang.org/2012/splash/appenginegophercolor.jpg">
+            <a:extLst>
+              <a:ext uri="{FF2B5EF4-FFF2-40B4-BE49-F238E27FC236}">
+                <a16:creationId xmlns:a16="http://schemas.microsoft.com/office/drawing/2014/main" id="{C6CED0FD-4FE5-1A4D-A7A9-3077031CFC71}"/>
+              </a:ext>
+            </a:extLst>
+          </p:cNvPr>
+          <p:cNvPicPr>
+            <a:picLocks noChangeAspect="1" noChangeArrowheads="1"/>
+          </p:cNvPicPr>
+          <p:nvPr/>
+        </p:nvPicPr>
+        <p:blipFill>
+          <a:blip r:embed="rId3">
+            <a:extLst>
+              <a:ext uri="{28A0092B-C50C-407E-A947-70E740481C1C}">
+                <a14:useLocalDpi xmlns:a14="http://schemas.microsoft.com/office/drawing/2010/main" val="0"/>
+              </a:ext>
+            </a:extLst>
+          </a:blip>
+          <a:srcRect/>
+          <a:stretch>
+            <a:fillRect/>
+          </a:stretch>
+        </p:blipFill>
+        <p:spPr bwMode="auto">
+          <a:xfrm>
+            <a:off x="2864622" y="4493080"/>
+            <a:ext cx="3361517" cy="2118456"/>
+          </a:xfrm>
+          <a:prstGeom prst="rect">
+            <a:avLst/>
+          </a:prstGeom>
+          <a:noFill/>
+          <a:extLst>
+            <a:ext uri="{909E8E84-426E-40DD-AFC4-6F175D3DCCD1}">
+              <a14:hiddenFill xmlns:a14="http://schemas.microsoft.com/office/drawing/2010/main">
+                <a:solidFill>
+                  <a:srgbClr val="FFFFFF"/>
+                </a:solidFill>
+              </a14:hiddenFill>
+            </a:ext>
+          </a:extLst>
+        </p:spPr>
+      </p:pic>
+    </p:spTree>
+    <p:extLst>
+      <p:ext uri="{BB962C8B-B14F-4D97-AF65-F5344CB8AC3E}">
+        <p14:creationId xmlns:p14="http://schemas.microsoft.com/office/powerpoint/2010/main" val="2251027664"/>
+      </p:ext>
+    </p:extLst>
+  </p:cSld>
+  <p:clrMapOvr>
+    <a:masterClrMapping/>
+  </p:clrMapOvr>
+</p:sld>
+</file>
+
+<file path=ppt/slides/slide32.xml><?xml version="1.0" encoding="utf-8"?>
+<p:sld xmlns:a="http://schemas.openxmlformats.org/drawingml/2006/main" xmlns:r="http://schemas.openxmlformats.org/officeDocument/2006/relationships" xmlns:p="http://schemas.openxmlformats.org/presentationml/2006/main">
+  <p:cSld>
+    <p:spTree>
+      <p:nvGrpSpPr>
+        <p:cNvPr id="1" name="Shape 113"/>
+        <p:cNvGrpSpPr/>
+        <p:nvPr/>
+      </p:nvGrpSpPr>
+      <p:grpSpPr>
+        <a:xfrm>
+          <a:off x="0" y="0"/>
+          <a:ext cx="0" cy="0"/>
+          <a:chOff x="0" y="0"/>
+          <a:chExt cx="0" cy="0"/>
+        </a:xfrm>
+      </p:grpSpPr>
+      <p:sp>
+        <p:nvSpPr>
+          <p:cNvPr id="114" name="Shape 114"/>
+          <p:cNvSpPr txBox="1">
+            <a:spLocks noGrp="1"/>
+          </p:cNvSpPr>
+          <p:nvPr>
+            <p:ph type="title"/>
+          </p:nvPr>
+        </p:nvSpPr>
+        <p:spPr>
+          <a:xfrm>
+            <a:off x="76200" y="152400"/>
+            <a:ext cx="8991600" cy="671400"/>
+          </a:xfrm>
+          <a:prstGeom prst="rect">
+            <a:avLst/>
+          </a:prstGeom>
+        </p:spPr>
+        <p:txBody>
+          <a:bodyPr lIns="91425" tIns="91425" rIns="91425" bIns="91425" anchor="ctr" anchorCtr="0">
+            <a:noAutofit/>
+          </a:bodyPr>
+          <a:lstStyle/>
+          <a:p>
+            <a:pPr lvl="0">
+              <a:spcBef>
+                <a:spcPts val="0"/>
+              </a:spcBef>
+              <a:buNone/>
+            </a:pPr>
+            <a:r>
+              <a:rPr lang="en-US" dirty="0"/>
+              <a:t>Questions on Module One?</a:t>
+            </a:r>
+            <a:endParaRPr dirty="0"/>
+          </a:p>
+        </p:txBody>
+      </p:sp>
+      <p:sp>
+        <p:nvSpPr>
+          <p:cNvPr id="2" name="TextBox 1">
+            <a:extLst>
+              <a:ext uri="{FF2B5EF4-FFF2-40B4-BE49-F238E27FC236}">
+                <a16:creationId xmlns:a16="http://schemas.microsoft.com/office/drawing/2014/main" id="{D61D6768-38F0-C74D-8860-EC7F195304AE}"/>
+              </a:ext>
+            </a:extLst>
+          </p:cNvPr>
+          <p:cNvSpPr txBox="1"/>
+          <p:nvPr/>
+        </p:nvSpPr>
+        <p:spPr>
+          <a:xfrm>
+            <a:off x="7233007" y="5815173"/>
+            <a:ext cx="184731" cy="307777"/>
+          </a:xfrm>
+          <a:prstGeom prst="rect">
+            <a:avLst/>
+          </a:prstGeom>
+          <a:noFill/>
+        </p:spPr>
+        <p:txBody>
+          <a:bodyPr wrap="none" rtlCol="0">
+            <a:spAutoFit/>
+          </a:bodyPr>
+          <a:lstStyle/>
+          <a:p>
+            <a:endParaRPr lang="en-US" dirty="0"/>
+          </a:p>
+        </p:txBody>
+      </p:sp>
+      <p:pic>
+        <p:nvPicPr>
+          <p:cNvPr id="12290" name="Picture 2" descr="Image result for golang, questions">
+            <a:extLst>
+              <a:ext uri="{FF2B5EF4-FFF2-40B4-BE49-F238E27FC236}">
+                <a16:creationId xmlns:a16="http://schemas.microsoft.com/office/drawing/2014/main" id="{202F0E14-D001-C344-9D37-6F996CD7628C}"/>
+              </a:ext>
+            </a:extLst>
+          </p:cNvPr>
+          <p:cNvPicPr>
+            <a:picLocks noChangeAspect="1" noChangeArrowheads="1"/>
+          </p:cNvPicPr>
+          <p:nvPr/>
+        </p:nvPicPr>
+        <p:blipFill>
+          <a:blip r:embed="rId3">
+            <a:extLst>
+              <a:ext uri="{28A0092B-C50C-407E-A947-70E740481C1C}">
+                <a14:useLocalDpi xmlns:a14="http://schemas.microsoft.com/office/drawing/2010/main" val="0"/>
+              </a:ext>
+            </a:extLst>
+          </a:blip>
+          <a:srcRect/>
+          <a:stretch>
+            <a:fillRect/>
+          </a:stretch>
+        </p:blipFill>
+        <p:spPr bwMode="auto">
+          <a:xfrm>
+            <a:off x="76199" y="1375166"/>
+            <a:ext cx="8667109" cy="5199087"/>
+          </a:xfrm>
+          <a:prstGeom prst="rect">
+            <a:avLst/>
+          </a:prstGeom>
+          <a:noFill/>
+          <a:extLst>
+            <a:ext uri="{909E8E84-426E-40DD-AFC4-6F175D3DCCD1}">
+              <a14:hiddenFill xmlns:a14="http://schemas.microsoft.com/office/drawing/2010/main">
+                <a:solidFill>
+                  <a:srgbClr val="FFFFFF"/>
+                </a:solidFill>
+              </a14:hiddenFill>
+            </a:ext>
+          </a:extLst>
+        </p:spPr>
+      </p:pic>
+    </p:spTree>
+    <p:extLst>
+      <p:ext uri="{BB962C8B-B14F-4D97-AF65-F5344CB8AC3E}">
+        <p14:creationId xmlns:p14="http://schemas.microsoft.com/office/powerpoint/2010/main" val="3832158802"/>
+      </p:ext>
+    </p:extLst>
+  </p:cSld>
+  <p:clrMapOvr>
+    <a:masterClrMapping/>
+  </p:clrMapOvr>
+</p:sld>
+</file>
+
+<file path=ppt/slides/slide33.xml><?xml version="1.0" encoding="utf-8"?>
+<p:sld xmlns:a="http://schemas.openxmlformats.org/drawingml/2006/main" xmlns:r="http://schemas.openxmlformats.org/officeDocument/2006/relationships" xmlns:p="http://schemas.openxmlformats.org/presentationml/2006/main">
+  <p:cSld>
+    <p:spTree>
+      <p:nvGrpSpPr>
+        <p:cNvPr id="1" name="Shape 56"/>
+        <p:cNvGrpSpPr/>
+        <p:nvPr/>
+      </p:nvGrpSpPr>
+      <p:grpSpPr>
+        <a:xfrm>
+          <a:off x="0" y="0"/>
+          <a:ext cx="0" cy="0"/>
+          <a:chOff x="0" y="0"/>
+          <a:chExt cx="0" cy="0"/>
+        </a:xfrm>
+      </p:grpSpPr>
+      <p:sp>
+        <p:nvSpPr>
+          <p:cNvPr id="57" name="Shape 57"/>
+          <p:cNvSpPr txBox="1">
+            <a:spLocks noGrp="1"/>
+          </p:cNvSpPr>
+          <p:nvPr>
+            <p:ph type="ctrTitle"/>
+          </p:nvPr>
+        </p:nvSpPr>
+        <p:spPr>
+          <a:xfrm>
+            <a:off x="304800" y="3109730"/>
+            <a:ext cx="7772400" cy="1200329"/>
+          </a:xfrm>
+          <a:prstGeom prst="rect">
+            <a:avLst/>
+          </a:prstGeom>
+          <a:noFill/>
+          <a:ln>
+            <a:noFill/>
+          </a:ln>
+        </p:spPr>
+        <p:txBody>
+          <a:bodyPr lIns="91425" tIns="45700" rIns="91425" bIns="45700" anchor="ctr" anchorCtr="0">
+            <a:noAutofit/>
+          </a:bodyPr>
+          <a:lstStyle/>
+          <a:p>
+            <a:pPr marL="0" marR="0" lvl="0" indent="0" algn="ctr" rtl="0">
+              <a:spcBef>
+                <a:spcPts val="0"/>
+              </a:spcBef>
+              <a:spcAft>
+                <a:spcPts val="0"/>
+              </a:spcAft>
+              <a:buSzPct val="25000"/>
+              <a:buNone/>
+            </a:pPr>
+            <a:r>
+              <a:rPr lang="en-US" sz="3600" b="1"/>
+              <a:t>Module Two:</a:t>
+            </a:r>
+            <a:br>
+              <a:rPr lang="en-US" sz="3600" b="1" dirty="0"/>
+            </a:br>
+            <a:r>
+              <a:rPr lang="en-US" sz="3600" b="1" dirty="0"/>
+              <a:t>The Philosophy and History behind </a:t>
+            </a:r>
+            <a:r>
+              <a:rPr lang="en-US" sz="3600" b="1" dirty="0" err="1"/>
+              <a:t>GoLang</a:t>
+            </a:r>
+            <a:endParaRPr lang="en-US" sz="3600" b="1" i="0" u="none" strike="noStrike" cap="none" dirty="0">
+              <a:solidFill>
+                <a:schemeClr val="lt1"/>
+              </a:solidFill>
+              <a:latin typeface="Arial"/>
+              <a:ea typeface="Arial"/>
+              <a:cs typeface="Arial"/>
+              <a:sym typeface="Arial"/>
+            </a:endParaRPr>
+          </a:p>
+        </p:txBody>
+      </p:sp>
+      <p:pic>
+        <p:nvPicPr>
+          <p:cNvPr id="58" name="Shape 58" descr="DI name white.eps"/>
+          <p:cNvPicPr preferRelativeResize="0"/>
+          <p:nvPr/>
+        </p:nvPicPr>
+        <p:blipFill rotWithShape="1">
+          <a:blip r:embed="rId3">
+            <a:alphaModFix/>
+          </a:blip>
+          <a:srcRect/>
+          <a:stretch/>
+        </p:blipFill>
+        <p:spPr>
+          <a:xfrm>
+            <a:off x="200214" y="335761"/>
+            <a:ext cx="4371786" cy="485754"/>
+          </a:xfrm>
+          <a:prstGeom prst="rect">
+            <a:avLst/>
+          </a:prstGeom>
+          <a:noFill/>
+          <a:ln>
+            <a:noFill/>
+          </a:ln>
+        </p:spPr>
+      </p:pic>
+    </p:spTree>
+    <p:extLst>
+      <p:ext uri="{BB962C8B-B14F-4D97-AF65-F5344CB8AC3E}">
+        <p14:creationId xmlns:p14="http://schemas.microsoft.com/office/powerpoint/2010/main" val="1428863763"/>
+      </p:ext>
+    </p:extLst>
+  </p:cSld>
+  <p:clrMapOvr>
+    <a:masterClrMapping/>
+  </p:clrMapOvr>
+</p:sld>
+</file>
+
 <file path=ppt/slides/slide4.xml><?xml version="1.0" encoding="utf-8"?>
 <p:sld xmlns:a="http://schemas.openxmlformats.org/drawingml/2006/main" xmlns:r="http://schemas.openxmlformats.org/officeDocument/2006/relationships" xmlns:p="http://schemas.openxmlformats.org/presentationml/2006/main">
   <p:cSld>
@@ -12186,8 +17445,55 @@
         </p:blipFill>
         <p:spPr bwMode="auto">
           <a:xfrm>
-            <a:off x="4572000" y="4407613"/>
+            <a:off x="3111344" y="4407613"/>
             <a:ext cx="1460656" cy="1993186"/>
+          </a:xfrm>
+          <a:prstGeom prst="rect">
+            <a:avLst/>
+          </a:prstGeom>
+          <a:noFill/>
+          <a:extLst>
+            <a:ext uri="{909E8E84-426E-40DD-AFC4-6F175D3DCCD1}">
+              <a14:hiddenFill xmlns:a14="http://schemas.microsoft.com/office/drawing/2010/main">
+                <a:solidFill>
+                  <a:srgbClr val="FFFFFF"/>
+                </a:solidFill>
+              </a14:hiddenFill>
+            </a:ext>
+          </a:extLst>
+        </p:spPr>
+      </p:pic>
+      <p:pic>
+        <p:nvPicPr>
+          <p:cNvPr id="9220" name="Picture 4" descr="Image may contain: Fernando Pombeiro, dog">
+            <a:extLst>
+              <a:ext uri="{FF2B5EF4-FFF2-40B4-BE49-F238E27FC236}">
+                <a16:creationId xmlns:a16="http://schemas.microsoft.com/office/drawing/2014/main" id="{0E9D3405-2266-0243-ADF5-BCEABE53AA7A}"/>
+              </a:ext>
+            </a:extLst>
+          </p:cNvPr>
+          <p:cNvPicPr>
+            <a:picLocks noChangeAspect="1" noChangeArrowheads="1"/>
+          </p:cNvPicPr>
+          <p:nvPr/>
+        </p:nvPicPr>
+        <p:blipFill>
+          <a:blip r:embed="rId4">
+            <a:extLst>
+              <a:ext uri="{28A0092B-C50C-407E-A947-70E740481C1C}">
+                <a14:useLocalDpi xmlns:a14="http://schemas.microsoft.com/office/drawing/2010/main" val="0"/>
+              </a:ext>
+            </a:extLst>
+          </a:blip>
+          <a:srcRect/>
+          <a:stretch>
+            <a:fillRect/>
+          </a:stretch>
+        </p:blipFill>
+        <p:spPr bwMode="auto">
+          <a:xfrm>
+            <a:off x="5129372" y="4479532"/>
+            <a:ext cx="2101065" cy="2101065"/>
           </a:xfrm>
           <a:prstGeom prst="rect">
             <a:avLst/>
@@ -13205,6 +18511,13 @@
               <a:buSzPct val="25000"/>
               <a:buNone/>
             </a:pPr>
+            <a:r>
+              <a:rPr lang="en-US" sz="3600" b="1" dirty="0"/>
+              <a:t>Module One:</a:t>
+            </a:r>
+            <a:br>
+              <a:rPr lang="en-US" sz="3600" b="1" dirty="0"/>
+            </a:br>
             <a:r>
               <a:rPr lang="en-US" sz="3600" b="1" dirty="0"/>
               <a:t>The Philosophy and History behind </a:t>
